--- a/doc/section2.pptx
+++ b/doc/section2.pptx
@@ -4,6 +4,9 @@
   <p:sldMasterIdLst>
     <p:sldMasterId id="2147483648" r:id="rId1"/>
   </p:sldMasterIdLst>
+  <p:notesMasterIdLst>
+    <p:notesMasterId r:id="rId30"/>
+  </p:notesMasterIdLst>
   <p:sldIdLst>
     <p:sldId id="269" r:id="rId2"/>
     <p:sldId id="268" r:id="rId3"/>
@@ -16,11 +19,23 @@
     <p:sldId id="273" r:id="rId10"/>
     <p:sldId id="275" r:id="rId11"/>
     <p:sldId id="278" r:id="rId12"/>
-    <p:sldId id="272" r:id="rId13"/>
-    <p:sldId id="265" r:id="rId14"/>
-    <p:sldId id="279" r:id="rId15"/>
-    <p:sldId id="266" r:id="rId16"/>
-    <p:sldId id="267" r:id="rId17"/>
+    <p:sldId id="287" r:id="rId13"/>
+    <p:sldId id="288" r:id="rId14"/>
+    <p:sldId id="289" r:id="rId15"/>
+    <p:sldId id="290" r:id="rId16"/>
+    <p:sldId id="291" r:id="rId17"/>
+    <p:sldId id="292" r:id="rId18"/>
+    <p:sldId id="293" r:id="rId19"/>
+    <p:sldId id="272" r:id="rId20"/>
+    <p:sldId id="265" r:id="rId21"/>
+    <p:sldId id="266" r:id="rId22"/>
+    <p:sldId id="279" r:id="rId23"/>
+    <p:sldId id="281" r:id="rId24"/>
+    <p:sldId id="283" r:id="rId25"/>
+    <p:sldId id="285" r:id="rId26"/>
+    <p:sldId id="284" r:id="rId27"/>
+    <p:sldId id="286" r:id="rId28"/>
+    <p:sldId id="267" r:id="rId29"/>
   </p:sldIdLst>
   <p:sldSz cx="9144000" cy="6858000" type="screen4x3"/>
   <p:notesSz cx="6858000" cy="9144000"/>
@@ -120,6 +135,1246 @@
     </a:lvl9pPr>
   </p:defaultTextStyle>
 </p:presentation>
+</file>
+
+<file path=ppt/notesMasters/notesMaster1.xml><?xml version="1.0" encoding="utf-8"?>
+<p:notesMaster xmlns:a="http://schemas.openxmlformats.org/drawingml/2006/main" xmlns:r="http://schemas.openxmlformats.org/officeDocument/2006/relationships" xmlns:p="http://schemas.openxmlformats.org/presentationml/2006/main">
+  <p:cSld>
+    <p:bg>
+      <p:bgRef idx="1001">
+        <a:schemeClr val="bg1"/>
+      </p:bgRef>
+    </p:bg>
+    <p:spTree>
+      <p:nvGrpSpPr>
+        <p:cNvPr id="1" name=""/>
+        <p:cNvGrpSpPr/>
+        <p:nvPr/>
+      </p:nvGrpSpPr>
+      <p:grpSpPr>
+        <a:xfrm>
+          <a:off x="0" y="0"/>
+          <a:ext cx="0" cy="0"/>
+          <a:chOff x="0" y="0"/>
+          <a:chExt cx="0" cy="0"/>
+        </a:xfrm>
+      </p:grpSpPr>
+      <p:sp>
+        <p:nvSpPr>
+          <p:cNvPr id="2" name="Header Placeholder 1"/>
+          <p:cNvSpPr>
+            <a:spLocks noGrp="1"/>
+          </p:cNvSpPr>
+          <p:nvPr>
+            <p:ph type="hdr" sz="quarter"/>
+          </p:nvPr>
+        </p:nvSpPr>
+        <p:spPr>
+          <a:xfrm>
+            <a:off x="0" y="0"/>
+            <a:ext cx="2971800" cy="457200"/>
+          </a:xfrm>
+          <a:prstGeom prst="rect">
+            <a:avLst/>
+          </a:prstGeom>
+        </p:spPr>
+        <p:txBody>
+          <a:bodyPr vert="horz" lIns="91440" tIns="45720" rIns="91440" bIns="45720" rtlCol="0"/>
+          <a:lstStyle>
+            <a:lvl1pPr algn="l">
+              <a:defRPr sz="1200"/>
+            </a:lvl1pPr>
+          </a:lstStyle>
+          <a:p>
+            <a:endParaRPr lang="en-US"/>
+          </a:p>
+        </p:txBody>
+      </p:sp>
+      <p:sp>
+        <p:nvSpPr>
+          <p:cNvPr id="3" name="Date Placeholder 2"/>
+          <p:cNvSpPr>
+            <a:spLocks noGrp="1"/>
+          </p:cNvSpPr>
+          <p:nvPr>
+            <p:ph type="dt" idx="1"/>
+          </p:nvPr>
+        </p:nvSpPr>
+        <p:spPr>
+          <a:xfrm>
+            <a:off x="3884613" y="0"/>
+            <a:ext cx="2971800" cy="457200"/>
+          </a:xfrm>
+          <a:prstGeom prst="rect">
+            <a:avLst/>
+          </a:prstGeom>
+        </p:spPr>
+        <p:txBody>
+          <a:bodyPr vert="horz" lIns="91440" tIns="45720" rIns="91440" bIns="45720" rtlCol="0"/>
+          <a:lstStyle>
+            <a:lvl1pPr algn="r">
+              <a:defRPr sz="1200"/>
+            </a:lvl1pPr>
+          </a:lstStyle>
+          <a:p>
+            <a:fld id="{2E980BD2-6CA2-1C4C-A1A3-76D4D1EFC2A6}" type="datetimeFigureOut">
+              <a:rPr lang="en-US" smtClean="0"/>
+              <a:t>4/15/13</a:t>
+            </a:fld>
+            <a:endParaRPr lang="en-US"/>
+          </a:p>
+        </p:txBody>
+      </p:sp>
+      <p:sp>
+        <p:nvSpPr>
+          <p:cNvPr id="4" name="Slide Image Placeholder 3"/>
+          <p:cNvSpPr>
+            <a:spLocks noGrp="1" noRot="1" noChangeAspect="1"/>
+          </p:cNvSpPr>
+          <p:nvPr>
+            <p:ph type="sldImg" idx="2"/>
+          </p:nvPr>
+        </p:nvSpPr>
+        <p:spPr>
+          <a:xfrm>
+            <a:off x="1143000" y="685800"/>
+            <a:ext cx="4572000" cy="3429000"/>
+          </a:xfrm>
+          <a:prstGeom prst="rect">
+            <a:avLst/>
+          </a:prstGeom>
+          <a:noFill/>
+          <a:ln w="12700">
+            <a:solidFill>
+              <a:prstClr val="black"/>
+            </a:solidFill>
+          </a:ln>
+        </p:spPr>
+        <p:txBody>
+          <a:bodyPr vert="horz" lIns="91440" tIns="45720" rIns="91440" bIns="45720" rtlCol="0" anchor="ctr"/>
+          <a:lstStyle/>
+          <a:p>
+            <a:endParaRPr lang="en-US"/>
+          </a:p>
+        </p:txBody>
+      </p:sp>
+      <p:sp>
+        <p:nvSpPr>
+          <p:cNvPr id="5" name="Notes Placeholder 4"/>
+          <p:cNvSpPr>
+            <a:spLocks noGrp="1"/>
+          </p:cNvSpPr>
+          <p:nvPr>
+            <p:ph type="body" sz="quarter" idx="3"/>
+          </p:nvPr>
+        </p:nvSpPr>
+        <p:spPr>
+          <a:xfrm>
+            <a:off x="685800" y="4343400"/>
+            <a:ext cx="5486400" cy="4114800"/>
+          </a:xfrm>
+          <a:prstGeom prst="rect">
+            <a:avLst/>
+          </a:prstGeom>
+        </p:spPr>
+        <p:txBody>
+          <a:bodyPr vert="horz" lIns="91440" tIns="45720" rIns="91440" bIns="45720" rtlCol="0"/>
+          <a:lstStyle/>
+          <a:p>
+            <a:pPr lvl="0"/>
+            <a:r>
+              <a:rPr lang="en-US" smtClean="0"/>
+              <a:t>Click to edit Master text styles</a:t>
+            </a:r>
+          </a:p>
+          <a:p>
+            <a:pPr lvl="1"/>
+            <a:r>
+              <a:rPr lang="en-US" smtClean="0"/>
+              <a:t>Second level</a:t>
+            </a:r>
+          </a:p>
+          <a:p>
+            <a:pPr lvl="2"/>
+            <a:r>
+              <a:rPr lang="en-US" smtClean="0"/>
+              <a:t>Third level</a:t>
+            </a:r>
+          </a:p>
+          <a:p>
+            <a:pPr lvl="3"/>
+            <a:r>
+              <a:rPr lang="en-US" smtClean="0"/>
+              <a:t>Fourth level</a:t>
+            </a:r>
+          </a:p>
+          <a:p>
+            <a:pPr lvl="4"/>
+            <a:r>
+              <a:rPr lang="en-US" smtClean="0"/>
+              <a:t>Fifth level</a:t>
+            </a:r>
+            <a:endParaRPr lang="en-US"/>
+          </a:p>
+        </p:txBody>
+      </p:sp>
+      <p:sp>
+        <p:nvSpPr>
+          <p:cNvPr id="6" name="Footer Placeholder 5"/>
+          <p:cNvSpPr>
+            <a:spLocks noGrp="1"/>
+          </p:cNvSpPr>
+          <p:nvPr>
+            <p:ph type="ftr" sz="quarter" idx="4"/>
+          </p:nvPr>
+        </p:nvSpPr>
+        <p:spPr>
+          <a:xfrm>
+            <a:off x="0" y="8685213"/>
+            <a:ext cx="2971800" cy="457200"/>
+          </a:xfrm>
+          <a:prstGeom prst="rect">
+            <a:avLst/>
+          </a:prstGeom>
+        </p:spPr>
+        <p:txBody>
+          <a:bodyPr vert="horz" lIns="91440" tIns="45720" rIns="91440" bIns="45720" rtlCol="0" anchor="b"/>
+          <a:lstStyle>
+            <a:lvl1pPr algn="l">
+              <a:defRPr sz="1200"/>
+            </a:lvl1pPr>
+          </a:lstStyle>
+          <a:p>
+            <a:endParaRPr lang="en-US"/>
+          </a:p>
+        </p:txBody>
+      </p:sp>
+      <p:sp>
+        <p:nvSpPr>
+          <p:cNvPr id="7" name="Slide Number Placeholder 6"/>
+          <p:cNvSpPr>
+            <a:spLocks noGrp="1"/>
+          </p:cNvSpPr>
+          <p:nvPr>
+            <p:ph type="sldNum" sz="quarter" idx="5"/>
+          </p:nvPr>
+        </p:nvSpPr>
+        <p:spPr>
+          <a:xfrm>
+            <a:off x="3884613" y="8685213"/>
+            <a:ext cx="2971800" cy="457200"/>
+          </a:xfrm>
+          <a:prstGeom prst="rect">
+            <a:avLst/>
+          </a:prstGeom>
+        </p:spPr>
+        <p:txBody>
+          <a:bodyPr vert="horz" lIns="91440" tIns="45720" rIns="91440" bIns="45720" rtlCol="0" anchor="b"/>
+          <a:lstStyle>
+            <a:lvl1pPr algn="r">
+              <a:defRPr sz="1200"/>
+            </a:lvl1pPr>
+          </a:lstStyle>
+          <a:p>
+            <a:fld id="{C033C05C-4B94-1249-B4AC-E15E0B41DF5C}" type="slidenum">
+              <a:rPr lang="en-US" smtClean="0"/>
+              <a:t>‹#›</a:t>
+            </a:fld>
+            <a:endParaRPr lang="en-US"/>
+          </a:p>
+        </p:txBody>
+      </p:sp>
+    </p:spTree>
+    <p:extLst>
+      <p:ext uri="{BB962C8B-B14F-4D97-AF65-F5344CB8AC3E}">
+        <p14:creationId xmlns:p14="http://schemas.microsoft.com/office/powerpoint/2010/main" val="1437917941"/>
+      </p:ext>
+    </p:extLst>
+  </p:cSld>
+  <p:clrMap bg1="lt1" tx1="dk1" bg2="lt2" tx2="dk2" accent1="accent1" accent2="accent2" accent3="accent3" accent4="accent4" accent5="accent5" accent6="accent6" hlink="hlink" folHlink="folHlink"/>
+  <p:notesStyle>
+    <a:lvl1pPr marL="0" algn="l" defTabSz="457200" rtl="0" eaLnBrk="1" latinLnBrk="0" hangingPunct="1">
+      <a:defRPr sz="1200" kern="1200">
+        <a:solidFill>
+          <a:schemeClr val="tx1"/>
+        </a:solidFill>
+        <a:latin typeface="+mn-lt"/>
+        <a:ea typeface="+mn-ea"/>
+        <a:cs typeface="+mn-cs"/>
+      </a:defRPr>
+    </a:lvl1pPr>
+    <a:lvl2pPr marL="457200" algn="l" defTabSz="457200" rtl="0" eaLnBrk="1" latinLnBrk="0" hangingPunct="1">
+      <a:defRPr sz="1200" kern="1200">
+        <a:solidFill>
+          <a:schemeClr val="tx1"/>
+        </a:solidFill>
+        <a:latin typeface="+mn-lt"/>
+        <a:ea typeface="+mn-ea"/>
+        <a:cs typeface="+mn-cs"/>
+      </a:defRPr>
+    </a:lvl2pPr>
+    <a:lvl3pPr marL="914400" algn="l" defTabSz="457200" rtl="0" eaLnBrk="1" latinLnBrk="0" hangingPunct="1">
+      <a:defRPr sz="1200" kern="1200">
+        <a:solidFill>
+          <a:schemeClr val="tx1"/>
+        </a:solidFill>
+        <a:latin typeface="+mn-lt"/>
+        <a:ea typeface="+mn-ea"/>
+        <a:cs typeface="+mn-cs"/>
+      </a:defRPr>
+    </a:lvl3pPr>
+    <a:lvl4pPr marL="1371600" algn="l" defTabSz="457200" rtl="0" eaLnBrk="1" latinLnBrk="0" hangingPunct="1">
+      <a:defRPr sz="1200" kern="1200">
+        <a:solidFill>
+          <a:schemeClr val="tx1"/>
+        </a:solidFill>
+        <a:latin typeface="+mn-lt"/>
+        <a:ea typeface="+mn-ea"/>
+        <a:cs typeface="+mn-cs"/>
+      </a:defRPr>
+    </a:lvl4pPr>
+    <a:lvl5pPr marL="1828800" algn="l" defTabSz="457200" rtl="0" eaLnBrk="1" latinLnBrk="0" hangingPunct="1">
+      <a:defRPr sz="1200" kern="1200">
+        <a:solidFill>
+          <a:schemeClr val="tx1"/>
+        </a:solidFill>
+        <a:latin typeface="+mn-lt"/>
+        <a:ea typeface="+mn-ea"/>
+        <a:cs typeface="+mn-cs"/>
+      </a:defRPr>
+    </a:lvl5pPr>
+    <a:lvl6pPr marL="2286000" algn="l" defTabSz="457200" rtl="0" eaLnBrk="1" latinLnBrk="0" hangingPunct="1">
+      <a:defRPr sz="1200" kern="1200">
+        <a:solidFill>
+          <a:schemeClr val="tx1"/>
+        </a:solidFill>
+        <a:latin typeface="+mn-lt"/>
+        <a:ea typeface="+mn-ea"/>
+        <a:cs typeface="+mn-cs"/>
+      </a:defRPr>
+    </a:lvl6pPr>
+    <a:lvl7pPr marL="2743200" algn="l" defTabSz="457200" rtl="0" eaLnBrk="1" latinLnBrk="0" hangingPunct="1">
+      <a:defRPr sz="1200" kern="1200">
+        <a:solidFill>
+          <a:schemeClr val="tx1"/>
+        </a:solidFill>
+        <a:latin typeface="+mn-lt"/>
+        <a:ea typeface="+mn-ea"/>
+        <a:cs typeface="+mn-cs"/>
+      </a:defRPr>
+    </a:lvl7pPr>
+    <a:lvl8pPr marL="3200400" algn="l" defTabSz="457200" rtl="0" eaLnBrk="1" latinLnBrk="0" hangingPunct="1">
+      <a:defRPr sz="1200" kern="1200">
+        <a:solidFill>
+          <a:schemeClr val="tx1"/>
+        </a:solidFill>
+        <a:latin typeface="+mn-lt"/>
+        <a:ea typeface="+mn-ea"/>
+        <a:cs typeface="+mn-cs"/>
+      </a:defRPr>
+    </a:lvl8pPr>
+    <a:lvl9pPr marL="3657600" algn="l" defTabSz="457200" rtl="0" eaLnBrk="1" latinLnBrk="0" hangingPunct="1">
+      <a:defRPr sz="1200" kern="1200">
+        <a:solidFill>
+          <a:schemeClr val="tx1"/>
+        </a:solidFill>
+        <a:latin typeface="+mn-lt"/>
+        <a:ea typeface="+mn-ea"/>
+        <a:cs typeface="+mn-cs"/>
+      </a:defRPr>
+    </a:lvl9pPr>
+  </p:notesStyle>
+</p:notesMaster>
+</file>
+
+<file path=ppt/notesSlides/notesSlide1.xml><?xml version="1.0" encoding="utf-8"?>
+<p:notes xmlns:a="http://schemas.openxmlformats.org/drawingml/2006/main" xmlns:r="http://schemas.openxmlformats.org/officeDocument/2006/relationships" xmlns:p="http://schemas.openxmlformats.org/presentationml/2006/main">
+  <p:cSld>
+    <p:spTree>
+      <p:nvGrpSpPr>
+        <p:cNvPr id="1" name=""/>
+        <p:cNvGrpSpPr/>
+        <p:nvPr/>
+      </p:nvGrpSpPr>
+      <p:grpSpPr>
+        <a:xfrm>
+          <a:off x="0" y="0"/>
+          <a:ext cx="0" cy="0"/>
+          <a:chOff x="0" y="0"/>
+          <a:chExt cx="0" cy="0"/>
+        </a:xfrm>
+      </p:grpSpPr>
+      <p:sp>
+        <p:nvSpPr>
+          <p:cNvPr id="7" name="Rectangle 7"/>
+          <p:cNvSpPr>
+            <a:spLocks noGrp="1" noChangeArrowheads="1"/>
+          </p:cNvSpPr>
+          <p:nvPr>
+            <p:ph type="sldNum" sz="quarter" idx="5"/>
+          </p:nvPr>
+        </p:nvSpPr>
+        <p:spPr>
+          <a:ln/>
+        </p:spPr>
+        <p:txBody>
+          <a:bodyPr/>
+          <a:lstStyle/>
+          <a:p>
+            <a:fld id="{3184FD07-8637-304F-8DF3-EE801F890FFC}" type="slidenum">
+              <a:rPr lang="en-US"/>
+              <a:pPr/>
+              <a:t>12</a:t>
+            </a:fld>
+            <a:endParaRPr lang="en-US"/>
+          </a:p>
+        </p:txBody>
+      </p:sp>
+      <p:sp>
+        <p:nvSpPr>
+          <p:cNvPr id="87042" name="Rectangle 2"/>
+          <p:cNvSpPr>
+            <a:spLocks noRot="1" noChangeArrowheads="1" noTextEdit="1"/>
+          </p:cNvSpPr>
+          <p:nvPr>
+            <p:ph type="sldImg"/>
+          </p:nvPr>
+        </p:nvSpPr>
+        <p:spPr>
+          <a:ln/>
+          <a:extLst>
+            <a:ext uri="{FAA26D3D-D897-4be2-8F04-BA451C77F1D7}">
+              <ma14:placeholderFlag xmlns:ma14="http://schemas.microsoft.com/office/mac/drawingml/2011/main" val="1"/>
+            </a:ext>
+          </a:extLst>
+        </p:spPr>
+      </p:sp>
+      <p:sp>
+        <p:nvSpPr>
+          <p:cNvPr id="87043" name="Rectangle 3"/>
+          <p:cNvSpPr>
+            <a:spLocks noGrp="1" noChangeArrowheads="1"/>
+          </p:cNvSpPr>
+          <p:nvPr>
+            <p:ph type="body" idx="1"/>
+          </p:nvPr>
+        </p:nvSpPr>
+        <p:spPr/>
+        <p:txBody>
+          <a:bodyPr/>
+          <a:lstStyle/>
+          <a:p>
+            <a:endParaRPr lang="en-US"/>
+          </a:p>
+        </p:txBody>
+      </p:sp>
+    </p:spTree>
+  </p:cSld>
+  <p:clrMapOvr>
+    <a:masterClrMapping/>
+  </p:clrMapOvr>
+</p:notes>
+</file>
+
+<file path=ppt/notesSlides/notesSlide10.xml><?xml version="1.0" encoding="utf-8"?>
+<p:notes xmlns:a="http://schemas.openxmlformats.org/drawingml/2006/main" xmlns:r="http://schemas.openxmlformats.org/officeDocument/2006/relationships" xmlns:p="http://schemas.openxmlformats.org/presentationml/2006/main">
+  <p:cSld>
+    <p:spTree>
+      <p:nvGrpSpPr>
+        <p:cNvPr id="1" name=""/>
+        <p:cNvGrpSpPr/>
+        <p:nvPr/>
+      </p:nvGrpSpPr>
+      <p:grpSpPr>
+        <a:xfrm>
+          <a:off x="0" y="0"/>
+          <a:ext cx="0" cy="0"/>
+          <a:chOff x="0" y="0"/>
+          <a:chExt cx="0" cy="0"/>
+        </a:xfrm>
+      </p:grpSpPr>
+      <p:sp>
+        <p:nvSpPr>
+          <p:cNvPr id="7" name="Rectangle 7"/>
+          <p:cNvSpPr>
+            <a:spLocks noGrp="1" noChangeArrowheads="1"/>
+          </p:cNvSpPr>
+          <p:nvPr>
+            <p:ph type="sldNum" sz="quarter" idx="5"/>
+          </p:nvPr>
+        </p:nvSpPr>
+        <p:spPr>
+          <a:ln/>
+        </p:spPr>
+        <p:txBody>
+          <a:bodyPr/>
+          <a:lstStyle/>
+          <a:p>
+            <a:fld id="{6C038562-B75C-8D48-B355-B6C8B17DFC29}" type="slidenum">
+              <a:rPr lang="en-US"/>
+              <a:pPr/>
+              <a:t>27</a:t>
+            </a:fld>
+            <a:endParaRPr lang="en-US"/>
+          </a:p>
+        </p:txBody>
+      </p:sp>
+      <p:sp>
+        <p:nvSpPr>
+          <p:cNvPr id="99330" name="Rectangle 2"/>
+          <p:cNvSpPr>
+            <a:spLocks noRot="1" noChangeArrowheads="1" noTextEdit="1"/>
+          </p:cNvSpPr>
+          <p:nvPr>
+            <p:ph type="sldImg"/>
+          </p:nvPr>
+        </p:nvSpPr>
+        <p:spPr>
+          <a:ln/>
+          <a:extLst>
+            <a:ext uri="{FAA26D3D-D897-4be2-8F04-BA451C77F1D7}">
+              <ma14:placeholderFlag xmlns:ma14="http://schemas.microsoft.com/office/mac/drawingml/2011/main" val="1"/>
+            </a:ext>
+          </a:extLst>
+        </p:spPr>
+      </p:sp>
+      <p:sp>
+        <p:nvSpPr>
+          <p:cNvPr id="99331" name="Rectangle 3"/>
+          <p:cNvSpPr>
+            <a:spLocks noGrp="1" noChangeArrowheads="1"/>
+          </p:cNvSpPr>
+          <p:nvPr>
+            <p:ph type="body" idx="1"/>
+          </p:nvPr>
+        </p:nvSpPr>
+        <p:spPr/>
+        <p:txBody>
+          <a:bodyPr/>
+          <a:lstStyle/>
+          <a:p>
+            <a:endParaRPr lang="en-US"/>
+          </a:p>
+        </p:txBody>
+      </p:sp>
+    </p:spTree>
+  </p:cSld>
+  <p:clrMapOvr>
+    <a:masterClrMapping/>
+  </p:clrMapOvr>
+</p:notes>
+</file>
+
+<file path=ppt/notesSlides/notesSlide2.xml><?xml version="1.0" encoding="utf-8"?>
+<p:notes xmlns:a="http://schemas.openxmlformats.org/drawingml/2006/main" xmlns:r="http://schemas.openxmlformats.org/officeDocument/2006/relationships" xmlns:p="http://schemas.openxmlformats.org/presentationml/2006/main">
+  <p:cSld>
+    <p:spTree>
+      <p:nvGrpSpPr>
+        <p:cNvPr id="1" name=""/>
+        <p:cNvGrpSpPr/>
+        <p:nvPr/>
+      </p:nvGrpSpPr>
+      <p:grpSpPr>
+        <a:xfrm>
+          <a:off x="0" y="0"/>
+          <a:ext cx="0" cy="0"/>
+          <a:chOff x="0" y="0"/>
+          <a:chExt cx="0" cy="0"/>
+        </a:xfrm>
+      </p:grpSpPr>
+      <p:sp>
+        <p:nvSpPr>
+          <p:cNvPr id="7" name="Rectangle 7"/>
+          <p:cNvSpPr>
+            <a:spLocks noGrp="1" noChangeArrowheads="1"/>
+          </p:cNvSpPr>
+          <p:nvPr>
+            <p:ph type="sldNum" sz="quarter" idx="5"/>
+          </p:nvPr>
+        </p:nvSpPr>
+        <p:spPr>
+          <a:ln/>
+        </p:spPr>
+        <p:txBody>
+          <a:bodyPr/>
+          <a:lstStyle/>
+          <a:p>
+            <a:fld id="{A271F100-4955-534A-85DE-DA89712C3C04}" type="slidenum">
+              <a:rPr lang="en-US"/>
+              <a:pPr/>
+              <a:t>13</a:t>
+            </a:fld>
+            <a:endParaRPr lang="en-US"/>
+          </a:p>
+        </p:txBody>
+      </p:sp>
+      <p:sp>
+        <p:nvSpPr>
+          <p:cNvPr id="88066" name="Rectangle 2"/>
+          <p:cNvSpPr>
+            <a:spLocks noRot="1" noChangeArrowheads="1" noTextEdit="1"/>
+          </p:cNvSpPr>
+          <p:nvPr>
+            <p:ph type="sldImg"/>
+          </p:nvPr>
+        </p:nvSpPr>
+        <p:spPr>
+          <a:ln/>
+          <a:extLst>
+            <a:ext uri="{FAA26D3D-D897-4be2-8F04-BA451C77F1D7}">
+              <ma14:placeholderFlag xmlns:ma14="http://schemas.microsoft.com/office/mac/drawingml/2011/main" val="1"/>
+            </a:ext>
+          </a:extLst>
+        </p:spPr>
+      </p:sp>
+      <p:sp>
+        <p:nvSpPr>
+          <p:cNvPr id="88067" name="Rectangle 3"/>
+          <p:cNvSpPr>
+            <a:spLocks noGrp="1" noChangeArrowheads="1"/>
+          </p:cNvSpPr>
+          <p:nvPr>
+            <p:ph type="body" idx="1"/>
+          </p:nvPr>
+        </p:nvSpPr>
+        <p:spPr/>
+        <p:txBody>
+          <a:bodyPr/>
+          <a:lstStyle/>
+          <a:p>
+            <a:endParaRPr lang="en-US"/>
+          </a:p>
+        </p:txBody>
+      </p:sp>
+    </p:spTree>
+  </p:cSld>
+  <p:clrMapOvr>
+    <a:masterClrMapping/>
+  </p:clrMapOvr>
+</p:notes>
+</file>
+
+<file path=ppt/notesSlides/notesSlide3.xml><?xml version="1.0" encoding="utf-8"?>
+<p:notes xmlns:a="http://schemas.openxmlformats.org/drawingml/2006/main" xmlns:r="http://schemas.openxmlformats.org/officeDocument/2006/relationships" xmlns:p="http://schemas.openxmlformats.org/presentationml/2006/main">
+  <p:cSld>
+    <p:spTree>
+      <p:nvGrpSpPr>
+        <p:cNvPr id="1" name=""/>
+        <p:cNvGrpSpPr/>
+        <p:nvPr/>
+      </p:nvGrpSpPr>
+      <p:grpSpPr>
+        <a:xfrm>
+          <a:off x="0" y="0"/>
+          <a:ext cx="0" cy="0"/>
+          <a:chOff x="0" y="0"/>
+          <a:chExt cx="0" cy="0"/>
+        </a:xfrm>
+      </p:grpSpPr>
+      <p:sp>
+        <p:nvSpPr>
+          <p:cNvPr id="7" name="Rectangle 7"/>
+          <p:cNvSpPr>
+            <a:spLocks noGrp="1" noChangeArrowheads="1"/>
+          </p:cNvSpPr>
+          <p:nvPr>
+            <p:ph type="sldNum" sz="quarter" idx="5"/>
+          </p:nvPr>
+        </p:nvSpPr>
+        <p:spPr>
+          <a:ln/>
+        </p:spPr>
+        <p:txBody>
+          <a:bodyPr/>
+          <a:lstStyle/>
+          <a:p>
+            <a:fld id="{34080BDE-A52E-D845-B22E-DA7EEBC7D3AA}" type="slidenum">
+              <a:rPr lang="en-US"/>
+              <a:pPr/>
+              <a:t>14</a:t>
+            </a:fld>
+            <a:endParaRPr lang="en-US"/>
+          </a:p>
+        </p:txBody>
+      </p:sp>
+      <p:sp>
+        <p:nvSpPr>
+          <p:cNvPr id="89090" name="Rectangle 2"/>
+          <p:cNvSpPr>
+            <a:spLocks noRot="1" noChangeArrowheads="1" noTextEdit="1"/>
+          </p:cNvSpPr>
+          <p:nvPr>
+            <p:ph type="sldImg"/>
+          </p:nvPr>
+        </p:nvSpPr>
+        <p:spPr>
+          <a:ln/>
+          <a:extLst>
+            <a:ext uri="{FAA26D3D-D897-4be2-8F04-BA451C77F1D7}">
+              <ma14:placeholderFlag xmlns:ma14="http://schemas.microsoft.com/office/mac/drawingml/2011/main" val="1"/>
+            </a:ext>
+          </a:extLst>
+        </p:spPr>
+      </p:sp>
+      <p:sp>
+        <p:nvSpPr>
+          <p:cNvPr id="89091" name="Rectangle 3"/>
+          <p:cNvSpPr>
+            <a:spLocks noGrp="1" noChangeArrowheads="1"/>
+          </p:cNvSpPr>
+          <p:nvPr>
+            <p:ph type="body" idx="1"/>
+          </p:nvPr>
+        </p:nvSpPr>
+        <p:spPr/>
+        <p:txBody>
+          <a:bodyPr/>
+          <a:lstStyle/>
+          <a:p>
+            <a:endParaRPr lang="en-US"/>
+          </a:p>
+        </p:txBody>
+      </p:sp>
+    </p:spTree>
+  </p:cSld>
+  <p:clrMapOvr>
+    <a:masterClrMapping/>
+  </p:clrMapOvr>
+</p:notes>
+</file>
+
+<file path=ppt/notesSlides/notesSlide4.xml><?xml version="1.0" encoding="utf-8"?>
+<p:notes xmlns:a="http://schemas.openxmlformats.org/drawingml/2006/main" xmlns:r="http://schemas.openxmlformats.org/officeDocument/2006/relationships" xmlns:p="http://schemas.openxmlformats.org/presentationml/2006/main">
+  <p:cSld>
+    <p:spTree>
+      <p:nvGrpSpPr>
+        <p:cNvPr id="1" name=""/>
+        <p:cNvGrpSpPr/>
+        <p:nvPr/>
+      </p:nvGrpSpPr>
+      <p:grpSpPr>
+        <a:xfrm>
+          <a:off x="0" y="0"/>
+          <a:ext cx="0" cy="0"/>
+          <a:chOff x="0" y="0"/>
+          <a:chExt cx="0" cy="0"/>
+        </a:xfrm>
+      </p:grpSpPr>
+      <p:sp>
+        <p:nvSpPr>
+          <p:cNvPr id="7" name="Rectangle 7"/>
+          <p:cNvSpPr>
+            <a:spLocks noGrp="1" noChangeArrowheads="1"/>
+          </p:cNvSpPr>
+          <p:nvPr>
+            <p:ph type="sldNum" sz="quarter" idx="5"/>
+          </p:nvPr>
+        </p:nvSpPr>
+        <p:spPr>
+          <a:ln/>
+        </p:spPr>
+        <p:txBody>
+          <a:bodyPr/>
+          <a:lstStyle/>
+          <a:p>
+            <a:fld id="{1086C1CC-1CFF-004A-863D-B30BD08DBDBD}" type="slidenum">
+              <a:rPr lang="en-US"/>
+              <a:pPr/>
+              <a:t>15</a:t>
+            </a:fld>
+            <a:endParaRPr lang="en-US"/>
+          </a:p>
+        </p:txBody>
+      </p:sp>
+      <p:sp>
+        <p:nvSpPr>
+          <p:cNvPr id="90114" name="Rectangle 2"/>
+          <p:cNvSpPr>
+            <a:spLocks noRot="1" noChangeArrowheads="1" noTextEdit="1"/>
+          </p:cNvSpPr>
+          <p:nvPr>
+            <p:ph type="sldImg"/>
+          </p:nvPr>
+        </p:nvSpPr>
+        <p:spPr>
+          <a:ln/>
+          <a:extLst>
+            <a:ext uri="{FAA26D3D-D897-4be2-8F04-BA451C77F1D7}">
+              <ma14:placeholderFlag xmlns:ma14="http://schemas.microsoft.com/office/mac/drawingml/2011/main" val="1"/>
+            </a:ext>
+          </a:extLst>
+        </p:spPr>
+      </p:sp>
+      <p:sp>
+        <p:nvSpPr>
+          <p:cNvPr id="90115" name="Rectangle 3"/>
+          <p:cNvSpPr>
+            <a:spLocks noGrp="1" noChangeArrowheads="1"/>
+          </p:cNvSpPr>
+          <p:nvPr>
+            <p:ph type="body" idx="1"/>
+          </p:nvPr>
+        </p:nvSpPr>
+        <p:spPr/>
+        <p:txBody>
+          <a:bodyPr/>
+          <a:lstStyle/>
+          <a:p>
+            <a:endParaRPr lang="en-US"/>
+          </a:p>
+        </p:txBody>
+      </p:sp>
+    </p:spTree>
+  </p:cSld>
+  <p:clrMapOvr>
+    <a:masterClrMapping/>
+  </p:clrMapOvr>
+</p:notes>
+</file>
+
+<file path=ppt/notesSlides/notesSlide5.xml><?xml version="1.0" encoding="utf-8"?>
+<p:notes xmlns:a="http://schemas.openxmlformats.org/drawingml/2006/main" xmlns:r="http://schemas.openxmlformats.org/officeDocument/2006/relationships" xmlns:p="http://schemas.openxmlformats.org/presentationml/2006/main">
+  <p:cSld>
+    <p:spTree>
+      <p:nvGrpSpPr>
+        <p:cNvPr id="1" name=""/>
+        <p:cNvGrpSpPr/>
+        <p:nvPr/>
+      </p:nvGrpSpPr>
+      <p:grpSpPr>
+        <a:xfrm>
+          <a:off x="0" y="0"/>
+          <a:ext cx="0" cy="0"/>
+          <a:chOff x="0" y="0"/>
+          <a:chExt cx="0" cy="0"/>
+        </a:xfrm>
+      </p:grpSpPr>
+      <p:sp>
+        <p:nvSpPr>
+          <p:cNvPr id="7" name="Rectangle 7"/>
+          <p:cNvSpPr>
+            <a:spLocks noGrp="1" noChangeArrowheads="1"/>
+          </p:cNvSpPr>
+          <p:nvPr>
+            <p:ph type="sldNum" sz="quarter" idx="5"/>
+          </p:nvPr>
+        </p:nvSpPr>
+        <p:spPr>
+          <a:ln/>
+        </p:spPr>
+        <p:txBody>
+          <a:bodyPr/>
+          <a:lstStyle/>
+          <a:p>
+            <a:fld id="{20D34CF3-0639-5245-8FE5-C70C5F3CFD95}" type="slidenum">
+              <a:rPr lang="en-US"/>
+              <a:pPr/>
+              <a:t>16</a:t>
+            </a:fld>
+            <a:endParaRPr lang="en-US"/>
+          </a:p>
+        </p:txBody>
+      </p:sp>
+      <p:sp>
+        <p:nvSpPr>
+          <p:cNvPr id="91138" name="Rectangle 2"/>
+          <p:cNvSpPr>
+            <a:spLocks noRot="1" noChangeArrowheads="1" noTextEdit="1"/>
+          </p:cNvSpPr>
+          <p:nvPr>
+            <p:ph type="sldImg"/>
+          </p:nvPr>
+        </p:nvSpPr>
+        <p:spPr>
+          <a:ln/>
+          <a:extLst>
+            <a:ext uri="{FAA26D3D-D897-4be2-8F04-BA451C77F1D7}">
+              <ma14:placeholderFlag xmlns:ma14="http://schemas.microsoft.com/office/mac/drawingml/2011/main" val="1"/>
+            </a:ext>
+          </a:extLst>
+        </p:spPr>
+      </p:sp>
+      <p:sp>
+        <p:nvSpPr>
+          <p:cNvPr id="91139" name="Rectangle 3"/>
+          <p:cNvSpPr>
+            <a:spLocks noGrp="1" noChangeArrowheads="1"/>
+          </p:cNvSpPr>
+          <p:nvPr>
+            <p:ph type="body" idx="1"/>
+          </p:nvPr>
+        </p:nvSpPr>
+        <p:spPr/>
+        <p:txBody>
+          <a:bodyPr/>
+          <a:lstStyle/>
+          <a:p>
+            <a:endParaRPr lang="en-US"/>
+          </a:p>
+        </p:txBody>
+      </p:sp>
+    </p:spTree>
+  </p:cSld>
+  <p:clrMapOvr>
+    <a:masterClrMapping/>
+  </p:clrMapOvr>
+</p:notes>
+</file>
+
+<file path=ppt/notesSlides/notesSlide6.xml><?xml version="1.0" encoding="utf-8"?>
+<p:notes xmlns:a="http://schemas.openxmlformats.org/drawingml/2006/main" xmlns:r="http://schemas.openxmlformats.org/officeDocument/2006/relationships" xmlns:p="http://schemas.openxmlformats.org/presentationml/2006/main">
+  <p:cSld>
+    <p:spTree>
+      <p:nvGrpSpPr>
+        <p:cNvPr id="1" name=""/>
+        <p:cNvGrpSpPr/>
+        <p:nvPr/>
+      </p:nvGrpSpPr>
+      <p:grpSpPr>
+        <a:xfrm>
+          <a:off x="0" y="0"/>
+          <a:ext cx="0" cy="0"/>
+          <a:chOff x="0" y="0"/>
+          <a:chExt cx="0" cy="0"/>
+        </a:xfrm>
+      </p:grpSpPr>
+      <p:sp>
+        <p:nvSpPr>
+          <p:cNvPr id="7" name="Rectangle 7"/>
+          <p:cNvSpPr>
+            <a:spLocks noGrp="1" noChangeArrowheads="1"/>
+          </p:cNvSpPr>
+          <p:nvPr>
+            <p:ph type="sldNum" sz="quarter" idx="5"/>
+          </p:nvPr>
+        </p:nvSpPr>
+        <p:spPr>
+          <a:ln/>
+        </p:spPr>
+        <p:txBody>
+          <a:bodyPr/>
+          <a:lstStyle/>
+          <a:p>
+            <a:fld id="{72C80013-F9CE-884A-9451-E272E9CAA301}" type="slidenum">
+              <a:rPr lang="en-US"/>
+              <a:pPr/>
+              <a:t>17</a:t>
+            </a:fld>
+            <a:endParaRPr lang="en-US"/>
+          </a:p>
+        </p:txBody>
+      </p:sp>
+      <p:sp>
+        <p:nvSpPr>
+          <p:cNvPr id="92162" name="Rectangle 2"/>
+          <p:cNvSpPr>
+            <a:spLocks noRot="1" noChangeArrowheads="1" noTextEdit="1"/>
+          </p:cNvSpPr>
+          <p:nvPr>
+            <p:ph type="sldImg"/>
+          </p:nvPr>
+        </p:nvSpPr>
+        <p:spPr>
+          <a:ln/>
+          <a:extLst>
+            <a:ext uri="{FAA26D3D-D897-4be2-8F04-BA451C77F1D7}">
+              <ma14:placeholderFlag xmlns:ma14="http://schemas.microsoft.com/office/mac/drawingml/2011/main" val="1"/>
+            </a:ext>
+          </a:extLst>
+        </p:spPr>
+      </p:sp>
+      <p:sp>
+        <p:nvSpPr>
+          <p:cNvPr id="92163" name="Rectangle 3"/>
+          <p:cNvSpPr>
+            <a:spLocks noGrp="1" noChangeArrowheads="1"/>
+          </p:cNvSpPr>
+          <p:nvPr>
+            <p:ph type="body" idx="1"/>
+          </p:nvPr>
+        </p:nvSpPr>
+        <p:spPr/>
+        <p:txBody>
+          <a:bodyPr/>
+          <a:lstStyle/>
+          <a:p>
+            <a:endParaRPr lang="en-US"/>
+          </a:p>
+        </p:txBody>
+      </p:sp>
+    </p:spTree>
+  </p:cSld>
+  <p:clrMapOvr>
+    <a:masterClrMapping/>
+  </p:clrMapOvr>
+</p:notes>
+</file>
+
+<file path=ppt/notesSlides/notesSlide7.xml><?xml version="1.0" encoding="utf-8"?>
+<p:notes xmlns:a="http://schemas.openxmlformats.org/drawingml/2006/main" xmlns:r="http://schemas.openxmlformats.org/officeDocument/2006/relationships" xmlns:p="http://schemas.openxmlformats.org/presentationml/2006/main">
+  <p:cSld>
+    <p:spTree>
+      <p:nvGrpSpPr>
+        <p:cNvPr id="1" name=""/>
+        <p:cNvGrpSpPr/>
+        <p:nvPr/>
+      </p:nvGrpSpPr>
+      <p:grpSpPr>
+        <a:xfrm>
+          <a:off x="0" y="0"/>
+          <a:ext cx="0" cy="0"/>
+          <a:chOff x="0" y="0"/>
+          <a:chExt cx="0" cy="0"/>
+        </a:xfrm>
+      </p:grpSpPr>
+      <p:sp>
+        <p:nvSpPr>
+          <p:cNvPr id="7" name="Rectangle 7"/>
+          <p:cNvSpPr>
+            <a:spLocks noGrp="1" noChangeArrowheads="1"/>
+          </p:cNvSpPr>
+          <p:nvPr>
+            <p:ph type="sldNum" sz="quarter" idx="5"/>
+          </p:nvPr>
+        </p:nvSpPr>
+        <p:spPr>
+          <a:ln/>
+        </p:spPr>
+        <p:txBody>
+          <a:bodyPr/>
+          <a:lstStyle/>
+          <a:p>
+            <a:fld id="{92407DB7-A085-3743-8B37-5CF56222C63F}" type="slidenum">
+              <a:rPr lang="en-US"/>
+              <a:pPr/>
+              <a:t>18</a:t>
+            </a:fld>
+            <a:endParaRPr lang="en-US"/>
+          </a:p>
+        </p:txBody>
+      </p:sp>
+      <p:sp>
+        <p:nvSpPr>
+          <p:cNvPr id="93186" name="Rectangle 2"/>
+          <p:cNvSpPr>
+            <a:spLocks noRot="1" noChangeArrowheads="1" noTextEdit="1"/>
+          </p:cNvSpPr>
+          <p:nvPr>
+            <p:ph type="sldImg"/>
+          </p:nvPr>
+        </p:nvSpPr>
+        <p:spPr>
+          <a:ln/>
+          <a:extLst>
+            <a:ext uri="{FAA26D3D-D897-4be2-8F04-BA451C77F1D7}">
+              <ma14:placeholderFlag xmlns:ma14="http://schemas.microsoft.com/office/mac/drawingml/2011/main" val="1"/>
+            </a:ext>
+          </a:extLst>
+        </p:spPr>
+      </p:sp>
+      <p:sp>
+        <p:nvSpPr>
+          <p:cNvPr id="93187" name="Rectangle 3"/>
+          <p:cNvSpPr>
+            <a:spLocks noGrp="1" noChangeArrowheads="1"/>
+          </p:cNvSpPr>
+          <p:nvPr>
+            <p:ph type="body" idx="1"/>
+          </p:nvPr>
+        </p:nvSpPr>
+        <p:spPr/>
+        <p:txBody>
+          <a:bodyPr/>
+          <a:lstStyle/>
+          <a:p>
+            <a:endParaRPr lang="en-US"/>
+          </a:p>
+        </p:txBody>
+      </p:sp>
+    </p:spTree>
+  </p:cSld>
+  <p:clrMapOvr>
+    <a:masterClrMapping/>
+  </p:clrMapOvr>
+</p:notes>
+</file>
+
+<file path=ppt/notesSlides/notesSlide8.xml><?xml version="1.0" encoding="utf-8"?>
+<p:notes xmlns:a="http://schemas.openxmlformats.org/drawingml/2006/main" xmlns:r="http://schemas.openxmlformats.org/officeDocument/2006/relationships" xmlns:p="http://schemas.openxmlformats.org/presentationml/2006/main">
+  <p:cSld>
+    <p:spTree>
+      <p:nvGrpSpPr>
+        <p:cNvPr id="1" name=""/>
+        <p:cNvGrpSpPr/>
+        <p:nvPr/>
+      </p:nvGrpSpPr>
+      <p:grpSpPr>
+        <a:xfrm>
+          <a:off x="0" y="0"/>
+          <a:ext cx="0" cy="0"/>
+          <a:chOff x="0" y="0"/>
+          <a:chExt cx="0" cy="0"/>
+        </a:xfrm>
+      </p:grpSpPr>
+      <p:sp>
+        <p:nvSpPr>
+          <p:cNvPr id="7" name="Rectangle 7"/>
+          <p:cNvSpPr>
+            <a:spLocks noGrp="1" noChangeArrowheads="1"/>
+          </p:cNvSpPr>
+          <p:nvPr>
+            <p:ph type="sldNum" sz="quarter" idx="5"/>
+          </p:nvPr>
+        </p:nvSpPr>
+        <p:spPr>
+          <a:ln/>
+        </p:spPr>
+        <p:txBody>
+          <a:bodyPr/>
+          <a:lstStyle/>
+          <a:p>
+            <a:fld id="{1D226464-9DD5-B14C-BF4A-EE19CCDADA03}" type="slidenum">
+              <a:rPr lang="en-US"/>
+              <a:pPr/>
+              <a:t>24</a:t>
+            </a:fld>
+            <a:endParaRPr lang="en-US"/>
+          </a:p>
+        </p:txBody>
+      </p:sp>
+      <p:sp>
+        <p:nvSpPr>
+          <p:cNvPr id="49154" name="Rectangle 2"/>
+          <p:cNvSpPr>
+            <a:spLocks noRot="1" noChangeArrowheads="1" noTextEdit="1"/>
+          </p:cNvSpPr>
+          <p:nvPr>
+            <p:ph type="sldImg"/>
+          </p:nvPr>
+        </p:nvSpPr>
+        <p:spPr>
+          <a:ln/>
+          <a:extLst>
+            <a:ext uri="{FAA26D3D-D897-4be2-8F04-BA451C77F1D7}">
+              <ma14:placeholderFlag xmlns:ma14="http://schemas.microsoft.com/office/mac/drawingml/2011/main" val="1"/>
+            </a:ext>
+          </a:extLst>
+        </p:spPr>
+      </p:sp>
+      <p:sp>
+        <p:nvSpPr>
+          <p:cNvPr id="49155" name="Rectangle 3"/>
+          <p:cNvSpPr>
+            <a:spLocks noGrp="1" noChangeArrowheads="1"/>
+          </p:cNvSpPr>
+          <p:nvPr>
+            <p:ph type="body" idx="1"/>
+          </p:nvPr>
+        </p:nvSpPr>
+        <p:spPr/>
+        <p:txBody>
+          <a:bodyPr/>
+          <a:lstStyle/>
+          <a:p>
+            <a:endParaRPr lang="en-US"/>
+          </a:p>
+        </p:txBody>
+      </p:sp>
+    </p:spTree>
+  </p:cSld>
+  <p:clrMapOvr>
+    <a:masterClrMapping/>
+  </p:clrMapOvr>
+</p:notes>
+</file>
+
+<file path=ppt/notesSlides/notesSlide9.xml><?xml version="1.0" encoding="utf-8"?>
+<p:notes xmlns:a="http://schemas.openxmlformats.org/drawingml/2006/main" xmlns:r="http://schemas.openxmlformats.org/officeDocument/2006/relationships" xmlns:p="http://schemas.openxmlformats.org/presentationml/2006/main">
+  <p:cSld>
+    <p:spTree>
+      <p:nvGrpSpPr>
+        <p:cNvPr id="1" name=""/>
+        <p:cNvGrpSpPr/>
+        <p:nvPr/>
+      </p:nvGrpSpPr>
+      <p:grpSpPr>
+        <a:xfrm>
+          <a:off x="0" y="0"/>
+          <a:ext cx="0" cy="0"/>
+          <a:chOff x="0" y="0"/>
+          <a:chExt cx="0" cy="0"/>
+        </a:xfrm>
+      </p:grpSpPr>
+      <p:sp>
+        <p:nvSpPr>
+          <p:cNvPr id="7" name="Rectangle 7"/>
+          <p:cNvSpPr>
+            <a:spLocks noGrp="1" noChangeArrowheads="1"/>
+          </p:cNvSpPr>
+          <p:nvPr>
+            <p:ph type="sldNum" sz="quarter" idx="5"/>
+          </p:nvPr>
+        </p:nvSpPr>
+        <p:spPr>
+          <a:ln/>
+        </p:spPr>
+        <p:txBody>
+          <a:bodyPr/>
+          <a:lstStyle/>
+          <a:p>
+            <a:fld id="{FEF428A1-6906-1645-99C6-484F21B36799}" type="slidenum">
+              <a:rPr lang="en-US"/>
+              <a:pPr/>
+              <a:t>25</a:t>
+            </a:fld>
+            <a:endParaRPr lang="en-US"/>
+          </a:p>
+        </p:txBody>
+      </p:sp>
+      <p:sp>
+        <p:nvSpPr>
+          <p:cNvPr id="75778" name="Rectangle 2"/>
+          <p:cNvSpPr>
+            <a:spLocks noRot="1" noChangeArrowheads="1" noTextEdit="1"/>
+          </p:cNvSpPr>
+          <p:nvPr>
+            <p:ph type="sldImg"/>
+          </p:nvPr>
+        </p:nvSpPr>
+        <p:spPr>
+          <a:ln/>
+          <a:extLst>
+            <a:ext uri="{FAA26D3D-D897-4be2-8F04-BA451C77F1D7}">
+              <ma14:placeholderFlag xmlns:ma14="http://schemas.microsoft.com/office/mac/drawingml/2011/main" val="1"/>
+            </a:ext>
+          </a:extLst>
+        </p:spPr>
+      </p:sp>
+      <p:sp>
+        <p:nvSpPr>
+          <p:cNvPr id="75779" name="Rectangle 3"/>
+          <p:cNvSpPr>
+            <a:spLocks noGrp="1" noChangeArrowheads="1"/>
+          </p:cNvSpPr>
+          <p:nvPr>
+            <p:ph type="body" idx="1"/>
+          </p:nvPr>
+        </p:nvSpPr>
+        <p:spPr/>
+        <p:txBody>
+          <a:bodyPr/>
+          <a:lstStyle/>
+          <a:p>
+            <a:endParaRPr lang="en-US"/>
+          </a:p>
+        </p:txBody>
+      </p:sp>
+    </p:spTree>
+  </p:cSld>
+  <p:clrMapOvr>
+    <a:masterClrMapping/>
+  </p:clrMapOvr>
+</p:notes>
 </file>
 
 <file path=ppt/slideLayouts/slideLayout1.xml><?xml version="1.0" encoding="utf-8"?>
@@ -3536,41 +4791,11 @@
           <a:chExt cx="0" cy="0"/>
         </a:xfrm>
       </p:grpSpPr>
-      <p:pic>
-        <p:nvPicPr>
-          <p:cNvPr id="4" name="Picture 3" descr="fig-2-c.png"/>
-          <p:cNvPicPr>
-            <a:picLocks noChangeAspect="1"/>
-          </p:cNvPicPr>
-          <p:nvPr/>
-        </p:nvPicPr>
-        <p:blipFill>
-          <a:blip r:embed="rId2">
-            <a:extLst>
-              <a:ext uri="{28A0092B-C50C-407E-A947-70E740481C1C}">
-                <a14:useLocalDpi xmlns:a14="http://schemas.microsoft.com/office/drawing/2010/main" val="0"/>
-              </a:ext>
-            </a:extLst>
-          </a:blip>
-          <a:stretch>
-            <a:fillRect/>
-          </a:stretch>
-        </p:blipFill>
-        <p:spPr>
-          <a:xfrm>
-            <a:off x="1371600" y="553842"/>
-            <a:ext cx="6096000" cy="6096000"/>
-          </a:xfrm>
-          <a:prstGeom prst="rect">
-            <a:avLst/>
-          </a:prstGeom>
-        </p:spPr>
-      </p:pic>
-      <p:sp>
-        <p:nvSpPr>
-          <p:cNvPr id="6" name="Title 5"/>
-          <p:cNvSpPr>
-            <a:spLocks noGrp="1"/>
+      <p:sp>
+        <p:nvSpPr>
+          <p:cNvPr id="40962" name="Rectangle 2"/>
+          <p:cNvSpPr>
+            <a:spLocks noGrp="1" noChangeArrowheads="1"/>
           </p:cNvSpPr>
           <p:nvPr>
             <p:ph type="title"/>
@@ -3578,31 +4803,72 @@
         </p:nvSpPr>
         <p:spPr/>
         <p:txBody>
-          <a:bodyPr>
-            <a:normAutofit/>
-          </a:bodyPr>
-          <a:lstStyle/>
-          <a:p>
-            <a:r>
-              <a:rPr lang="en-US" dirty="0"/>
-              <a:t>How to Choose </a:t>
-            </a:r>
-            <a:r>
-              <a:rPr lang="en-US" i="1" dirty="0"/>
-              <a:t>K</a:t>
-            </a:r>
-            <a:r>
-              <a:rPr lang="en-US" dirty="0" smtClean="0"/>
-              <a:t>?</a:t>
-            </a:r>
-            <a:endParaRPr lang="en-US" dirty="0"/>
+          <a:bodyPr/>
+          <a:lstStyle/>
+          <a:p>
+            <a:r>
+              <a:rPr lang="en-US"/>
+              <a:t>Limitations of K-means</a:t>
+            </a:r>
+          </a:p>
+        </p:txBody>
+      </p:sp>
+      <p:sp>
+        <p:nvSpPr>
+          <p:cNvPr id="40963" name="Rectangle 3"/>
+          <p:cNvSpPr>
+            <a:spLocks noGrp="1" noChangeArrowheads="1"/>
+          </p:cNvSpPr>
+          <p:nvPr>
+            <p:ph type="body" idx="1"/>
+          </p:nvPr>
+        </p:nvSpPr>
+        <p:spPr/>
+        <p:txBody>
+          <a:bodyPr/>
+          <a:lstStyle/>
+          <a:p>
+            <a:r>
+              <a:rPr lang="en-US"/>
+              <a:t>K-means has problems when clusters are of differing </a:t>
+            </a:r>
+          </a:p>
+          <a:p>
+            <a:pPr lvl="1"/>
+            <a:r>
+              <a:rPr lang="en-US"/>
+              <a:t>Sizes</a:t>
+            </a:r>
+          </a:p>
+          <a:p>
+            <a:pPr lvl="1"/>
+            <a:r>
+              <a:rPr lang="en-US"/>
+              <a:t>Densities</a:t>
+            </a:r>
+          </a:p>
+          <a:p>
+            <a:pPr lvl="1"/>
+            <a:r>
+              <a:rPr lang="en-US"/>
+              <a:t>Non-globular shapes</a:t>
+            </a:r>
+          </a:p>
+          <a:p>
+            <a:endParaRPr lang="en-US"/>
+          </a:p>
+          <a:p>
+            <a:r>
+              <a:rPr lang="en-US"/>
+              <a:t>K-means has problems when the data contains outliers.</a:t>
+            </a:r>
           </a:p>
         </p:txBody>
       </p:sp>
     </p:spTree>
     <p:extLst>
       <p:ext uri="{BB962C8B-B14F-4D97-AF65-F5344CB8AC3E}">
-        <p14:creationId xmlns:p14="http://schemas.microsoft.com/office/powerpoint/2010/main" val="2024195692"/>
+        <p14:creationId xmlns:p14="http://schemas.microsoft.com/office/powerpoint/2010/main" val="1903302996"/>
       </p:ext>
     </p:extLst>
   </p:cSld>
@@ -3638,90 +4904,366 @@
       </p:grpSpPr>
       <p:sp>
         <p:nvSpPr>
-          <p:cNvPr id="2" name="Title 1"/>
-          <p:cNvSpPr>
-            <a:spLocks noGrp="1"/>
-          </p:cNvSpPr>
-          <p:nvPr>
-            <p:ph type="ctrTitle"/>
-          </p:nvPr>
-        </p:nvSpPr>
-        <p:spPr/>
-        <p:txBody>
-          <a:bodyPr/>
-          <a:lstStyle/>
-          <a:p>
-            <a:endParaRPr lang="en-US" dirty="0"/>
-          </a:p>
-        </p:txBody>
-      </p:sp>
-      <p:sp>
-        <p:nvSpPr>
-          <p:cNvPr id="3" name="Subtitle 2"/>
-          <p:cNvSpPr>
-            <a:spLocks noGrp="1"/>
-          </p:cNvSpPr>
-          <p:nvPr>
-            <p:ph type="subTitle" idx="1"/>
-          </p:nvPr>
-        </p:nvSpPr>
-        <p:spPr/>
-        <p:txBody>
-          <a:bodyPr/>
-          <a:lstStyle/>
-          <a:p>
-            <a:endParaRPr lang="en-US" dirty="0"/>
-          </a:p>
-        </p:txBody>
-      </p:sp>
-      <p:sp>
-        <p:nvSpPr>
-          <p:cNvPr id="4" name="Rectangle 3"/>
-          <p:cNvSpPr/>
-          <p:nvPr/>
+          <p:cNvPr id="41986" name="Rectangle 2"/>
+          <p:cNvSpPr>
+            <a:spLocks noGrp="1" noChangeArrowheads="1"/>
+          </p:cNvSpPr>
+          <p:nvPr>
+            <p:ph type="title"/>
+          </p:nvPr>
         </p:nvSpPr>
         <p:spPr>
           <a:xfrm>
-            <a:off x="0" y="0"/>
-            <a:ext cx="9144000" cy="6858000"/>
+            <a:off x="381000" y="152400"/>
+            <a:ext cx="8280400" cy="552450"/>
+          </a:xfrm>
+        </p:spPr>
+        <p:txBody>
+          <a:bodyPr>
+            <a:normAutofit fontScale="90000"/>
+          </a:bodyPr>
+          <a:lstStyle/>
+          <a:p>
+            <a:r>
+              <a:rPr lang="en-US" sz="3600"/>
+              <a:t>Limitations of K-means: Differing Sizes</a:t>
+            </a:r>
+          </a:p>
+        </p:txBody>
+      </p:sp>
+      <p:sp>
+        <p:nvSpPr>
+          <p:cNvPr id="41987" name="Rectangle 3"/>
+          <p:cNvSpPr>
+            <a:spLocks noGrp="1" noChangeArrowheads="1"/>
+          </p:cNvSpPr>
+          <p:nvPr>
+            <p:ph type="body" idx="1"/>
+          </p:nvPr>
+        </p:nvSpPr>
+        <p:spPr>
+          <a:xfrm>
+            <a:off x="682625" y="1600200"/>
+            <a:ext cx="7916863" cy="852488"/>
+          </a:xfrm>
+        </p:spPr>
+        <p:txBody>
+          <a:bodyPr/>
+          <a:lstStyle/>
+          <a:p>
+            <a:pPr marL="533400" indent="-533400">
+              <a:lnSpc>
+                <a:spcPct val="90000"/>
+              </a:lnSpc>
+              <a:buFontTx/>
+              <a:buNone/>
+            </a:pPr>
+            <a:endParaRPr lang="en-US"/>
+          </a:p>
+          <a:p>
+            <a:pPr marL="990600" lvl="1" indent="-533400">
+              <a:lnSpc>
+                <a:spcPct val="90000"/>
+              </a:lnSpc>
+            </a:pPr>
+            <a:endParaRPr lang="en-US"/>
+          </a:p>
+          <a:p>
+            <a:pPr marL="990600" lvl="1" indent="-533400">
+              <a:lnSpc>
+                <a:spcPct val="90000"/>
+              </a:lnSpc>
+            </a:pPr>
+            <a:endParaRPr lang="en-US" sz="2400"/>
+          </a:p>
+          <a:p>
+            <a:pPr marL="990600" lvl="1" indent="-533400">
+              <a:lnSpc>
+                <a:spcPct val="90000"/>
+              </a:lnSpc>
+              <a:buFontTx/>
+              <a:buNone/>
+            </a:pPr>
+            <a:endParaRPr lang="en-US" sz="2400"/>
+          </a:p>
+        </p:txBody>
+      </p:sp>
+      <p:pic>
+        <p:nvPicPr>
+          <p:cNvPr id="41988" name="Picture 4"/>
+          <p:cNvPicPr>
+            <a:picLocks noChangeAspect="1" noChangeArrowheads="1"/>
+          </p:cNvPicPr>
+          <p:nvPr/>
+        </p:nvPicPr>
+        <p:blipFill>
+          <a:blip r:embed="rId3">
+            <a:extLst>
+              <a:ext uri="{28A0092B-C50C-407E-A947-70E740481C1C}">
+                <a14:useLocalDpi xmlns:a14="http://schemas.microsoft.com/office/drawing/2010/main" val="0"/>
+              </a:ext>
+            </a:extLst>
+          </a:blip>
+          <a:srcRect/>
+          <a:stretch>
+            <a:fillRect/>
+          </a:stretch>
+        </p:blipFill>
+        <p:spPr bwMode="auto">
+          <a:xfrm>
+            <a:off x="0" y="1447800"/>
+            <a:ext cx="4268788" cy="3200400"/>
           </a:xfrm>
           <a:prstGeom prst="rect">
             <a:avLst/>
           </a:prstGeom>
-          <a:solidFill>
-            <a:schemeClr val="tx1"/>
-          </a:solidFill>
+          <a:noFill/>
           <a:ln>
             <a:noFill/>
           </a:ln>
+          <a:effectLst/>
+          <a:extLst>
+            <a:ext uri="{909E8E84-426E-40dd-AFC4-6F175D3DCCD1}">
+              <a14:hiddenFill xmlns:a14="http://schemas.microsoft.com/office/drawing/2010/main">
+                <a:solidFill>
+                  <a:schemeClr val="accent1"/>
+                </a:solidFill>
+              </a14:hiddenFill>
+            </a:ext>
+            <a:ext uri="{91240B29-F687-4f45-9708-019B960494DF}">
+              <a14:hiddenLine xmlns:a14="http://schemas.microsoft.com/office/drawing/2010/main" w="12700">
+                <a:solidFill>
+                  <a:schemeClr val="tx1"/>
+                </a:solidFill>
+                <a:miter lim="800000"/>
+                <a:headEnd/>
+                <a:tailEnd/>
+              </a14:hiddenLine>
+            </a:ext>
+            <a:ext uri="{AF507438-7753-43e0-B8FC-AC1667EBCBE1}">
+              <a14:hiddenEffects xmlns:a14="http://schemas.microsoft.com/office/drawing/2010/main">
+                <a:effectLst>
+                  <a:outerShdw blurRad="63500" dist="38099" dir="2700000" algn="ctr" rotWithShape="0">
+                    <a:schemeClr val="bg2">
+                      <a:alpha val="74998"/>
+                    </a:schemeClr>
+                  </a:outerShdw>
+                </a:effectLst>
+              </a14:hiddenEffects>
+            </a:ext>
+          </a:extLst>
         </p:spPr>
-        <p:style>
-          <a:lnRef idx="1">
-            <a:schemeClr val="accent1"/>
-          </a:lnRef>
-          <a:fillRef idx="3">
-            <a:schemeClr val="accent1"/>
-          </a:fillRef>
-          <a:effectRef idx="2">
-            <a:schemeClr val="accent1"/>
-          </a:effectRef>
-          <a:fontRef idx="minor">
-            <a:schemeClr val="lt1"/>
-          </a:fontRef>
-        </p:style>
-        <p:txBody>
-          <a:bodyPr rtlCol="0" anchor="ctr"/>
-          <a:lstStyle/>
-          <a:p>
-            <a:pPr algn="ctr"/>
-            <a:endParaRPr lang="en-US"/>
+      </p:pic>
+      <p:pic>
+        <p:nvPicPr>
+          <p:cNvPr id="41989" name="Picture 5"/>
+          <p:cNvPicPr>
+            <a:picLocks noChangeAspect="1" noChangeArrowheads="1"/>
+          </p:cNvPicPr>
+          <p:nvPr/>
+        </p:nvPicPr>
+        <p:blipFill>
+          <a:blip r:embed="rId4">
+            <a:extLst>
+              <a:ext uri="{28A0092B-C50C-407E-A947-70E740481C1C}">
+                <a14:useLocalDpi xmlns:a14="http://schemas.microsoft.com/office/drawing/2010/main" val="0"/>
+              </a:ext>
+            </a:extLst>
+          </a:blip>
+          <a:srcRect/>
+          <a:stretch>
+            <a:fillRect/>
+          </a:stretch>
+        </p:blipFill>
+        <p:spPr bwMode="auto">
+          <a:xfrm>
+            <a:off x="4267200" y="1447800"/>
+            <a:ext cx="4268788" cy="3200400"/>
+          </a:xfrm>
+          <a:prstGeom prst="rect">
+            <a:avLst/>
+          </a:prstGeom>
+          <a:noFill/>
+          <a:ln>
+            <a:noFill/>
+          </a:ln>
+          <a:effectLst/>
+          <a:extLst>
+            <a:ext uri="{909E8E84-426E-40dd-AFC4-6F175D3DCCD1}">
+              <a14:hiddenFill xmlns:a14="http://schemas.microsoft.com/office/drawing/2010/main">
+                <a:solidFill>
+                  <a:schemeClr val="accent1"/>
+                </a:solidFill>
+              </a14:hiddenFill>
+            </a:ext>
+            <a:ext uri="{91240B29-F687-4f45-9708-019B960494DF}">
+              <a14:hiddenLine xmlns:a14="http://schemas.microsoft.com/office/drawing/2010/main" w="12700">
+                <a:solidFill>
+                  <a:schemeClr val="tx1"/>
+                </a:solidFill>
+                <a:miter lim="800000"/>
+                <a:headEnd/>
+                <a:tailEnd/>
+              </a14:hiddenLine>
+            </a:ext>
+            <a:ext uri="{AF507438-7753-43e0-B8FC-AC1667EBCBE1}">
+              <a14:hiddenEffects xmlns:a14="http://schemas.microsoft.com/office/drawing/2010/main">
+                <a:effectLst>
+                  <a:outerShdw blurRad="63500" dist="38099" dir="2700000" algn="ctr" rotWithShape="0">
+                    <a:schemeClr val="bg2">
+                      <a:alpha val="74998"/>
+                    </a:schemeClr>
+                  </a:outerShdw>
+                </a:effectLst>
+              </a14:hiddenEffects>
+            </a:ext>
+          </a:extLst>
+        </p:spPr>
+      </p:pic>
+      <p:sp>
+        <p:nvSpPr>
+          <p:cNvPr id="41990" name="Text Box 6"/>
+          <p:cNvSpPr txBox="1">
+            <a:spLocks noChangeArrowheads="1"/>
+          </p:cNvSpPr>
+          <p:nvPr/>
+        </p:nvSpPr>
+        <p:spPr bwMode="auto">
+          <a:xfrm>
+            <a:off x="762000" y="4953000"/>
+            <a:ext cx="2057400" cy="366713"/>
+          </a:xfrm>
+          <a:prstGeom prst="rect">
+            <a:avLst/>
+          </a:prstGeom>
+          <a:noFill/>
+          <a:ln>
+            <a:noFill/>
+          </a:ln>
+          <a:effectLst/>
+          <a:extLst>
+            <a:ext uri="{909E8E84-426E-40dd-AFC4-6F175D3DCCD1}">
+              <a14:hiddenFill xmlns:a14="http://schemas.microsoft.com/office/drawing/2010/main">
+                <a:solidFill>
+                  <a:schemeClr val="accent1"/>
+                </a:solidFill>
+              </a14:hiddenFill>
+            </a:ext>
+            <a:ext uri="{91240B29-F687-4f45-9708-019B960494DF}">
+              <a14:hiddenLine xmlns:a14="http://schemas.microsoft.com/office/drawing/2010/main" w="12700">
+                <a:solidFill>
+                  <a:schemeClr val="tx1"/>
+                </a:solidFill>
+                <a:miter lim="800000"/>
+                <a:headEnd/>
+                <a:tailEnd/>
+              </a14:hiddenLine>
+            </a:ext>
+            <a:ext uri="{AF507438-7753-43e0-B8FC-AC1667EBCBE1}">
+              <a14:hiddenEffects xmlns:a14="http://schemas.microsoft.com/office/drawing/2010/main">
+                <a:effectLst>
+                  <a:outerShdw blurRad="63500" dist="38099" dir="2700000" algn="ctr" rotWithShape="0">
+                    <a:schemeClr val="bg2">
+                      <a:alpha val="74998"/>
+                    </a:schemeClr>
+                  </a:outerShdw>
+                </a:effectLst>
+              </a14:hiddenEffects>
+            </a:ext>
+          </a:extLst>
+        </p:spPr>
+        <p:txBody>
+          <a:bodyPr>
+            <a:spAutoFit/>
+          </a:bodyPr>
+          <a:lstStyle/>
+          <a:p>
+            <a:pPr eaLnBrk="0" hangingPunct="0">
+              <a:spcBef>
+                <a:spcPct val="50000"/>
+              </a:spcBef>
+            </a:pPr>
+            <a:r>
+              <a:rPr lang="en-US" b="1"/>
+              <a:t>Original Points</a:t>
+            </a:r>
+          </a:p>
+        </p:txBody>
+      </p:sp>
+      <p:sp>
+        <p:nvSpPr>
+          <p:cNvPr id="41991" name="Rectangle 7"/>
+          <p:cNvSpPr>
+            <a:spLocks noChangeArrowheads="1"/>
+          </p:cNvSpPr>
+          <p:nvPr/>
+        </p:nvSpPr>
+        <p:spPr bwMode="auto">
+          <a:xfrm>
+            <a:off x="5334000" y="4902200"/>
+            <a:ext cx="2470150" cy="366713"/>
+          </a:xfrm>
+          <a:prstGeom prst="rect">
+            <a:avLst/>
+          </a:prstGeom>
+          <a:noFill/>
+          <a:ln>
+            <a:noFill/>
+          </a:ln>
+          <a:effectLst/>
+          <a:extLst>
+            <a:ext uri="{909E8E84-426E-40dd-AFC4-6F175D3DCCD1}">
+              <a14:hiddenFill xmlns:a14="http://schemas.microsoft.com/office/drawing/2010/main">
+                <a:solidFill>
+                  <a:schemeClr val="accent1"/>
+                </a:solidFill>
+              </a14:hiddenFill>
+            </a:ext>
+            <a:ext uri="{91240B29-F687-4f45-9708-019B960494DF}">
+              <a14:hiddenLine xmlns:a14="http://schemas.microsoft.com/office/drawing/2010/main" w="12700">
+                <a:solidFill>
+                  <a:schemeClr val="tx1"/>
+                </a:solidFill>
+                <a:miter lim="800000"/>
+                <a:headEnd/>
+                <a:tailEnd/>
+              </a14:hiddenLine>
+            </a:ext>
+            <a:ext uri="{AF507438-7753-43e0-B8FC-AC1667EBCBE1}">
+              <a14:hiddenEffects xmlns:a14="http://schemas.microsoft.com/office/drawing/2010/main">
+                <a:effectLst>
+                  <a:outerShdw blurRad="63500" dist="38099" dir="2700000" algn="ctr" rotWithShape="0">
+                    <a:schemeClr val="bg2">
+                      <a:alpha val="74998"/>
+                    </a:schemeClr>
+                  </a:outerShdw>
+                </a:effectLst>
+              </a14:hiddenEffects>
+            </a:ext>
+          </a:extLst>
+        </p:spPr>
+        <p:txBody>
+          <a:bodyPr wrap="none">
+            <a:spAutoFit/>
+          </a:bodyPr>
+          <a:lstStyle/>
+          <a:p>
+            <a:pPr eaLnBrk="0" hangingPunct="0">
+              <a:spcBef>
+                <a:spcPct val="50000"/>
+              </a:spcBef>
+            </a:pPr>
+            <a:r>
+              <a:rPr lang="en-US" b="1"/>
+              <a:t>K-means (3 Clusters)</a:t>
+            </a:r>
           </a:p>
         </p:txBody>
       </p:sp>
     </p:spTree>
     <p:extLst>
       <p:ext uri="{BB962C8B-B14F-4D97-AF65-F5344CB8AC3E}">
-        <p14:creationId xmlns:p14="http://schemas.microsoft.com/office/powerpoint/2010/main" val="2298253255"/>
+        <p14:creationId xmlns:p14="http://schemas.microsoft.com/office/powerpoint/2010/main" val="2047654943"/>
       </p:ext>
     </p:extLst>
   </p:cSld>
@@ -3739,6 +5281,1828 @@
 </file>
 
 <file path=ppt/slides/slide14.xml><?xml version="1.0" encoding="utf-8"?>
+<p:sld xmlns:a="http://schemas.openxmlformats.org/drawingml/2006/main" xmlns:r="http://schemas.openxmlformats.org/officeDocument/2006/relationships" xmlns:p="http://schemas.openxmlformats.org/presentationml/2006/main">
+  <p:cSld>
+    <p:spTree>
+      <p:nvGrpSpPr>
+        <p:cNvPr id="1" name=""/>
+        <p:cNvGrpSpPr/>
+        <p:nvPr/>
+      </p:nvGrpSpPr>
+      <p:grpSpPr>
+        <a:xfrm>
+          <a:off x="0" y="0"/>
+          <a:ext cx="0" cy="0"/>
+          <a:chOff x="0" y="0"/>
+          <a:chExt cx="0" cy="0"/>
+        </a:xfrm>
+      </p:grpSpPr>
+      <p:sp>
+        <p:nvSpPr>
+          <p:cNvPr id="43010" name="Rectangle 2"/>
+          <p:cNvSpPr>
+            <a:spLocks noGrp="1" noChangeArrowheads="1"/>
+          </p:cNvSpPr>
+          <p:nvPr>
+            <p:ph type="title"/>
+          </p:nvPr>
+        </p:nvSpPr>
+        <p:spPr>
+          <a:xfrm>
+            <a:off x="381000" y="152400"/>
+            <a:ext cx="8280400" cy="552450"/>
+          </a:xfrm>
+        </p:spPr>
+        <p:txBody>
+          <a:bodyPr>
+            <a:normAutofit fontScale="90000"/>
+          </a:bodyPr>
+          <a:lstStyle/>
+          <a:p>
+            <a:r>
+              <a:rPr lang="en-US" sz="3200"/>
+              <a:t>Limitations of K-means: Differing Density</a:t>
+            </a:r>
+          </a:p>
+        </p:txBody>
+      </p:sp>
+      <p:sp>
+        <p:nvSpPr>
+          <p:cNvPr id="43011" name="Rectangle 3"/>
+          <p:cNvSpPr>
+            <a:spLocks noGrp="1" noChangeArrowheads="1"/>
+          </p:cNvSpPr>
+          <p:nvPr>
+            <p:ph type="body" idx="1"/>
+          </p:nvPr>
+        </p:nvSpPr>
+        <p:spPr>
+          <a:xfrm>
+            <a:off x="682625" y="1600200"/>
+            <a:ext cx="7916863" cy="852488"/>
+          </a:xfrm>
+        </p:spPr>
+        <p:txBody>
+          <a:bodyPr/>
+          <a:lstStyle/>
+          <a:p>
+            <a:pPr marL="533400" indent="-533400">
+              <a:lnSpc>
+                <a:spcPct val="90000"/>
+              </a:lnSpc>
+              <a:buFontTx/>
+              <a:buNone/>
+            </a:pPr>
+            <a:endParaRPr lang="en-US"/>
+          </a:p>
+          <a:p>
+            <a:pPr marL="990600" lvl="1" indent="-533400">
+              <a:lnSpc>
+                <a:spcPct val="90000"/>
+              </a:lnSpc>
+            </a:pPr>
+            <a:endParaRPr lang="en-US"/>
+          </a:p>
+          <a:p>
+            <a:pPr marL="990600" lvl="1" indent="-533400">
+              <a:lnSpc>
+                <a:spcPct val="90000"/>
+              </a:lnSpc>
+            </a:pPr>
+            <a:endParaRPr lang="en-US" sz="2400"/>
+          </a:p>
+          <a:p>
+            <a:pPr marL="990600" lvl="1" indent="-533400">
+              <a:lnSpc>
+                <a:spcPct val="90000"/>
+              </a:lnSpc>
+              <a:buFontTx/>
+              <a:buNone/>
+            </a:pPr>
+            <a:endParaRPr lang="en-US" sz="2400"/>
+          </a:p>
+        </p:txBody>
+      </p:sp>
+      <p:sp>
+        <p:nvSpPr>
+          <p:cNvPr id="43012" name="Text Box 4"/>
+          <p:cNvSpPr txBox="1">
+            <a:spLocks noChangeArrowheads="1"/>
+          </p:cNvSpPr>
+          <p:nvPr/>
+        </p:nvSpPr>
+        <p:spPr bwMode="auto">
+          <a:xfrm>
+            <a:off x="762000" y="4953000"/>
+            <a:ext cx="2133600" cy="366713"/>
+          </a:xfrm>
+          <a:prstGeom prst="rect">
+            <a:avLst/>
+          </a:prstGeom>
+          <a:noFill/>
+          <a:ln>
+            <a:noFill/>
+          </a:ln>
+          <a:effectLst/>
+          <a:extLst>
+            <a:ext uri="{909E8E84-426E-40dd-AFC4-6F175D3DCCD1}">
+              <a14:hiddenFill xmlns:a14="http://schemas.microsoft.com/office/drawing/2010/main">
+                <a:solidFill>
+                  <a:schemeClr val="accent1"/>
+                </a:solidFill>
+              </a14:hiddenFill>
+            </a:ext>
+            <a:ext uri="{91240B29-F687-4f45-9708-019B960494DF}">
+              <a14:hiddenLine xmlns:a14="http://schemas.microsoft.com/office/drawing/2010/main" w="12700">
+                <a:solidFill>
+                  <a:schemeClr val="tx1"/>
+                </a:solidFill>
+                <a:miter lim="800000"/>
+                <a:headEnd/>
+                <a:tailEnd/>
+              </a14:hiddenLine>
+            </a:ext>
+            <a:ext uri="{AF507438-7753-43e0-B8FC-AC1667EBCBE1}">
+              <a14:hiddenEffects xmlns:a14="http://schemas.microsoft.com/office/drawing/2010/main">
+                <a:effectLst>
+                  <a:outerShdw blurRad="63500" dist="38099" dir="2700000" algn="ctr" rotWithShape="0">
+                    <a:schemeClr val="bg2">
+                      <a:alpha val="74998"/>
+                    </a:schemeClr>
+                  </a:outerShdw>
+                </a:effectLst>
+              </a14:hiddenEffects>
+            </a:ext>
+          </a:extLst>
+        </p:spPr>
+        <p:txBody>
+          <a:bodyPr>
+            <a:spAutoFit/>
+          </a:bodyPr>
+          <a:lstStyle/>
+          <a:p>
+            <a:pPr eaLnBrk="0" hangingPunct="0">
+              <a:spcBef>
+                <a:spcPct val="50000"/>
+              </a:spcBef>
+            </a:pPr>
+            <a:r>
+              <a:rPr lang="en-US" b="1"/>
+              <a:t>Original Points</a:t>
+            </a:r>
+          </a:p>
+        </p:txBody>
+      </p:sp>
+      <p:pic>
+        <p:nvPicPr>
+          <p:cNvPr id="43013" name="Picture 5"/>
+          <p:cNvPicPr>
+            <a:picLocks noChangeAspect="1" noChangeArrowheads="1"/>
+          </p:cNvPicPr>
+          <p:nvPr/>
+        </p:nvPicPr>
+        <p:blipFill>
+          <a:blip r:embed="rId3">
+            <a:extLst>
+              <a:ext uri="{28A0092B-C50C-407E-A947-70E740481C1C}">
+                <a14:useLocalDpi xmlns:a14="http://schemas.microsoft.com/office/drawing/2010/main" val="0"/>
+              </a:ext>
+            </a:extLst>
+          </a:blip>
+          <a:srcRect/>
+          <a:stretch>
+            <a:fillRect/>
+          </a:stretch>
+        </p:blipFill>
+        <p:spPr bwMode="auto">
+          <a:xfrm>
+            <a:off x="0" y="1447800"/>
+            <a:ext cx="4268788" cy="3200400"/>
+          </a:xfrm>
+          <a:prstGeom prst="rect">
+            <a:avLst/>
+          </a:prstGeom>
+          <a:noFill/>
+          <a:ln>
+            <a:noFill/>
+          </a:ln>
+          <a:effectLst/>
+          <a:extLst>
+            <a:ext uri="{909E8E84-426E-40dd-AFC4-6F175D3DCCD1}">
+              <a14:hiddenFill xmlns:a14="http://schemas.microsoft.com/office/drawing/2010/main">
+                <a:solidFill>
+                  <a:schemeClr val="accent1"/>
+                </a:solidFill>
+              </a14:hiddenFill>
+            </a:ext>
+            <a:ext uri="{91240B29-F687-4f45-9708-019B960494DF}">
+              <a14:hiddenLine xmlns:a14="http://schemas.microsoft.com/office/drawing/2010/main" w="12700">
+                <a:solidFill>
+                  <a:schemeClr val="tx1"/>
+                </a:solidFill>
+                <a:miter lim="800000"/>
+                <a:headEnd/>
+                <a:tailEnd/>
+              </a14:hiddenLine>
+            </a:ext>
+            <a:ext uri="{AF507438-7753-43e0-B8FC-AC1667EBCBE1}">
+              <a14:hiddenEffects xmlns:a14="http://schemas.microsoft.com/office/drawing/2010/main">
+                <a:effectLst>
+                  <a:outerShdw blurRad="63500" dist="38099" dir="2700000" algn="ctr" rotWithShape="0">
+                    <a:schemeClr val="bg2">
+                      <a:alpha val="74998"/>
+                    </a:schemeClr>
+                  </a:outerShdw>
+                </a:effectLst>
+              </a14:hiddenEffects>
+            </a:ext>
+          </a:extLst>
+        </p:spPr>
+      </p:pic>
+      <p:pic>
+        <p:nvPicPr>
+          <p:cNvPr id="43014" name="Picture 6"/>
+          <p:cNvPicPr>
+            <a:picLocks noChangeAspect="1" noChangeArrowheads="1"/>
+          </p:cNvPicPr>
+          <p:nvPr/>
+        </p:nvPicPr>
+        <p:blipFill>
+          <a:blip r:embed="rId4">
+            <a:extLst>
+              <a:ext uri="{28A0092B-C50C-407E-A947-70E740481C1C}">
+                <a14:useLocalDpi xmlns:a14="http://schemas.microsoft.com/office/drawing/2010/main" val="0"/>
+              </a:ext>
+            </a:extLst>
+          </a:blip>
+          <a:srcRect/>
+          <a:stretch>
+            <a:fillRect/>
+          </a:stretch>
+        </p:blipFill>
+        <p:spPr bwMode="auto">
+          <a:xfrm>
+            <a:off x="4267200" y="1447800"/>
+            <a:ext cx="4268788" cy="3200400"/>
+          </a:xfrm>
+          <a:prstGeom prst="rect">
+            <a:avLst/>
+          </a:prstGeom>
+          <a:noFill/>
+          <a:ln>
+            <a:noFill/>
+          </a:ln>
+          <a:effectLst/>
+          <a:extLst>
+            <a:ext uri="{909E8E84-426E-40dd-AFC4-6F175D3DCCD1}">
+              <a14:hiddenFill xmlns:a14="http://schemas.microsoft.com/office/drawing/2010/main">
+                <a:solidFill>
+                  <a:schemeClr val="accent1"/>
+                </a:solidFill>
+              </a14:hiddenFill>
+            </a:ext>
+            <a:ext uri="{91240B29-F687-4f45-9708-019B960494DF}">
+              <a14:hiddenLine xmlns:a14="http://schemas.microsoft.com/office/drawing/2010/main" w="12700">
+                <a:solidFill>
+                  <a:schemeClr val="tx1"/>
+                </a:solidFill>
+                <a:miter lim="800000"/>
+                <a:headEnd/>
+                <a:tailEnd/>
+              </a14:hiddenLine>
+            </a:ext>
+            <a:ext uri="{AF507438-7753-43e0-B8FC-AC1667EBCBE1}">
+              <a14:hiddenEffects xmlns:a14="http://schemas.microsoft.com/office/drawing/2010/main">
+                <a:effectLst>
+                  <a:outerShdw blurRad="63500" dist="38099" dir="2700000" algn="ctr" rotWithShape="0">
+                    <a:schemeClr val="bg2">
+                      <a:alpha val="74998"/>
+                    </a:schemeClr>
+                  </a:outerShdw>
+                </a:effectLst>
+              </a14:hiddenEffects>
+            </a:ext>
+          </a:extLst>
+        </p:spPr>
+      </p:pic>
+      <p:sp>
+        <p:nvSpPr>
+          <p:cNvPr id="43015" name="Rectangle 7"/>
+          <p:cNvSpPr>
+            <a:spLocks noChangeArrowheads="1"/>
+          </p:cNvSpPr>
+          <p:nvPr/>
+        </p:nvSpPr>
+        <p:spPr bwMode="auto">
+          <a:xfrm>
+            <a:off x="5334000" y="4902200"/>
+            <a:ext cx="2470150" cy="366713"/>
+          </a:xfrm>
+          <a:prstGeom prst="rect">
+            <a:avLst/>
+          </a:prstGeom>
+          <a:noFill/>
+          <a:ln>
+            <a:noFill/>
+          </a:ln>
+          <a:effectLst/>
+          <a:extLst>
+            <a:ext uri="{909E8E84-426E-40dd-AFC4-6F175D3DCCD1}">
+              <a14:hiddenFill xmlns:a14="http://schemas.microsoft.com/office/drawing/2010/main">
+                <a:solidFill>
+                  <a:schemeClr val="accent1"/>
+                </a:solidFill>
+              </a14:hiddenFill>
+            </a:ext>
+            <a:ext uri="{91240B29-F687-4f45-9708-019B960494DF}">
+              <a14:hiddenLine xmlns:a14="http://schemas.microsoft.com/office/drawing/2010/main" w="12700">
+                <a:solidFill>
+                  <a:schemeClr val="tx1"/>
+                </a:solidFill>
+                <a:miter lim="800000"/>
+                <a:headEnd/>
+                <a:tailEnd/>
+              </a14:hiddenLine>
+            </a:ext>
+            <a:ext uri="{AF507438-7753-43e0-B8FC-AC1667EBCBE1}">
+              <a14:hiddenEffects xmlns:a14="http://schemas.microsoft.com/office/drawing/2010/main">
+                <a:effectLst>
+                  <a:outerShdw blurRad="63500" dist="38099" dir="2700000" algn="ctr" rotWithShape="0">
+                    <a:schemeClr val="bg2">
+                      <a:alpha val="74998"/>
+                    </a:schemeClr>
+                  </a:outerShdw>
+                </a:effectLst>
+              </a14:hiddenEffects>
+            </a:ext>
+          </a:extLst>
+        </p:spPr>
+        <p:txBody>
+          <a:bodyPr wrap="none">
+            <a:spAutoFit/>
+          </a:bodyPr>
+          <a:lstStyle/>
+          <a:p>
+            <a:pPr eaLnBrk="0" hangingPunct="0">
+              <a:spcBef>
+                <a:spcPct val="50000"/>
+              </a:spcBef>
+            </a:pPr>
+            <a:r>
+              <a:rPr lang="en-US" b="1"/>
+              <a:t>K-means (3 Clusters)</a:t>
+            </a:r>
+          </a:p>
+        </p:txBody>
+      </p:sp>
+    </p:spTree>
+    <p:extLst>
+      <p:ext uri="{BB962C8B-B14F-4D97-AF65-F5344CB8AC3E}">
+        <p14:creationId xmlns:p14="http://schemas.microsoft.com/office/powerpoint/2010/main" val="812863758"/>
+      </p:ext>
+    </p:extLst>
+  </p:cSld>
+  <p:clrMapOvr>
+    <a:masterClrMapping/>
+  </p:clrMapOvr>
+  <p:timing>
+    <p:tnLst>
+      <p:par>
+        <p:cTn xmlns:p14="http://schemas.microsoft.com/office/powerpoint/2010/main" id="1" dur="indefinite" restart="never" nodeType="tmRoot"/>
+      </p:par>
+    </p:tnLst>
+  </p:timing>
+</p:sld>
+</file>
+
+<file path=ppt/slides/slide15.xml><?xml version="1.0" encoding="utf-8"?>
+<p:sld xmlns:a="http://schemas.openxmlformats.org/drawingml/2006/main" xmlns:r="http://schemas.openxmlformats.org/officeDocument/2006/relationships" xmlns:p="http://schemas.openxmlformats.org/presentationml/2006/main">
+  <p:cSld>
+    <p:spTree>
+      <p:nvGrpSpPr>
+        <p:cNvPr id="1" name=""/>
+        <p:cNvGrpSpPr/>
+        <p:nvPr/>
+      </p:nvGrpSpPr>
+      <p:grpSpPr>
+        <a:xfrm>
+          <a:off x="0" y="0"/>
+          <a:ext cx="0" cy="0"/>
+          <a:chOff x="0" y="0"/>
+          <a:chExt cx="0" cy="0"/>
+        </a:xfrm>
+      </p:grpSpPr>
+      <p:sp>
+        <p:nvSpPr>
+          <p:cNvPr id="44034" name="Rectangle 2"/>
+          <p:cNvSpPr>
+            <a:spLocks noGrp="1" noChangeArrowheads="1"/>
+          </p:cNvSpPr>
+          <p:nvPr>
+            <p:ph type="title"/>
+          </p:nvPr>
+        </p:nvSpPr>
+        <p:spPr>
+          <a:xfrm>
+            <a:off x="228600" y="152400"/>
+            <a:ext cx="8610600" cy="552450"/>
+          </a:xfrm>
+        </p:spPr>
+        <p:txBody>
+          <a:bodyPr/>
+          <a:lstStyle/>
+          <a:p>
+            <a:r>
+              <a:rPr lang="en-US" sz="2800"/>
+              <a:t>Limitations of K-means: Non-globular Shapes</a:t>
+            </a:r>
+          </a:p>
+        </p:txBody>
+      </p:sp>
+      <p:sp>
+        <p:nvSpPr>
+          <p:cNvPr id="44035" name="Rectangle 3"/>
+          <p:cNvSpPr>
+            <a:spLocks noGrp="1" noChangeArrowheads="1"/>
+          </p:cNvSpPr>
+          <p:nvPr>
+            <p:ph type="body" idx="1"/>
+          </p:nvPr>
+        </p:nvSpPr>
+        <p:spPr>
+          <a:xfrm>
+            <a:off x="682625" y="1600200"/>
+            <a:ext cx="7916863" cy="852488"/>
+          </a:xfrm>
+        </p:spPr>
+        <p:txBody>
+          <a:bodyPr/>
+          <a:lstStyle/>
+          <a:p>
+            <a:pPr marL="533400" indent="-533400">
+              <a:lnSpc>
+                <a:spcPct val="90000"/>
+              </a:lnSpc>
+              <a:buFontTx/>
+              <a:buNone/>
+            </a:pPr>
+            <a:endParaRPr lang="en-US"/>
+          </a:p>
+          <a:p>
+            <a:pPr marL="990600" lvl="1" indent="-533400">
+              <a:lnSpc>
+                <a:spcPct val="90000"/>
+              </a:lnSpc>
+            </a:pPr>
+            <a:endParaRPr lang="en-US"/>
+          </a:p>
+          <a:p>
+            <a:pPr marL="990600" lvl="1" indent="-533400">
+              <a:lnSpc>
+                <a:spcPct val="90000"/>
+              </a:lnSpc>
+            </a:pPr>
+            <a:endParaRPr lang="en-US" sz="2400"/>
+          </a:p>
+          <a:p>
+            <a:pPr marL="990600" lvl="1" indent="-533400">
+              <a:lnSpc>
+                <a:spcPct val="90000"/>
+              </a:lnSpc>
+              <a:buFontTx/>
+              <a:buNone/>
+            </a:pPr>
+            <a:endParaRPr lang="en-US" sz="2400"/>
+          </a:p>
+        </p:txBody>
+      </p:sp>
+      <p:sp>
+        <p:nvSpPr>
+          <p:cNvPr id="44036" name="Text Box 4"/>
+          <p:cNvSpPr txBox="1">
+            <a:spLocks noChangeArrowheads="1"/>
+          </p:cNvSpPr>
+          <p:nvPr/>
+        </p:nvSpPr>
+        <p:spPr bwMode="auto">
+          <a:xfrm>
+            <a:off x="1143000" y="4876800"/>
+            <a:ext cx="2057400" cy="366713"/>
+          </a:xfrm>
+          <a:prstGeom prst="rect">
+            <a:avLst/>
+          </a:prstGeom>
+          <a:noFill/>
+          <a:ln>
+            <a:noFill/>
+          </a:ln>
+          <a:effectLst/>
+          <a:extLst>
+            <a:ext uri="{909E8E84-426E-40dd-AFC4-6F175D3DCCD1}">
+              <a14:hiddenFill xmlns:a14="http://schemas.microsoft.com/office/drawing/2010/main">
+                <a:solidFill>
+                  <a:schemeClr val="accent1"/>
+                </a:solidFill>
+              </a14:hiddenFill>
+            </a:ext>
+            <a:ext uri="{91240B29-F687-4f45-9708-019B960494DF}">
+              <a14:hiddenLine xmlns:a14="http://schemas.microsoft.com/office/drawing/2010/main" w="12700">
+                <a:solidFill>
+                  <a:schemeClr val="tx1"/>
+                </a:solidFill>
+                <a:miter lim="800000"/>
+                <a:headEnd/>
+                <a:tailEnd/>
+              </a14:hiddenLine>
+            </a:ext>
+            <a:ext uri="{AF507438-7753-43e0-B8FC-AC1667EBCBE1}">
+              <a14:hiddenEffects xmlns:a14="http://schemas.microsoft.com/office/drawing/2010/main">
+                <a:effectLst>
+                  <a:outerShdw blurRad="63500" dist="38099" dir="2700000" algn="ctr" rotWithShape="0">
+                    <a:schemeClr val="bg2">
+                      <a:alpha val="74998"/>
+                    </a:schemeClr>
+                  </a:outerShdw>
+                </a:effectLst>
+              </a14:hiddenEffects>
+            </a:ext>
+          </a:extLst>
+        </p:spPr>
+        <p:txBody>
+          <a:bodyPr>
+            <a:spAutoFit/>
+          </a:bodyPr>
+          <a:lstStyle/>
+          <a:p>
+            <a:pPr eaLnBrk="0" hangingPunct="0">
+              <a:spcBef>
+                <a:spcPct val="50000"/>
+              </a:spcBef>
+            </a:pPr>
+            <a:r>
+              <a:rPr lang="en-US" b="1"/>
+              <a:t>Original Points</a:t>
+            </a:r>
+          </a:p>
+        </p:txBody>
+      </p:sp>
+      <p:pic>
+        <p:nvPicPr>
+          <p:cNvPr id="44037" name="Picture 5"/>
+          <p:cNvPicPr>
+            <a:picLocks noChangeAspect="1" noChangeArrowheads="1"/>
+          </p:cNvPicPr>
+          <p:nvPr/>
+        </p:nvPicPr>
+        <p:blipFill>
+          <a:blip r:embed="rId3">
+            <a:extLst>
+              <a:ext uri="{28A0092B-C50C-407E-A947-70E740481C1C}">
+                <a14:useLocalDpi xmlns:a14="http://schemas.microsoft.com/office/drawing/2010/main" val="0"/>
+              </a:ext>
+            </a:extLst>
+          </a:blip>
+          <a:srcRect/>
+          <a:stretch>
+            <a:fillRect/>
+          </a:stretch>
+        </p:blipFill>
+        <p:spPr bwMode="auto">
+          <a:xfrm>
+            <a:off x="228600" y="1219200"/>
+            <a:ext cx="4268788" cy="3200400"/>
+          </a:xfrm>
+          <a:prstGeom prst="rect">
+            <a:avLst/>
+          </a:prstGeom>
+          <a:noFill/>
+          <a:ln>
+            <a:noFill/>
+          </a:ln>
+          <a:effectLst/>
+          <a:extLst>
+            <a:ext uri="{909E8E84-426E-40dd-AFC4-6F175D3DCCD1}">
+              <a14:hiddenFill xmlns:a14="http://schemas.microsoft.com/office/drawing/2010/main">
+                <a:solidFill>
+                  <a:schemeClr val="accent1"/>
+                </a:solidFill>
+              </a14:hiddenFill>
+            </a:ext>
+            <a:ext uri="{91240B29-F687-4f45-9708-019B960494DF}">
+              <a14:hiddenLine xmlns:a14="http://schemas.microsoft.com/office/drawing/2010/main" w="12700">
+                <a:solidFill>
+                  <a:schemeClr val="tx1"/>
+                </a:solidFill>
+                <a:miter lim="800000"/>
+                <a:headEnd/>
+                <a:tailEnd/>
+              </a14:hiddenLine>
+            </a:ext>
+            <a:ext uri="{AF507438-7753-43e0-B8FC-AC1667EBCBE1}">
+              <a14:hiddenEffects xmlns:a14="http://schemas.microsoft.com/office/drawing/2010/main">
+                <a:effectLst>
+                  <a:outerShdw blurRad="63500" dist="38099" dir="2700000" algn="ctr" rotWithShape="0">
+                    <a:schemeClr val="bg2">
+                      <a:alpha val="74998"/>
+                    </a:schemeClr>
+                  </a:outerShdw>
+                </a:effectLst>
+              </a14:hiddenEffects>
+            </a:ext>
+          </a:extLst>
+        </p:spPr>
+      </p:pic>
+      <p:pic>
+        <p:nvPicPr>
+          <p:cNvPr id="44038" name="Picture 6"/>
+          <p:cNvPicPr>
+            <a:picLocks noChangeAspect="1" noChangeArrowheads="1"/>
+          </p:cNvPicPr>
+          <p:nvPr/>
+        </p:nvPicPr>
+        <p:blipFill>
+          <a:blip r:embed="rId4">
+            <a:extLst>
+              <a:ext uri="{28A0092B-C50C-407E-A947-70E740481C1C}">
+                <a14:useLocalDpi xmlns:a14="http://schemas.microsoft.com/office/drawing/2010/main" val="0"/>
+              </a:ext>
+            </a:extLst>
+          </a:blip>
+          <a:srcRect/>
+          <a:stretch>
+            <a:fillRect/>
+          </a:stretch>
+        </p:blipFill>
+        <p:spPr bwMode="auto">
+          <a:xfrm>
+            <a:off x="4191000" y="1219200"/>
+            <a:ext cx="4268788" cy="3200400"/>
+          </a:xfrm>
+          <a:prstGeom prst="rect">
+            <a:avLst/>
+          </a:prstGeom>
+          <a:noFill/>
+          <a:ln>
+            <a:noFill/>
+          </a:ln>
+          <a:effectLst/>
+          <a:extLst>
+            <a:ext uri="{909E8E84-426E-40dd-AFC4-6F175D3DCCD1}">
+              <a14:hiddenFill xmlns:a14="http://schemas.microsoft.com/office/drawing/2010/main">
+                <a:solidFill>
+                  <a:schemeClr val="accent1"/>
+                </a:solidFill>
+              </a14:hiddenFill>
+            </a:ext>
+            <a:ext uri="{91240B29-F687-4f45-9708-019B960494DF}">
+              <a14:hiddenLine xmlns:a14="http://schemas.microsoft.com/office/drawing/2010/main" w="12700">
+                <a:solidFill>
+                  <a:schemeClr val="tx1"/>
+                </a:solidFill>
+                <a:miter lim="800000"/>
+                <a:headEnd/>
+                <a:tailEnd/>
+              </a14:hiddenLine>
+            </a:ext>
+            <a:ext uri="{AF507438-7753-43e0-B8FC-AC1667EBCBE1}">
+              <a14:hiddenEffects xmlns:a14="http://schemas.microsoft.com/office/drawing/2010/main">
+                <a:effectLst>
+                  <a:outerShdw blurRad="63500" dist="38099" dir="2700000" algn="ctr" rotWithShape="0">
+                    <a:schemeClr val="bg2">
+                      <a:alpha val="74998"/>
+                    </a:schemeClr>
+                  </a:outerShdw>
+                </a:effectLst>
+              </a14:hiddenEffects>
+            </a:ext>
+          </a:extLst>
+        </p:spPr>
+      </p:pic>
+      <p:sp>
+        <p:nvSpPr>
+          <p:cNvPr id="44039" name="Rectangle 7"/>
+          <p:cNvSpPr>
+            <a:spLocks noChangeArrowheads="1"/>
+          </p:cNvSpPr>
+          <p:nvPr/>
+        </p:nvSpPr>
+        <p:spPr bwMode="auto">
+          <a:xfrm>
+            <a:off x="5334000" y="4902200"/>
+            <a:ext cx="2470150" cy="366713"/>
+          </a:xfrm>
+          <a:prstGeom prst="rect">
+            <a:avLst/>
+          </a:prstGeom>
+          <a:noFill/>
+          <a:ln>
+            <a:noFill/>
+          </a:ln>
+          <a:effectLst/>
+          <a:extLst>
+            <a:ext uri="{909E8E84-426E-40dd-AFC4-6F175D3DCCD1}">
+              <a14:hiddenFill xmlns:a14="http://schemas.microsoft.com/office/drawing/2010/main">
+                <a:solidFill>
+                  <a:schemeClr val="accent1"/>
+                </a:solidFill>
+              </a14:hiddenFill>
+            </a:ext>
+            <a:ext uri="{91240B29-F687-4f45-9708-019B960494DF}">
+              <a14:hiddenLine xmlns:a14="http://schemas.microsoft.com/office/drawing/2010/main" w="12700">
+                <a:solidFill>
+                  <a:schemeClr val="tx1"/>
+                </a:solidFill>
+                <a:miter lim="800000"/>
+                <a:headEnd/>
+                <a:tailEnd/>
+              </a14:hiddenLine>
+            </a:ext>
+            <a:ext uri="{AF507438-7753-43e0-B8FC-AC1667EBCBE1}">
+              <a14:hiddenEffects xmlns:a14="http://schemas.microsoft.com/office/drawing/2010/main">
+                <a:effectLst>
+                  <a:outerShdw blurRad="63500" dist="38099" dir="2700000" algn="ctr" rotWithShape="0">
+                    <a:schemeClr val="bg2">
+                      <a:alpha val="74998"/>
+                    </a:schemeClr>
+                  </a:outerShdw>
+                </a:effectLst>
+              </a14:hiddenEffects>
+            </a:ext>
+          </a:extLst>
+        </p:spPr>
+        <p:txBody>
+          <a:bodyPr wrap="none">
+            <a:spAutoFit/>
+          </a:bodyPr>
+          <a:lstStyle/>
+          <a:p>
+            <a:pPr eaLnBrk="0" hangingPunct="0">
+              <a:spcBef>
+                <a:spcPct val="50000"/>
+              </a:spcBef>
+            </a:pPr>
+            <a:r>
+              <a:rPr lang="en-US" b="1"/>
+              <a:t>K-means (2 Clusters)</a:t>
+            </a:r>
+          </a:p>
+        </p:txBody>
+      </p:sp>
+    </p:spTree>
+    <p:extLst>
+      <p:ext uri="{BB962C8B-B14F-4D97-AF65-F5344CB8AC3E}">
+        <p14:creationId xmlns:p14="http://schemas.microsoft.com/office/powerpoint/2010/main" val="2570753163"/>
+      </p:ext>
+    </p:extLst>
+  </p:cSld>
+  <p:clrMapOvr>
+    <a:masterClrMapping/>
+  </p:clrMapOvr>
+  <p:timing>
+    <p:tnLst>
+      <p:par>
+        <p:cTn xmlns:p14="http://schemas.microsoft.com/office/powerpoint/2010/main" id="1" dur="indefinite" restart="never" nodeType="tmRoot"/>
+      </p:par>
+    </p:tnLst>
+  </p:timing>
+</p:sld>
+</file>
+
+<file path=ppt/slides/slide16.xml><?xml version="1.0" encoding="utf-8"?>
+<p:sld xmlns:a="http://schemas.openxmlformats.org/drawingml/2006/main" xmlns:r="http://schemas.openxmlformats.org/officeDocument/2006/relationships" xmlns:p="http://schemas.openxmlformats.org/presentationml/2006/main">
+  <p:cSld>
+    <p:spTree>
+      <p:nvGrpSpPr>
+        <p:cNvPr id="1" name=""/>
+        <p:cNvGrpSpPr/>
+        <p:nvPr/>
+      </p:nvGrpSpPr>
+      <p:grpSpPr>
+        <a:xfrm>
+          <a:off x="0" y="0"/>
+          <a:ext cx="0" cy="0"/>
+          <a:chOff x="0" y="0"/>
+          <a:chExt cx="0" cy="0"/>
+        </a:xfrm>
+      </p:grpSpPr>
+      <p:sp>
+        <p:nvSpPr>
+          <p:cNvPr id="45058" name="Rectangle 2"/>
+          <p:cNvSpPr>
+            <a:spLocks noGrp="1" noChangeArrowheads="1"/>
+          </p:cNvSpPr>
+          <p:nvPr>
+            <p:ph type="title"/>
+          </p:nvPr>
+        </p:nvSpPr>
+        <p:spPr>
+          <a:xfrm>
+            <a:off x="228600" y="152400"/>
+            <a:ext cx="8686800" cy="552450"/>
+          </a:xfrm>
+        </p:spPr>
+        <p:txBody>
+          <a:bodyPr>
+            <a:normAutofit fontScale="90000"/>
+          </a:bodyPr>
+          <a:lstStyle/>
+          <a:p>
+            <a:r>
+              <a:rPr lang="en-US" sz="4000"/>
+              <a:t>Overcoming K-means Limitations</a:t>
+            </a:r>
+          </a:p>
+        </p:txBody>
+      </p:sp>
+      <p:sp>
+        <p:nvSpPr>
+          <p:cNvPr id="45059" name="Rectangle 3"/>
+          <p:cNvSpPr>
+            <a:spLocks noGrp="1" noChangeArrowheads="1"/>
+          </p:cNvSpPr>
+          <p:nvPr>
+            <p:ph type="body" idx="1"/>
+          </p:nvPr>
+        </p:nvSpPr>
+        <p:spPr>
+          <a:xfrm>
+            <a:off x="682625" y="1600200"/>
+            <a:ext cx="7916863" cy="852488"/>
+          </a:xfrm>
+        </p:spPr>
+        <p:txBody>
+          <a:bodyPr/>
+          <a:lstStyle/>
+          <a:p>
+            <a:pPr marL="533400" indent="-533400">
+              <a:lnSpc>
+                <a:spcPct val="90000"/>
+              </a:lnSpc>
+              <a:buFontTx/>
+              <a:buNone/>
+            </a:pPr>
+            <a:endParaRPr lang="en-US"/>
+          </a:p>
+          <a:p>
+            <a:pPr marL="990600" lvl="1" indent="-533400">
+              <a:lnSpc>
+                <a:spcPct val="90000"/>
+              </a:lnSpc>
+            </a:pPr>
+            <a:endParaRPr lang="en-US"/>
+          </a:p>
+          <a:p>
+            <a:pPr marL="990600" lvl="1" indent="-533400">
+              <a:lnSpc>
+                <a:spcPct val="90000"/>
+              </a:lnSpc>
+            </a:pPr>
+            <a:endParaRPr lang="en-US" sz="2400"/>
+          </a:p>
+          <a:p>
+            <a:pPr marL="990600" lvl="1" indent="-533400">
+              <a:lnSpc>
+                <a:spcPct val="90000"/>
+              </a:lnSpc>
+              <a:buFontTx/>
+              <a:buNone/>
+            </a:pPr>
+            <a:endParaRPr lang="en-US" sz="2400"/>
+          </a:p>
+        </p:txBody>
+      </p:sp>
+      <p:pic>
+        <p:nvPicPr>
+          <p:cNvPr id="45060" name="Picture 4"/>
+          <p:cNvPicPr>
+            <a:picLocks noChangeAspect="1" noChangeArrowheads="1"/>
+          </p:cNvPicPr>
+          <p:nvPr/>
+        </p:nvPicPr>
+        <p:blipFill>
+          <a:blip r:embed="rId3">
+            <a:extLst>
+              <a:ext uri="{28A0092B-C50C-407E-A947-70E740481C1C}">
+                <a14:useLocalDpi xmlns:a14="http://schemas.microsoft.com/office/drawing/2010/main" val="0"/>
+              </a:ext>
+            </a:extLst>
+          </a:blip>
+          <a:srcRect/>
+          <a:stretch>
+            <a:fillRect/>
+          </a:stretch>
+        </p:blipFill>
+        <p:spPr bwMode="auto">
+          <a:xfrm>
+            <a:off x="0" y="1447800"/>
+            <a:ext cx="4268788" cy="3200400"/>
+          </a:xfrm>
+          <a:prstGeom prst="rect">
+            <a:avLst/>
+          </a:prstGeom>
+          <a:noFill/>
+          <a:ln>
+            <a:noFill/>
+          </a:ln>
+          <a:effectLst/>
+          <a:extLst>
+            <a:ext uri="{909E8E84-426E-40dd-AFC4-6F175D3DCCD1}">
+              <a14:hiddenFill xmlns:a14="http://schemas.microsoft.com/office/drawing/2010/main">
+                <a:solidFill>
+                  <a:schemeClr val="accent1"/>
+                </a:solidFill>
+              </a14:hiddenFill>
+            </a:ext>
+            <a:ext uri="{91240B29-F687-4f45-9708-019B960494DF}">
+              <a14:hiddenLine xmlns:a14="http://schemas.microsoft.com/office/drawing/2010/main" w="12700">
+                <a:solidFill>
+                  <a:schemeClr val="tx1"/>
+                </a:solidFill>
+                <a:miter lim="800000"/>
+                <a:headEnd/>
+                <a:tailEnd/>
+              </a14:hiddenLine>
+            </a:ext>
+            <a:ext uri="{AF507438-7753-43e0-B8FC-AC1667EBCBE1}">
+              <a14:hiddenEffects xmlns:a14="http://schemas.microsoft.com/office/drawing/2010/main">
+                <a:effectLst>
+                  <a:outerShdw blurRad="63500" dist="38099" dir="2700000" algn="ctr" rotWithShape="0">
+                    <a:schemeClr val="bg2">
+                      <a:alpha val="74998"/>
+                    </a:schemeClr>
+                  </a:outerShdw>
+                </a:effectLst>
+              </a14:hiddenEffects>
+            </a:ext>
+          </a:extLst>
+        </p:spPr>
+      </p:pic>
+      <p:sp>
+        <p:nvSpPr>
+          <p:cNvPr id="45061" name="Text Box 5"/>
+          <p:cNvSpPr txBox="1">
+            <a:spLocks noChangeArrowheads="1"/>
+          </p:cNvSpPr>
+          <p:nvPr/>
+        </p:nvSpPr>
+        <p:spPr bwMode="auto">
+          <a:xfrm>
+            <a:off x="762000" y="4953000"/>
+            <a:ext cx="7696200" cy="366713"/>
+          </a:xfrm>
+          <a:prstGeom prst="rect">
+            <a:avLst/>
+          </a:prstGeom>
+          <a:noFill/>
+          <a:ln>
+            <a:noFill/>
+          </a:ln>
+          <a:effectLst/>
+          <a:extLst>
+            <a:ext uri="{909E8E84-426E-40dd-AFC4-6F175D3DCCD1}">
+              <a14:hiddenFill xmlns:a14="http://schemas.microsoft.com/office/drawing/2010/main">
+                <a:solidFill>
+                  <a:schemeClr val="accent1"/>
+                </a:solidFill>
+              </a14:hiddenFill>
+            </a:ext>
+            <a:ext uri="{91240B29-F687-4f45-9708-019B960494DF}">
+              <a14:hiddenLine xmlns:a14="http://schemas.microsoft.com/office/drawing/2010/main" w="12700">
+                <a:solidFill>
+                  <a:schemeClr val="tx1"/>
+                </a:solidFill>
+                <a:miter lim="800000"/>
+                <a:headEnd/>
+                <a:tailEnd/>
+              </a14:hiddenLine>
+            </a:ext>
+            <a:ext uri="{AF507438-7753-43e0-B8FC-AC1667EBCBE1}">
+              <a14:hiddenEffects xmlns:a14="http://schemas.microsoft.com/office/drawing/2010/main">
+                <a:effectLst>
+                  <a:outerShdw blurRad="63500" dist="38099" dir="2700000" algn="ctr" rotWithShape="0">
+                    <a:schemeClr val="bg2">
+                      <a:alpha val="74998"/>
+                    </a:schemeClr>
+                  </a:outerShdw>
+                </a:effectLst>
+              </a14:hiddenEffects>
+            </a:ext>
+          </a:extLst>
+        </p:spPr>
+        <p:txBody>
+          <a:bodyPr>
+            <a:spAutoFit/>
+          </a:bodyPr>
+          <a:lstStyle/>
+          <a:p>
+            <a:pPr eaLnBrk="0" hangingPunct="0">
+              <a:spcBef>
+                <a:spcPct val="50000"/>
+              </a:spcBef>
+            </a:pPr>
+            <a:r>
+              <a:rPr lang="en-US" b="1"/>
+              <a:t>Original Points				K-means Clusters</a:t>
+            </a:r>
+          </a:p>
+        </p:txBody>
+      </p:sp>
+      <p:pic>
+        <p:nvPicPr>
+          <p:cNvPr id="45062" name="Picture 6"/>
+          <p:cNvPicPr>
+            <a:picLocks noChangeAspect="1" noChangeArrowheads="1"/>
+          </p:cNvPicPr>
+          <p:nvPr/>
+        </p:nvPicPr>
+        <p:blipFill>
+          <a:blip r:embed="rId4">
+            <a:extLst>
+              <a:ext uri="{28A0092B-C50C-407E-A947-70E740481C1C}">
+                <a14:useLocalDpi xmlns:a14="http://schemas.microsoft.com/office/drawing/2010/main" val="0"/>
+              </a:ext>
+            </a:extLst>
+          </a:blip>
+          <a:srcRect/>
+          <a:stretch>
+            <a:fillRect/>
+          </a:stretch>
+        </p:blipFill>
+        <p:spPr bwMode="auto">
+          <a:xfrm>
+            <a:off x="4343400" y="1447800"/>
+            <a:ext cx="4268788" cy="3200400"/>
+          </a:xfrm>
+          <a:prstGeom prst="rect">
+            <a:avLst/>
+          </a:prstGeom>
+          <a:noFill/>
+          <a:ln>
+            <a:noFill/>
+          </a:ln>
+          <a:effectLst/>
+          <a:extLst>
+            <a:ext uri="{909E8E84-426E-40dd-AFC4-6F175D3DCCD1}">
+              <a14:hiddenFill xmlns:a14="http://schemas.microsoft.com/office/drawing/2010/main">
+                <a:solidFill>
+                  <a:schemeClr val="accent1"/>
+                </a:solidFill>
+              </a14:hiddenFill>
+            </a:ext>
+            <a:ext uri="{91240B29-F687-4f45-9708-019B960494DF}">
+              <a14:hiddenLine xmlns:a14="http://schemas.microsoft.com/office/drawing/2010/main" w="12700">
+                <a:solidFill>
+                  <a:schemeClr val="tx1"/>
+                </a:solidFill>
+                <a:miter lim="800000"/>
+                <a:headEnd/>
+                <a:tailEnd/>
+              </a14:hiddenLine>
+            </a:ext>
+            <a:ext uri="{AF507438-7753-43e0-B8FC-AC1667EBCBE1}">
+              <a14:hiddenEffects xmlns:a14="http://schemas.microsoft.com/office/drawing/2010/main">
+                <a:effectLst>
+                  <a:outerShdw blurRad="63500" dist="38099" dir="2700000" algn="ctr" rotWithShape="0">
+                    <a:schemeClr val="bg2">
+                      <a:alpha val="74998"/>
+                    </a:schemeClr>
+                  </a:outerShdw>
+                </a:effectLst>
+              </a14:hiddenEffects>
+            </a:ext>
+          </a:extLst>
+        </p:spPr>
+      </p:pic>
+      <p:sp>
+        <p:nvSpPr>
+          <p:cNvPr id="45063" name="Rectangle 7"/>
+          <p:cNvSpPr>
+            <a:spLocks noChangeArrowheads="1"/>
+          </p:cNvSpPr>
+          <p:nvPr/>
+        </p:nvSpPr>
+        <p:spPr bwMode="auto">
+          <a:xfrm>
+            <a:off x="1143000" y="5562600"/>
+            <a:ext cx="6553200" cy="701675"/>
+          </a:xfrm>
+          <a:prstGeom prst="rect">
+            <a:avLst/>
+          </a:prstGeom>
+          <a:noFill/>
+          <a:ln>
+            <a:noFill/>
+          </a:ln>
+          <a:effectLst/>
+          <a:extLst>
+            <a:ext uri="{909E8E84-426E-40dd-AFC4-6F175D3DCCD1}">
+              <a14:hiddenFill xmlns:a14="http://schemas.microsoft.com/office/drawing/2010/main">
+                <a:solidFill>
+                  <a:schemeClr val="accent1"/>
+                </a:solidFill>
+              </a14:hiddenFill>
+            </a:ext>
+            <a:ext uri="{91240B29-F687-4f45-9708-019B960494DF}">
+              <a14:hiddenLine xmlns:a14="http://schemas.microsoft.com/office/drawing/2010/main" w="12700">
+                <a:solidFill>
+                  <a:schemeClr val="tx1"/>
+                </a:solidFill>
+                <a:miter lim="800000"/>
+                <a:headEnd/>
+                <a:tailEnd/>
+              </a14:hiddenLine>
+            </a:ext>
+            <a:ext uri="{AF507438-7753-43e0-B8FC-AC1667EBCBE1}">
+              <a14:hiddenEffects xmlns:a14="http://schemas.microsoft.com/office/drawing/2010/main">
+                <a:effectLst>
+                  <a:outerShdw blurRad="63500" dist="38099" dir="2700000" algn="ctr" rotWithShape="0">
+                    <a:schemeClr val="bg2">
+                      <a:alpha val="74998"/>
+                    </a:schemeClr>
+                  </a:outerShdw>
+                </a:effectLst>
+              </a14:hiddenEffects>
+            </a:ext>
+          </a:extLst>
+        </p:spPr>
+        <p:txBody>
+          <a:bodyPr>
+            <a:spAutoFit/>
+          </a:bodyPr>
+          <a:lstStyle/>
+          <a:p>
+            <a:pPr eaLnBrk="0" hangingPunct="0"/>
+            <a:r>
+              <a:rPr lang="en-US" sz="2000"/>
+              <a:t>One solution is to use many clusters.</a:t>
+            </a:r>
+          </a:p>
+          <a:p>
+            <a:pPr lvl="1" eaLnBrk="0" hangingPunct="0"/>
+            <a:r>
+              <a:rPr lang="en-US" sz="2000"/>
+              <a:t>Find parts of clusters, but need to put together.</a:t>
+            </a:r>
+          </a:p>
+        </p:txBody>
+      </p:sp>
+    </p:spTree>
+    <p:extLst>
+      <p:ext uri="{BB962C8B-B14F-4D97-AF65-F5344CB8AC3E}">
+        <p14:creationId xmlns:p14="http://schemas.microsoft.com/office/powerpoint/2010/main" val="756705901"/>
+      </p:ext>
+    </p:extLst>
+  </p:cSld>
+  <p:clrMapOvr>
+    <a:masterClrMapping/>
+  </p:clrMapOvr>
+  <p:timing>
+    <p:tnLst>
+      <p:par>
+        <p:cTn xmlns:p14="http://schemas.microsoft.com/office/powerpoint/2010/main" id="1" dur="indefinite" restart="never" nodeType="tmRoot"/>
+      </p:par>
+    </p:tnLst>
+  </p:timing>
+</p:sld>
+</file>
+
+<file path=ppt/slides/slide17.xml><?xml version="1.0" encoding="utf-8"?>
+<p:sld xmlns:a="http://schemas.openxmlformats.org/drawingml/2006/main" xmlns:r="http://schemas.openxmlformats.org/officeDocument/2006/relationships" xmlns:p="http://schemas.openxmlformats.org/presentationml/2006/main">
+  <p:cSld>
+    <p:spTree>
+      <p:nvGrpSpPr>
+        <p:cNvPr id="1" name=""/>
+        <p:cNvGrpSpPr/>
+        <p:nvPr/>
+      </p:nvGrpSpPr>
+      <p:grpSpPr>
+        <a:xfrm>
+          <a:off x="0" y="0"/>
+          <a:ext cx="0" cy="0"/>
+          <a:chOff x="0" y="0"/>
+          <a:chExt cx="0" cy="0"/>
+        </a:xfrm>
+      </p:grpSpPr>
+      <p:sp>
+        <p:nvSpPr>
+          <p:cNvPr id="46082" name="Rectangle 2"/>
+          <p:cNvSpPr>
+            <a:spLocks noGrp="1" noChangeArrowheads="1"/>
+          </p:cNvSpPr>
+          <p:nvPr>
+            <p:ph type="title"/>
+          </p:nvPr>
+        </p:nvSpPr>
+        <p:spPr>
+          <a:xfrm>
+            <a:off x="381000" y="152400"/>
+            <a:ext cx="8280400" cy="552450"/>
+          </a:xfrm>
+        </p:spPr>
+        <p:txBody>
+          <a:bodyPr>
+            <a:normAutofit fontScale="90000"/>
+          </a:bodyPr>
+          <a:lstStyle/>
+          <a:p>
+            <a:r>
+              <a:rPr lang="en-US" sz="4000"/>
+              <a:t>Overcoming K-means Limitations</a:t>
+            </a:r>
+          </a:p>
+        </p:txBody>
+      </p:sp>
+      <p:sp>
+        <p:nvSpPr>
+          <p:cNvPr id="46083" name="Rectangle 3"/>
+          <p:cNvSpPr>
+            <a:spLocks noGrp="1" noChangeArrowheads="1"/>
+          </p:cNvSpPr>
+          <p:nvPr>
+            <p:ph type="body" idx="1"/>
+          </p:nvPr>
+        </p:nvSpPr>
+        <p:spPr>
+          <a:xfrm>
+            <a:off x="682625" y="1600200"/>
+            <a:ext cx="7916863" cy="852488"/>
+          </a:xfrm>
+        </p:spPr>
+        <p:txBody>
+          <a:bodyPr/>
+          <a:lstStyle/>
+          <a:p>
+            <a:pPr marL="533400" indent="-533400">
+              <a:lnSpc>
+                <a:spcPct val="90000"/>
+              </a:lnSpc>
+              <a:buFontTx/>
+              <a:buNone/>
+            </a:pPr>
+            <a:endParaRPr lang="en-US"/>
+          </a:p>
+          <a:p>
+            <a:pPr marL="990600" lvl="1" indent="-533400">
+              <a:lnSpc>
+                <a:spcPct val="90000"/>
+              </a:lnSpc>
+            </a:pPr>
+            <a:endParaRPr lang="en-US"/>
+          </a:p>
+          <a:p>
+            <a:pPr marL="990600" lvl="1" indent="-533400">
+              <a:lnSpc>
+                <a:spcPct val="90000"/>
+              </a:lnSpc>
+            </a:pPr>
+            <a:endParaRPr lang="en-US" sz="2400"/>
+          </a:p>
+          <a:p>
+            <a:pPr marL="990600" lvl="1" indent="-533400">
+              <a:lnSpc>
+                <a:spcPct val="90000"/>
+              </a:lnSpc>
+              <a:buFontTx/>
+              <a:buNone/>
+            </a:pPr>
+            <a:endParaRPr lang="en-US" sz="2400"/>
+          </a:p>
+        </p:txBody>
+      </p:sp>
+      <p:sp>
+        <p:nvSpPr>
+          <p:cNvPr id="46084" name="Text Box 4"/>
+          <p:cNvSpPr txBox="1">
+            <a:spLocks noChangeArrowheads="1"/>
+          </p:cNvSpPr>
+          <p:nvPr/>
+        </p:nvSpPr>
+        <p:spPr bwMode="auto">
+          <a:xfrm>
+            <a:off x="762000" y="4953000"/>
+            <a:ext cx="7696200" cy="366713"/>
+          </a:xfrm>
+          <a:prstGeom prst="rect">
+            <a:avLst/>
+          </a:prstGeom>
+          <a:noFill/>
+          <a:ln>
+            <a:noFill/>
+          </a:ln>
+          <a:effectLst/>
+          <a:extLst>
+            <a:ext uri="{909E8E84-426E-40dd-AFC4-6F175D3DCCD1}">
+              <a14:hiddenFill xmlns:a14="http://schemas.microsoft.com/office/drawing/2010/main">
+                <a:solidFill>
+                  <a:schemeClr val="accent1"/>
+                </a:solidFill>
+              </a14:hiddenFill>
+            </a:ext>
+            <a:ext uri="{91240B29-F687-4f45-9708-019B960494DF}">
+              <a14:hiddenLine xmlns:a14="http://schemas.microsoft.com/office/drawing/2010/main" w="12700">
+                <a:solidFill>
+                  <a:schemeClr val="tx1"/>
+                </a:solidFill>
+                <a:miter lim="800000"/>
+                <a:headEnd/>
+                <a:tailEnd/>
+              </a14:hiddenLine>
+            </a:ext>
+            <a:ext uri="{AF507438-7753-43e0-B8FC-AC1667EBCBE1}">
+              <a14:hiddenEffects xmlns:a14="http://schemas.microsoft.com/office/drawing/2010/main">
+                <a:effectLst>
+                  <a:outerShdw blurRad="63500" dist="38099" dir="2700000" algn="ctr" rotWithShape="0">
+                    <a:schemeClr val="bg2">
+                      <a:alpha val="74998"/>
+                    </a:schemeClr>
+                  </a:outerShdw>
+                </a:effectLst>
+              </a14:hiddenEffects>
+            </a:ext>
+          </a:extLst>
+        </p:spPr>
+        <p:txBody>
+          <a:bodyPr>
+            <a:spAutoFit/>
+          </a:bodyPr>
+          <a:lstStyle/>
+          <a:p>
+            <a:pPr eaLnBrk="0" hangingPunct="0">
+              <a:spcBef>
+                <a:spcPct val="50000"/>
+              </a:spcBef>
+            </a:pPr>
+            <a:r>
+              <a:rPr lang="en-US" b="1"/>
+              <a:t>Original Points				K-means Clusters</a:t>
+            </a:r>
+          </a:p>
+        </p:txBody>
+      </p:sp>
+      <p:pic>
+        <p:nvPicPr>
+          <p:cNvPr id="46085" name="Picture 5"/>
+          <p:cNvPicPr>
+            <a:picLocks noChangeAspect="1" noChangeArrowheads="1"/>
+          </p:cNvPicPr>
+          <p:nvPr/>
+        </p:nvPicPr>
+        <p:blipFill>
+          <a:blip r:embed="rId3">
+            <a:extLst>
+              <a:ext uri="{28A0092B-C50C-407E-A947-70E740481C1C}">
+                <a14:useLocalDpi xmlns:a14="http://schemas.microsoft.com/office/drawing/2010/main" val="0"/>
+              </a:ext>
+            </a:extLst>
+          </a:blip>
+          <a:srcRect/>
+          <a:stretch>
+            <a:fillRect/>
+          </a:stretch>
+        </p:blipFill>
+        <p:spPr bwMode="auto">
+          <a:xfrm>
+            <a:off x="0" y="1447800"/>
+            <a:ext cx="4268788" cy="3200400"/>
+          </a:xfrm>
+          <a:prstGeom prst="rect">
+            <a:avLst/>
+          </a:prstGeom>
+          <a:noFill/>
+          <a:ln>
+            <a:noFill/>
+          </a:ln>
+          <a:effectLst/>
+          <a:extLst>
+            <a:ext uri="{909E8E84-426E-40dd-AFC4-6F175D3DCCD1}">
+              <a14:hiddenFill xmlns:a14="http://schemas.microsoft.com/office/drawing/2010/main">
+                <a:solidFill>
+                  <a:schemeClr val="accent1"/>
+                </a:solidFill>
+              </a14:hiddenFill>
+            </a:ext>
+            <a:ext uri="{91240B29-F687-4f45-9708-019B960494DF}">
+              <a14:hiddenLine xmlns:a14="http://schemas.microsoft.com/office/drawing/2010/main" w="12700">
+                <a:solidFill>
+                  <a:schemeClr val="tx1"/>
+                </a:solidFill>
+                <a:miter lim="800000"/>
+                <a:headEnd/>
+                <a:tailEnd/>
+              </a14:hiddenLine>
+            </a:ext>
+            <a:ext uri="{AF507438-7753-43e0-B8FC-AC1667EBCBE1}">
+              <a14:hiddenEffects xmlns:a14="http://schemas.microsoft.com/office/drawing/2010/main">
+                <a:effectLst>
+                  <a:outerShdw blurRad="63500" dist="38099" dir="2700000" algn="ctr" rotWithShape="0">
+                    <a:schemeClr val="bg2">
+                      <a:alpha val="74998"/>
+                    </a:schemeClr>
+                  </a:outerShdw>
+                </a:effectLst>
+              </a14:hiddenEffects>
+            </a:ext>
+          </a:extLst>
+        </p:spPr>
+      </p:pic>
+      <p:pic>
+        <p:nvPicPr>
+          <p:cNvPr id="46086" name="Picture 6"/>
+          <p:cNvPicPr>
+            <a:picLocks noChangeAspect="1" noChangeArrowheads="1"/>
+          </p:cNvPicPr>
+          <p:nvPr/>
+        </p:nvPicPr>
+        <p:blipFill>
+          <a:blip r:embed="rId4">
+            <a:extLst>
+              <a:ext uri="{28A0092B-C50C-407E-A947-70E740481C1C}">
+                <a14:useLocalDpi xmlns:a14="http://schemas.microsoft.com/office/drawing/2010/main" val="0"/>
+              </a:ext>
+            </a:extLst>
+          </a:blip>
+          <a:srcRect/>
+          <a:stretch>
+            <a:fillRect/>
+          </a:stretch>
+        </p:blipFill>
+        <p:spPr bwMode="auto">
+          <a:xfrm>
+            <a:off x="4267200" y="1524000"/>
+            <a:ext cx="4268788" cy="3200400"/>
+          </a:xfrm>
+          <a:prstGeom prst="rect">
+            <a:avLst/>
+          </a:prstGeom>
+          <a:noFill/>
+          <a:ln>
+            <a:noFill/>
+          </a:ln>
+          <a:effectLst/>
+          <a:extLst>
+            <a:ext uri="{909E8E84-426E-40dd-AFC4-6F175D3DCCD1}">
+              <a14:hiddenFill xmlns:a14="http://schemas.microsoft.com/office/drawing/2010/main">
+                <a:solidFill>
+                  <a:schemeClr val="accent1"/>
+                </a:solidFill>
+              </a14:hiddenFill>
+            </a:ext>
+            <a:ext uri="{91240B29-F687-4f45-9708-019B960494DF}">
+              <a14:hiddenLine xmlns:a14="http://schemas.microsoft.com/office/drawing/2010/main" w="12700">
+                <a:solidFill>
+                  <a:schemeClr val="tx1"/>
+                </a:solidFill>
+                <a:miter lim="800000"/>
+                <a:headEnd/>
+                <a:tailEnd/>
+              </a14:hiddenLine>
+            </a:ext>
+            <a:ext uri="{AF507438-7753-43e0-B8FC-AC1667EBCBE1}">
+              <a14:hiddenEffects xmlns:a14="http://schemas.microsoft.com/office/drawing/2010/main">
+                <a:effectLst>
+                  <a:outerShdw blurRad="63500" dist="38099" dir="2700000" algn="ctr" rotWithShape="0">
+                    <a:schemeClr val="bg2">
+                      <a:alpha val="74998"/>
+                    </a:schemeClr>
+                  </a:outerShdw>
+                </a:effectLst>
+              </a14:hiddenEffects>
+            </a:ext>
+          </a:extLst>
+        </p:spPr>
+      </p:pic>
+    </p:spTree>
+    <p:extLst>
+      <p:ext uri="{BB962C8B-B14F-4D97-AF65-F5344CB8AC3E}">
+        <p14:creationId xmlns:p14="http://schemas.microsoft.com/office/powerpoint/2010/main" val="2673566489"/>
+      </p:ext>
+    </p:extLst>
+  </p:cSld>
+  <p:clrMapOvr>
+    <a:masterClrMapping/>
+  </p:clrMapOvr>
+</p:sld>
+</file>
+
+<file path=ppt/slides/slide18.xml><?xml version="1.0" encoding="utf-8"?>
+<p:sld xmlns:a="http://schemas.openxmlformats.org/drawingml/2006/main" xmlns:r="http://schemas.openxmlformats.org/officeDocument/2006/relationships" xmlns:p="http://schemas.openxmlformats.org/presentationml/2006/main">
+  <p:cSld>
+    <p:spTree>
+      <p:nvGrpSpPr>
+        <p:cNvPr id="1" name=""/>
+        <p:cNvGrpSpPr/>
+        <p:nvPr/>
+      </p:nvGrpSpPr>
+      <p:grpSpPr>
+        <a:xfrm>
+          <a:off x="0" y="0"/>
+          <a:ext cx="0" cy="0"/>
+          <a:chOff x="0" y="0"/>
+          <a:chExt cx="0" cy="0"/>
+        </a:xfrm>
+      </p:grpSpPr>
+      <p:sp>
+        <p:nvSpPr>
+          <p:cNvPr id="47106" name="Rectangle 2"/>
+          <p:cNvSpPr>
+            <a:spLocks noGrp="1" noChangeArrowheads="1"/>
+          </p:cNvSpPr>
+          <p:nvPr>
+            <p:ph type="title"/>
+          </p:nvPr>
+        </p:nvSpPr>
+        <p:spPr>
+          <a:xfrm>
+            <a:off x="228600" y="152400"/>
+            <a:ext cx="8610600" cy="552450"/>
+          </a:xfrm>
+        </p:spPr>
+        <p:txBody>
+          <a:bodyPr>
+            <a:normAutofit fontScale="90000"/>
+          </a:bodyPr>
+          <a:lstStyle/>
+          <a:p>
+            <a:r>
+              <a:rPr lang="en-US" sz="4000"/>
+              <a:t>Overcoming K-means Limitations</a:t>
+            </a:r>
+          </a:p>
+        </p:txBody>
+      </p:sp>
+      <p:sp>
+        <p:nvSpPr>
+          <p:cNvPr id="47107" name="Rectangle 3"/>
+          <p:cNvSpPr>
+            <a:spLocks noGrp="1" noChangeArrowheads="1"/>
+          </p:cNvSpPr>
+          <p:nvPr>
+            <p:ph type="body" idx="1"/>
+          </p:nvPr>
+        </p:nvSpPr>
+        <p:spPr>
+          <a:xfrm>
+            <a:off x="682625" y="1600200"/>
+            <a:ext cx="7916863" cy="852488"/>
+          </a:xfrm>
+        </p:spPr>
+        <p:txBody>
+          <a:bodyPr/>
+          <a:lstStyle/>
+          <a:p>
+            <a:pPr marL="533400" indent="-533400">
+              <a:lnSpc>
+                <a:spcPct val="90000"/>
+              </a:lnSpc>
+              <a:buFontTx/>
+              <a:buNone/>
+            </a:pPr>
+            <a:endParaRPr lang="en-US"/>
+          </a:p>
+          <a:p>
+            <a:pPr marL="990600" lvl="1" indent="-533400">
+              <a:lnSpc>
+                <a:spcPct val="90000"/>
+              </a:lnSpc>
+            </a:pPr>
+            <a:endParaRPr lang="en-US"/>
+          </a:p>
+          <a:p>
+            <a:pPr marL="990600" lvl="1" indent="-533400">
+              <a:lnSpc>
+                <a:spcPct val="90000"/>
+              </a:lnSpc>
+            </a:pPr>
+            <a:endParaRPr lang="en-US" sz="2400"/>
+          </a:p>
+          <a:p>
+            <a:pPr marL="990600" lvl="1" indent="-533400">
+              <a:lnSpc>
+                <a:spcPct val="90000"/>
+              </a:lnSpc>
+              <a:buFontTx/>
+              <a:buNone/>
+            </a:pPr>
+            <a:endParaRPr lang="en-US" sz="2400"/>
+          </a:p>
+        </p:txBody>
+      </p:sp>
+      <p:sp>
+        <p:nvSpPr>
+          <p:cNvPr id="47108" name="Text Box 4"/>
+          <p:cNvSpPr txBox="1">
+            <a:spLocks noChangeArrowheads="1"/>
+          </p:cNvSpPr>
+          <p:nvPr/>
+        </p:nvSpPr>
+        <p:spPr bwMode="auto">
+          <a:xfrm>
+            <a:off x="1143000" y="4876800"/>
+            <a:ext cx="7696200" cy="366713"/>
+          </a:xfrm>
+          <a:prstGeom prst="rect">
+            <a:avLst/>
+          </a:prstGeom>
+          <a:noFill/>
+          <a:ln>
+            <a:noFill/>
+          </a:ln>
+          <a:effectLst/>
+          <a:extLst>
+            <a:ext uri="{909E8E84-426E-40dd-AFC4-6F175D3DCCD1}">
+              <a14:hiddenFill xmlns:a14="http://schemas.microsoft.com/office/drawing/2010/main">
+                <a:solidFill>
+                  <a:schemeClr val="accent1"/>
+                </a:solidFill>
+              </a14:hiddenFill>
+            </a:ext>
+            <a:ext uri="{91240B29-F687-4f45-9708-019B960494DF}">
+              <a14:hiddenLine xmlns:a14="http://schemas.microsoft.com/office/drawing/2010/main" w="12700">
+                <a:solidFill>
+                  <a:schemeClr val="tx1"/>
+                </a:solidFill>
+                <a:miter lim="800000"/>
+                <a:headEnd/>
+                <a:tailEnd/>
+              </a14:hiddenLine>
+            </a:ext>
+            <a:ext uri="{AF507438-7753-43e0-B8FC-AC1667EBCBE1}">
+              <a14:hiddenEffects xmlns:a14="http://schemas.microsoft.com/office/drawing/2010/main">
+                <a:effectLst>
+                  <a:outerShdw blurRad="63500" dist="38099" dir="2700000" algn="ctr" rotWithShape="0">
+                    <a:schemeClr val="bg2">
+                      <a:alpha val="74998"/>
+                    </a:schemeClr>
+                  </a:outerShdw>
+                </a:effectLst>
+              </a14:hiddenEffects>
+            </a:ext>
+          </a:extLst>
+        </p:spPr>
+        <p:txBody>
+          <a:bodyPr>
+            <a:spAutoFit/>
+          </a:bodyPr>
+          <a:lstStyle/>
+          <a:p>
+            <a:pPr eaLnBrk="0" hangingPunct="0">
+              <a:spcBef>
+                <a:spcPct val="50000"/>
+              </a:spcBef>
+            </a:pPr>
+            <a:r>
+              <a:rPr lang="en-US" b="1"/>
+              <a:t>Original Points				K-means Clusters</a:t>
+            </a:r>
+          </a:p>
+        </p:txBody>
+      </p:sp>
+      <p:pic>
+        <p:nvPicPr>
+          <p:cNvPr id="47109" name="Picture 5"/>
+          <p:cNvPicPr>
+            <a:picLocks noChangeAspect="1" noChangeArrowheads="1"/>
+          </p:cNvPicPr>
+          <p:nvPr/>
+        </p:nvPicPr>
+        <p:blipFill>
+          <a:blip r:embed="rId3">
+            <a:extLst>
+              <a:ext uri="{28A0092B-C50C-407E-A947-70E740481C1C}">
+                <a14:useLocalDpi xmlns:a14="http://schemas.microsoft.com/office/drawing/2010/main" val="0"/>
+              </a:ext>
+            </a:extLst>
+          </a:blip>
+          <a:srcRect/>
+          <a:stretch>
+            <a:fillRect/>
+          </a:stretch>
+        </p:blipFill>
+        <p:spPr bwMode="auto">
+          <a:xfrm>
+            <a:off x="228600" y="1219200"/>
+            <a:ext cx="4268788" cy="3200400"/>
+          </a:xfrm>
+          <a:prstGeom prst="rect">
+            <a:avLst/>
+          </a:prstGeom>
+          <a:noFill/>
+          <a:ln>
+            <a:noFill/>
+          </a:ln>
+          <a:effectLst/>
+          <a:extLst>
+            <a:ext uri="{909E8E84-426E-40dd-AFC4-6F175D3DCCD1}">
+              <a14:hiddenFill xmlns:a14="http://schemas.microsoft.com/office/drawing/2010/main">
+                <a:solidFill>
+                  <a:schemeClr val="accent1"/>
+                </a:solidFill>
+              </a14:hiddenFill>
+            </a:ext>
+            <a:ext uri="{91240B29-F687-4f45-9708-019B960494DF}">
+              <a14:hiddenLine xmlns:a14="http://schemas.microsoft.com/office/drawing/2010/main" w="12700">
+                <a:solidFill>
+                  <a:schemeClr val="tx1"/>
+                </a:solidFill>
+                <a:miter lim="800000"/>
+                <a:headEnd/>
+                <a:tailEnd/>
+              </a14:hiddenLine>
+            </a:ext>
+            <a:ext uri="{AF507438-7753-43e0-B8FC-AC1667EBCBE1}">
+              <a14:hiddenEffects xmlns:a14="http://schemas.microsoft.com/office/drawing/2010/main">
+                <a:effectLst>
+                  <a:outerShdw blurRad="63500" dist="38099" dir="2700000" algn="ctr" rotWithShape="0">
+                    <a:schemeClr val="bg2">
+                      <a:alpha val="74998"/>
+                    </a:schemeClr>
+                  </a:outerShdw>
+                </a:effectLst>
+              </a14:hiddenEffects>
+            </a:ext>
+          </a:extLst>
+        </p:spPr>
+      </p:pic>
+      <p:pic>
+        <p:nvPicPr>
+          <p:cNvPr id="47110" name="Picture 6"/>
+          <p:cNvPicPr>
+            <a:picLocks noChangeAspect="1" noChangeArrowheads="1"/>
+          </p:cNvPicPr>
+          <p:nvPr/>
+        </p:nvPicPr>
+        <p:blipFill>
+          <a:blip r:embed="rId4">
+            <a:extLst>
+              <a:ext uri="{28A0092B-C50C-407E-A947-70E740481C1C}">
+                <a14:useLocalDpi xmlns:a14="http://schemas.microsoft.com/office/drawing/2010/main" val="0"/>
+              </a:ext>
+            </a:extLst>
+          </a:blip>
+          <a:srcRect/>
+          <a:stretch>
+            <a:fillRect/>
+          </a:stretch>
+        </p:blipFill>
+        <p:spPr bwMode="auto">
+          <a:xfrm>
+            <a:off x="4265613" y="1219200"/>
+            <a:ext cx="4268787" cy="3200400"/>
+          </a:xfrm>
+          <a:prstGeom prst="rect">
+            <a:avLst/>
+          </a:prstGeom>
+          <a:noFill/>
+          <a:ln>
+            <a:noFill/>
+          </a:ln>
+          <a:effectLst/>
+          <a:extLst>
+            <a:ext uri="{909E8E84-426E-40dd-AFC4-6F175D3DCCD1}">
+              <a14:hiddenFill xmlns:a14="http://schemas.microsoft.com/office/drawing/2010/main">
+                <a:solidFill>
+                  <a:schemeClr val="accent1"/>
+                </a:solidFill>
+              </a14:hiddenFill>
+            </a:ext>
+            <a:ext uri="{91240B29-F687-4f45-9708-019B960494DF}">
+              <a14:hiddenLine xmlns:a14="http://schemas.microsoft.com/office/drawing/2010/main" w="12700">
+                <a:solidFill>
+                  <a:schemeClr val="tx1"/>
+                </a:solidFill>
+                <a:miter lim="800000"/>
+                <a:headEnd/>
+                <a:tailEnd/>
+              </a14:hiddenLine>
+            </a:ext>
+            <a:ext uri="{AF507438-7753-43e0-B8FC-AC1667EBCBE1}">
+              <a14:hiddenEffects xmlns:a14="http://schemas.microsoft.com/office/drawing/2010/main">
+                <a:effectLst>
+                  <a:outerShdw blurRad="63500" dist="38099" dir="2700000" algn="ctr" rotWithShape="0">
+                    <a:schemeClr val="bg2">
+                      <a:alpha val="74998"/>
+                    </a:schemeClr>
+                  </a:outerShdw>
+                </a:effectLst>
+              </a14:hiddenEffects>
+            </a:ext>
+          </a:extLst>
+        </p:spPr>
+      </p:pic>
+    </p:spTree>
+    <p:extLst>
+      <p:ext uri="{BB962C8B-B14F-4D97-AF65-F5344CB8AC3E}">
+        <p14:creationId xmlns:p14="http://schemas.microsoft.com/office/powerpoint/2010/main" val="118339159"/>
+      </p:ext>
+    </p:extLst>
+  </p:cSld>
+  <p:clrMapOvr>
+    <a:masterClrMapping/>
+  </p:clrMapOvr>
+</p:sld>
+</file>
+
+<file path=ppt/slides/slide19.xml><?xml version="1.0" encoding="utf-8"?>
 <p:sld xmlns:a="http://schemas.openxmlformats.org/drawingml/2006/main" xmlns:r="http://schemas.openxmlformats.org/officeDocument/2006/relationships" xmlns:p="http://schemas.openxmlformats.org/presentationml/2006/main">
   <p:cSld>
     <p:spTree>
@@ -3818,254 +7182,10 @@
           </a:p>
         </p:txBody>
       </p:sp>
-      <p:sp>
-        <p:nvSpPr>
-          <p:cNvPr id="5" name="Title 5"/>
-          <p:cNvSpPr txBox="1">
-            <a:spLocks/>
-          </p:cNvSpPr>
-          <p:nvPr/>
-        </p:nvSpPr>
-        <p:spPr>
-          <a:xfrm>
-            <a:off x="457200" y="5715000"/>
-            <a:ext cx="8229600" cy="1143000"/>
-          </a:xfrm>
-          <a:prstGeom prst="rect">
-            <a:avLst/>
-          </a:prstGeom>
-        </p:spPr>
-        <p:txBody>
-          <a:bodyPr vert="horz" lIns="91440" tIns="45720" rIns="91440" bIns="45720" rtlCol="0" anchor="ctr">
-            <a:normAutofit/>
-          </a:bodyPr>
-          <a:lstStyle>
-            <a:lvl1pPr algn="ctr" defTabSz="457200" rtl="0" eaLnBrk="1" latinLnBrk="0" hangingPunct="1">
-              <a:spcBef>
-                <a:spcPct val="0"/>
-              </a:spcBef>
-              <a:buNone/>
-              <a:defRPr sz="4400" kern="1200">
-                <a:solidFill>
-                  <a:schemeClr val="tx1"/>
-                </a:solidFill>
-                <a:latin typeface="+mj-lt"/>
-                <a:ea typeface="+mj-ea"/>
-                <a:cs typeface="+mj-cs"/>
-              </a:defRPr>
-            </a:lvl1pPr>
-          </a:lstStyle>
-          <a:p>
-            <a:r>
-              <a:rPr lang="en-US" dirty="0" smtClean="0"/>
-              <a:t>What to Measure?</a:t>
-            </a:r>
-            <a:endParaRPr lang="en-US" dirty="0"/>
-          </a:p>
-        </p:txBody>
-      </p:sp>
     </p:spTree>
     <p:extLst>
       <p:ext uri="{BB962C8B-B14F-4D97-AF65-F5344CB8AC3E}">
-        <p14:creationId xmlns:p14="http://schemas.microsoft.com/office/powerpoint/2010/main" val="253691987"/>
-      </p:ext>
-    </p:extLst>
-  </p:cSld>
-  <p:clrMapOvr>
-    <a:masterClrMapping/>
-  </p:clrMapOvr>
-  <p:timing>
-    <p:tnLst>
-      <p:par>
-        <p:cTn xmlns:p14="http://schemas.microsoft.com/office/powerpoint/2010/main" id="1" dur="indefinite" restart="never" nodeType="tmRoot"/>
-      </p:par>
-    </p:tnLst>
-  </p:timing>
-</p:sld>
-</file>
-
-<file path=ppt/slides/slide15.xml><?xml version="1.0" encoding="utf-8"?>
-<p:sld xmlns:a="http://schemas.openxmlformats.org/drawingml/2006/main" xmlns:r="http://schemas.openxmlformats.org/officeDocument/2006/relationships" xmlns:p="http://schemas.openxmlformats.org/presentationml/2006/main">
-  <p:cSld>
-    <p:spTree>
-      <p:nvGrpSpPr>
-        <p:cNvPr id="1" name=""/>
-        <p:cNvGrpSpPr/>
-        <p:nvPr/>
-      </p:nvGrpSpPr>
-      <p:grpSpPr>
-        <a:xfrm>
-          <a:off x="0" y="0"/>
-          <a:ext cx="0" cy="0"/>
-          <a:chOff x="0" y="0"/>
-          <a:chExt cx="0" cy="0"/>
-        </a:xfrm>
-      </p:grpSpPr>
-      <p:sp>
-        <p:nvSpPr>
-          <p:cNvPr id="4" name="Title 3"/>
-          <p:cNvSpPr>
-            <a:spLocks noGrp="1"/>
-          </p:cNvSpPr>
-          <p:nvPr>
-            <p:ph type="title"/>
-          </p:nvPr>
-        </p:nvSpPr>
-        <p:spPr/>
-        <p:txBody>
-          <a:bodyPr/>
-          <a:lstStyle/>
-          <a:p>
-            <a:r>
-              <a:rPr lang="en-US" dirty="0" smtClean="0"/>
-              <a:t>Quality and tuning</a:t>
-            </a:r>
-            <a:endParaRPr lang="en-US" dirty="0"/>
-          </a:p>
-        </p:txBody>
-      </p:sp>
-      <p:sp>
-        <p:nvSpPr>
-          <p:cNvPr id="5" name="Text Placeholder 4"/>
-          <p:cNvSpPr>
-            <a:spLocks noGrp="1"/>
-          </p:cNvSpPr>
-          <p:nvPr>
-            <p:ph type="body" idx="1"/>
-          </p:nvPr>
-        </p:nvSpPr>
-        <p:spPr/>
-        <p:txBody>
-          <a:bodyPr/>
-          <a:lstStyle/>
-          <a:p>
-            <a:endParaRPr lang="en-US" dirty="0"/>
-          </a:p>
-        </p:txBody>
-      </p:sp>
-    </p:spTree>
-    <p:extLst>
-      <p:ext uri="{BB962C8B-B14F-4D97-AF65-F5344CB8AC3E}">
-        <p14:creationId xmlns:p14="http://schemas.microsoft.com/office/powerpoint/2010/main" val="3141909639"/>
-      </p:ext>
-    </p:extLst>
-  </p:cSld>
-  <p:clrMapOvr>
-    <a:masterClrMapping/>
-  </p:clrMapOvr>
-  <p:timing>
-    <p:tnLst>
-      <p:par>
-        <p:cTn xmlns:p14="http://schemas.microsoft.com/office/powerpoint/2010/main" id="1" dur="indefinite" restart="never" nodeType="tmRoot"/>
-      </p:par>
-    </p:tnLst>
-  </p:timing>
-</p:sld>
-</file>
-
-<file path=ppt/slides/slide16.xml><?xml version="1.0" encoding="utf-8"?>
-<p:sld xmlns:a="http://schemas.openxmlformats.org/drawingml/2006/main" xmlns:r="http://schemas.openxmlformats.org/officeDocument/2006/relationships" xmlns:p="http://schemas.openxmlformats.org/presentationml/2006/main">
-  <p:cSld>
-    <p:spTree>
-      <p:nvGrpSpPr>
-        <p:cNvPr id="1" name=""/>
-        <p:cNvGrpSpPr/>
-        <p:nvPr/>
-      </p:nvGrpSpPr>
-      <p:grpSpPr>
-        <a:xfrm>
-          <a:off x="0" y="0"/>
-          <a:ext cx="0" cy="0"/>
-          <a:chOff x="0" y="0"/>
-          <a:chExt cx="0" cy="0"/>
-        </a:xfrm>
-      </p:grpSpPr>
-      <p:sp>
-        <p:nvSpPr>
-          <p:cNvPr id="2" name="Title 1"/>
-          <p:cNvSpPr>
-            <a:spLocks noGrp="1"/>
-          </p:cNvSpPr>
-          <p:nvPr>
-            <p:ph type="ctrTitle"/>
-          </p:nvPr>
-        </p:nvSpPr>
-        <p:spPr/>
-        <p:txBody>
-          <a:bodyPr/>
-          <a:lstStyle/>
-          <a:p>
-            <a:endParaRPr lang="en-US" dirty="0"/>
-          </a:p>
-        </p:txBody>
-      </p:sp>
-      <p:sp>
-        <p:nvSpPr>
-          <p:cNvPr id="3" name="Subtitle 2"/>
-          <p:cNvSpPr>
-            <a:spLocks noGrp="1"/>
-          </p:cNvSpPr>
-          <p:nvPr>
-            <p:ph type="subTitle" idx="1"/>
-          </p:nvPr>
-        </p:nvSpPr>
-        <p:spPr/>
-        <p:txBody>
-          <a:bodyPr/>
-          <a:lstStyle/>
-          <a:p>
-            <a:endParaRPr lang="en-US" dirty="0"/>
-          </a:p>
-        </p:txBody>
-      </p:sp>
-      <p:sp>
-        <p:nvSpPr>
-          <p:cNvPr id="4" name="Rectangle 3"/>
-          <p:cNvSpPr/>
-          <p:nvPr/>
-        </p:nvSpPr>
-        <p:spPr>
-          <a:xfrm>
-            <a:off x="0" y="0"/>
-            <a:ext cx="9144000" cy="6858000"/>
-          </a:xfrm>
-          <a:prstGeom prst="rect">
-            <a:avLst/>
-          </a:prstGeom>
-          <a:solidFill>
-            <a:schemeClr val="tx1"/>
-          </a:solidFill>
-          <a:ln>
-            <a:noFill/>
-          </a:ln>
-        </p:spPr>
-        <p:style>
-          <a:lnRef idx="1">
-            <a:schemeClr val="accent1"/>
-          </a:lnRef>
-          <a:fillRef idx="3">
-            <a:schemeClr val="accent1"/>
-          </a:fillRef>
-          <a:effectRef idx="2">
-            <a:schemeClr val="accent1"/>
-          </a:effectRef>
-          <a:fontRef idx="minor">
-            <a:schemeClr val="lt1"/>
-          </a:fontRef>
-        </p:style>
-        <p:txBody>
-          <a:bodyPr rtlCol="0" anchor="ctr"/>
-          <a:lstStyle/>
-          <a:p>
-            <a:pPr algn="ctr"/>
-            <a:endParaRPr lang="en-US"/>
-          </a:p>
-        </p:txBody>
-      </p:sp>
-    </p:spTree>
-    <p:extLst>
-      <p:ext uri="{BB962C8B-B14F-4D97-AF65-F5344CB8AC3E}">
-        <p14:creationId xmlns:p14="http://schemas.microsoft.com/office/powerpoint/2010/main" val="1483794077"/>
+        <p14:creationId xmlns:p14="http://schemas.microsoft.com/office/powerpoint/2010/main" val="2024195692"/>
       </p:ext>
     </p:extLst>
   </p:cSld>
@@ -4155,6 +7275,3422 @@
     <p:extLst>
       <p:ext uri="{BB962C8B-B14F-4D97-AF65-F5344CB8AC3E}">
         <p14:creationId xmlns:p14="http://schemas.microsoft.com/office/powerpoint/2010/main" val="3553259266"/>
+      </p:ext>
+    </p:extLst>
+  </p:cSld>
+  <p:clrMapOvr>
+    <a:masterClrMapping/>
+  </p:clrMapOvr>
+  <p:timing>
+    <p:tnLst>
+      <p:par>
+        <p:cTn xmlns:p14="http://schemas.microsoft.com/office/powerpoint/2010/main" id="1" dur="indefinite" restart="never" nodeType="tmRoot"/>
+      </p:par>
+    </p:tnLst>
+  </p:timing>
+</p:sld>
+</file>
+
+<file path=ppt/slides/slide20.xml><?xml version="1.0" encoding="utf-8"?>
+<p:sld xmlns:a="http://schemas.openxmlformats.org/drawingml/2006/main" xmlns:r="http://schemas.openxmlformats.org/officeDocument/2006/relationships" xmlns:p="http://schemas.openxmlformats.org/presentationml/2006/main">
+  <p:cSld>
+    <p:spTree>
+      <p:nvGrpSpPr>
+        <p:cNvPr id="1" name=""/>
+        <p:cNvGrpSpPr/>
+        <p:nvPr/>
+      </p:nvGrpSpPr>
+      <p:grpSpPr>
+        <a:xfrm>
+          <a:off x="0" y="0"/>
+          <a:ext cx="0" cy="0"/>
+          <a:chOff x="0" y="0"/>
+          <a:chExt cx="0" cy="0"/>
+        </a:xfrm>
+      </p:grpSpPr>
+      <p:sp>
+        <p:nvSpPr>
+          <p:cNvPr id="2" name="Title 1"/>
+          <p:cNvSpPr>
+            <a:spLocks noGrp="1"/>
+          </p:cNvSpPr>
+          <p:nvPr>
+            <p:ph type="ctrTitle"/>
+          </p:nvPr>
+        </p:nvSpPr>
+        <p:spPr/>
+        <p:txBody>
+          <a:bodyPr/>
+          <a:lstStyle/>
+          <a:p>
+            <a:endParaRPr lang="en-US" dirty="0"/>
+          </a:p>
+        </p:txBody>
+      </p:sp>
+      <p:sp>
+        <p:nvSpPr>
+          <p:cNvPr id="3" name="Subtitle 2"/>
+          <p:cNvSpPr>
+            <a:spLocks noGrp="1"/>
+          </p:cNvSpPr>
+          <p:nvPr>
+            <p:ph type="subTitle" idx="1"/>
+          </p:nvPr>
+        </p:nvSpPr>
+        <p:spPr/>
+        <p:txBody>
+          <a:bodyPr/>
+          <a:lstStyle/>
+          <a:p>
+            <a:endParaRPr lang="en-US" dirty="0"/>
+          </a:p>
+        </p:txBody>
+      </p:sp>
+      <p:sp>
+        <p:nvSpPr>
+          <p:cNvPr id="4" name="Rectangle 3"/>
+          <p:cNvSpPr/>
+          <p:nvPr/>
+        </p:nvSpPr>
+        <p:spPr>
+          <a:xfrm>
+            <a:off x="0" y="0"/>
+            <a:ext cx="9144000" cy="6858000"/>
+          </a:xfrm>
+          <a:prstGeom prst="rect">
+            <a:avLst/>
+          </a:prstGeom>
+          <a:solidFill>
+            <a:schemeClr val="tx1"/>
+          </a:solidFill>
+          <a:ln>
+            <a:noFill/>
+          </a:ln>
+        </p:spPr>
+        <p:style>
+          <a:lnRef idx="1">
+            <a:schemeClr val="accent1"/>
+          </a:lnRef>
+          <a:fillRef idx="3">
+            <a:schemeClr val="accent1"/>
+          </a:fillRef>
+          <a:effectRef idx="2">
+            <a:schemeClr val="accent1"/>
+          </a:effectRef>
+          <a:fontRef idx="minor">
+            <a:schemeClr val="lt1"/>
+          </a:fontRef>
+        </p:style>
+        <p:txBody>
+          <a:bodyPr rtlCol="0" anchor="ctr"/>
+          <a:lstStyle/>
+          <a:p>
+            <a:pPr algn="ctr"/>
+            <a:endParaRPr lang="en-US"/>
+          </a:p>
+        </p:txBody>
+      </p:sp>
+    </p:spTree>
+    <p:extLst>
+      <p:ext uri="{BB962C8B-B14F-4D97-AF65-F5344CB8AC3E}">
+        <p14:creationId xmlns:p14="http://schemas.microsoft.com/office/powerpoint/2010/main" val="2298253255"/>
+      </p:ext>
+    </p:extLst>
+  </p:cSld>
+  <p:clrMapOvr>
+    <a:masterClrMapping/>
+  </p:clrMapOvr>
+  <p:timing>
+    <p:tnLst>
+      <p:par>
+        <p:cTn xmlns:p14="http://schemas.microsoft.com/office/powerpoint/2010/main" id="1" dur="indefinite" restart="never" nodeType="tmRoot"/>
+      </p:par>
+    </p:tnLst>
+  </p:timing>
+</p:sld>
+</file>
+
+<file path=ppt/slides/slide21.xml><?xml version="1.0" encoding="utf-8"?>
+<p:sld xmlns:a="http://schemas.openxmlformats.org/drawingml/2006/main" xmlns:r="http://schemas.openxmlformats.org/officeDocument/2006/relationships" xmlns:p="http://schemas.openxmlformats.org/presentationml/2006/main">
+  <p:cSld>
+    <p:spTree>
+      <p:nvGrpSpPr>
+        <p:cNvPr id="1" name=""/>
+        <p:cNvGrpSpPr/>
+        <p:nvPr/>
+      </p:nvGrpSpPr>
+      <p:grpSpPr>
+        <a:xfrm>
+          <a:off x="0" y="0"/>
+          <a:ext cx="0" cy="0"/>
+          <a:chOff x="0" y="0"/>
+          <a:chExt cx="0" cy="0"/>
+        </a:xfrm>
+      </p:grpSpPr>
+      <p:sp>
+        <p:nvSpPr>
+          <p:cNvPr id="4" name="Title 3"/>
+          <p:cNvSpPr>
+            <a:spLocks noGrp="1"/>
+          </p:cNvSpPr>
+          <p:nvPr>
+            <p:ph type="title"/>
+          </p:nvPr>
+        </p:nvSpPr>
+        <p:spPr/>
+        <p:txBody>
+          <a:bodyPr/>
+          <a:lstStyle/>
+          <a:p>
+            <a:r>
+              <a:rPr lang="en-US" dirty="0" smtClean="0"/>
+              <a:t>Quality and tuning</a:t>
+            </a:r>
+            <a:endParaRPr lang="en-US" dirty="0"/>
+          </a:p>
+        </p:txBody>
+      </p:sp>
+      <p:sp>
+        <p:nvSpPr>
+          <p:cNvPr id="5" name="Text Placeholder 4"/>
+          <p:cNvSpPr>
+            <a:spLocks noGrp="1"/>
+          </p:cNvSpPr>
+          <p:nvPr>
+            <p:ph type="body" idx="1"/>
+          </p:nvPr>
+        </p:nvSpPr>
+        <p:spPr/>
+        <p:txBody>
+          <a:bodyPr/>
+          <a:lstStyle/>
+          <a:p>
+            <a:endParaRPr lang="en-US" dirty="0"/>
+          </a:p>
+        </p:txBody>
+      </p:sp>
+    </p:spTree>
+    <p:extLst>
+      <p:ext uri="{BB962C8B-B14F-4D97-AF65-F5344CB8AC3E}">
+        <p14:creationId xmlns:p14="http://schemas.microsoft.com/office/powerpoint/2010/main" val="3141909639"/>
+      </p:ext>
+    </p:extLst>
+  </p:cSld>
+  <p:clrMapOvr>
+    <a:masterClrMapping/>
+  </p:clrMapOvr>
+  <p:timing>
+    <p:tnLst>
+      <p:par>
+        <p:cTn xmlns:p14="http://schemas.microsoft.com/office/powerpoint/2010/main" id="1" dur="indefinite" restart="never" nodeType="tmRoot"/>
+      </p:par>
+    </p:tnLst>
+  </p:timing>
+</p:sld>
+</file>
+
+<file path=ppt/slides/slide22.xml><?xml version="1.0" encoding="utf-8"?>
+<p:sld xmlns:a="http://schemas.openxmlformats.org/drawingml/2006/main" xmlns:r="http://schemas.openxmlformats.org/officeDocument/2006/relationships" xmlns:p="http://schemas.openxmlformats.org/presentationml/2006/main">
+  <p:cSld>
+    <p:spTree>
+      <p:nvGrpSpPr>
+        <p:cNvPr id="1" name=""/>
+        <p:cNvGrpSpPr/>
+        <p:nvPr/>
+      </p:nvGrpSpPr>
+      <p:grpSpPr>
+        <a:xfrm>
+          <a:off x="0" y="0"/>
+          <a:ext cx="0" cy="0"/>
+          <a:chOff x="0" y="0"/>
+          <a:chExt cx="0" cy="0"/>
+        </a:xfrm>
+      </p:grpSpPr>
+      <p:pic>
+        <p:nvPicPr>
+          <p:cNvPr id="4" name="Picture 3" descr="fig-2-c.png"/>
+          <p:cNvPicPr>
+            <a:picLocks noChangeAspect="1"/>
+          </p:cNvPicPr>
+          <p:nvPr/>
+        </p:nvPicPr>
+        <p:blipFill>
+          <a:blip r:embed="rId2">
+            <a:extLst>
+              <a:ext uri="{28A0092B-C50C-407E-A947-70E740481C1C}">
+                <a14:useLocalDpi xmlns:a14="http://schemas.microsoft.com/office/drawing/2010/main" val="0"/>
+              </a:ext>
+            </a:extLst>
+          </a:blip>
+          <a:stretch>
+            <a:fillRect/>
+          </a:stretch>
+        </p:blipFill>
+        <p:spPr>
+          <a:xfrm>
+            <a:off x="1371600" y="553842"/>
+            <a:ext cx="6096000" cy="6096000"/>
+          </a:xfrm>
+          <a:prstGeom prst="rect">
+            <a:avLst/>
+          </a:prstGeom>
+        </p:spPr>
+      </p:pic>
+      <p:sp>
+        <p:nvSpPr>
+          <p:cNvPr id="6" name="Title 5"/>
+          <p:cNvSpPr>
+            <a:spLocks noGrp="1"/>
+          </p:cNvSpPr>
+          <p:nvPr>
+            <p:ph type="title"/>
+          </p:nvPr>
+        </p:nvSpPr>
+        <p:spPr/>
+        <p:txBody>
+          <a:bodyPr>
+            <a:normAutofit/>
+          </a:bodyPr>
+          <a:lstStyle/>
+          <a:p>
+            <a:r>
+              <a:rPr lang="en-US" dirty="0"/>
+              <a:t>How to Choose </a:t>
+            </a:r>
+            <a:r>
+              <a:rPr lang="en-US" i="1" dirty="0"/>
+              <a:t>K</a:t>
+            </a:r>
+            <a:r>
+              <a:rPr lang="en-US" dirty="0" smtClean="0"/>
+              <a:t>?</a:t>
+            </a:r>
+            <a:endParaRPr lang="en-US" dirty="0"/>
+          </a:p>
+        </p:txBody>
+      </p:sp>
+      <p:sp>
+        <p:nvSpPr>
+          <p:cNvPr id="5" name="Title 5"/>
+          <p:cNvSpPr txBox="1">
+            <a:spLocks/>
+          </p:cNvSpPr>
+          <p:nvPr/>
+        </p:nvSpPr>
+        <p:spPr>
+          <a:xfrm>
+            <a:off x="457200" y="5715000"/>
+            <a:ext cx="8229600" cy="1143000"/>
+          </a:xfrm>
+          <a:prstGeom prst="rect">
+            <a:avLst/>
+          </a:prstGeom>
+        </p:spPr>
+        <p:txBody>
+          <a:bodyPr vert="horz" lIns="91440" tIns="45720" rIns="91440" bIns="45720" rtlCol="0" anchor="ctr">
+            <a:normAutofit/>
+          </a:bodyPr>
+          <a:lstStyle>
+            <a:lvl1pPr algn="ctr" defTabSz="457200" rtl="0" eaLnBrk="1" latinLnBrk="0" hangingPunct="1">
+              <a:spcBef>
+                <a:spcPct val="0"/>
+              </a:spcBef>
+              <a:buNone/>
+              <a:defRPr sz="4400" kern="1200">
+                <a:solidFill>
+                  <a:schemeClr val="tx1"/>
+                </a:solidFill>
+                <a:latin typeface="+mj-lt"/>
+                <a:ea typeface="+mj-ea"/>
+                <a:cs typeface="+mj-cs"/>
+              </a:defRPr>
+            </a:lvl1pPr>
+          </a:lstStyle>
+          <a:p>
+            <a:r>
+              <a:rPr lang="en-US" dirty="0" smtClean="0"/>
+              <a:t>What to Measure?</a:t>
+            </a:r>
+            <a:endParaRPr lang="en-US" dirty="0"/>
+          </a:p>
+        </p:txBody>
+      </p:sp>
+    </p:spTree>
+    <p:extLst>
+      <p:ext uri="{BB962C8B-B14F-4D97-AF65-F5344CB8AC3E}">
+        <p14:creationId xmlns:p14="http://schemas.microsoft.com/office/powerpoint/2010/main" val="253691987"/>
+      </p:ext>
+    </p:extLst>
+  </p:cSld>
+  <p:clrMapOvr>
+    <a:masterClrMapping/>
+  </p:clrMapOvr>
+  <p:timing>
+    <p:tnLst>
+      <p:par>
+        <p:cTn xmlns:p14="http://schemas.microsoft.com/office/powerpoint/2010/main" id="1" dur="indefinite" restart="never" nodeType="tmRoot"/>
+      </p:par>
+    </p:tnLst>
+  </p:timing>
+</p:sld>
+</file>
+
+<file path=ppt/slides/slide23.xml><?xml version="1.0" encoding="utf-8"?>
+<p:sld xmlns:a="http://schemas.openxmlformats.org/drawingml/2006/main" xmlns:r="http://schemas.openxmlformats.org/officeDocument/2006/relationships" xmlns:p="http://schemas.openxmlformats.org/presentationml/2006/main">
+  <p:cSld>
+    <p:spTree>
+      <p:nvGrpSpPr>
+        <p:cNvPr id="1" name=""/>
+        <p:cNvGrpSpPr/>
+        <p:nvPr/>
+      </p:nvGrpSpPr>
+      <p:grpSpPr>
+        <a:xfrm>
+          <a:off x="0" y="0"/>
+          <a:ext cx="0" cy="0"/>
+          <a:chOff x="0" y="0"/>
+          <a:chExt cx="0" cy="0"/>
+        </a:xfrm>
+      </p:grpSpPr>
+      <p:sp>
+        <p:nvSpPr>
+          <p:cNvPr id="2" name="Title 1"/>
+          <p:cNvSpPr>
+            <a:spLocks noGrp="1"/>
+          </p:cNvSpPr>
+          <p:nvPr>
+            <p:ph type="title"/>
+          </p:nvPr>
+        </p:nvSpPr>
+        <p:spPr/>
+        <p:txBody>
+          <a:bodyPr/>
+          <a:lstStyle/>
+          <a:p>
+            <a:r>
+              <a:rPr lang="en-US" dirty="0" smtClean="0"/>
+              <a:t>Hands-on Lab</a:t>
+            </a:r>
+            <a:endParaRPr lang="en-US" dirty="0"/>
+          </a:p>
+        </p:txBody>
+      </p:sp>
+      <p:sp>
+        <p:nvSpPr>
+          <p:cNvPr id="3" name="Content Placeholder 2"/>
+          <p:cNvSpPr>
+            <a:spLocks noGrp="1"/>
+          </p:cNvSpPr>
+          <p:nvPr>
+            <p:ph idx="1"/>
+          </p:nvPr>
+        </p:nvSpPr>
+        <p:spPr/>
+        <p:txBody>
+          <a:bodyPr/>
+          <a:lstStyle/>
+          <a:p>
+            <a:r>
+              <a:rPr lang="en-US" dirty="0" smtClean="0"/>
+              <a:t>Environment tuning</a:t>
+            </a:r>
+          </a:p>
+          <a:p>
+            <a:pPr lvl="1"/>
+            <a:r>
+              <a:rPr lang="en-US" dirty="0"/>
+              <a:t>e</a:t>
+            </a:r>
+            <a:r>
+              <a:rPr lang="en-US" dirty="0" smtClean="0"/>
+              <a:t>cho $JAVA_HOME</a:t>
+            </a:r>
+          </a:p>
+          <a:p>
+            <a:pPr lvl="1"/>
+            <a:r>
+              <a:rPr lang="en-US" dirty="0" smtClean="0"/>
+              <a:t>which mahout</a:t>
+            </a:r>
+          </a:p>
+          <a:p>
+            <a:endParaRPr lang="en-US" dirty="0" smtClean="0"/>
+          </a:p>
+          <a:p>
+            <a:r>
+              <a:rPr lang="en-US" dirty="0">
+                <a:hlinkClick r:id="rId2"/>
+              </a:rPr>
+              <a:t>http://bit.ly/</a:t>
+            </a:r>
+            <a:r>
+              <a:rPr lang="en-US" dirty="0" smtClean="0">
+                <a:hlinkClick r:id="rId2"/>
+              </a:rPr>
+              <a:t>15eZHG5</a:t>
+            </a:r>
+            <a:r>
+              <a:rPr lang="en-US" dirty="0" smtClean="0"/>
+              <a:t> ~ L 137</a:t>
+            </a:r>
+            <a:endParaRPr lang="en-US" dirty="0"/>
+          </a:p>
+          <a:p>
+            <a:r>
+              <a:rPr lang="en-US" dirty="0">
+                <a:hlinkClick r:id="rId3"/>
+              </a:rPr>
+              <a:t>http://bit.ly/</a:t>
+            </a:r>
+            <a:r>
+              <a:rPr lang="en-US" dirty="0" smtClean="0">
+                <a:hlinkClick r:id="rId3"/>
+              </a:rPr>
+              <a:t>12bxnRN</a:t>
+            </a:r>
+            <a:r>
+              <a:rPr lang="en-US" dirty="0" smtClean="0"/>
+              <a:t> ~ L 106</a:t>
+            </a:r>
+          </a:p>
+          <a:p>
+            <a:r>
+              <a:rPr lang="en-US" dirty="0">
+                <a:hlinkClick r:id="rId4"/>
+              </a:rPr>
+              <a:t>http://bit.ly/</a:t>
+            </a:r>
+            <a:r>
+              <a:rPr lang="en-US" dirty="0" smtClean="0">
+                <a:hlinkClick r:id="rId4"/>
+              </a:rPr>
+              <a:t>14qiE97</a:t>
+            </a:r>
+            <a:r>
+              <a:rPr lang="en-US" dirty="0" smtClean="0"/>
+              <a:t> </a:t>
+            </a:r>
+          </a:p>
+          <a:p>
+            <a:pPr lvl="1"/>
+            <a:endParaRPr lang="en-US" dirty="0"/>
+          </a:p>
+        </p:txBody>
+      </p:sp>
+      <p:sp>
+        <p:nvSpPr>
+          <p:cNvPr id="4" name="TextBox 3"/>
+          <p:cNvSpPr txBox="1"/>
+          <p:nvPr/>
+        </p:nvSpPr>
+        <p:spPr>
+          <a:xfrm>
+            <a:off x="0" y="6488668"/>
+            <a:ext cx="9699515" cy="369332"/>
+          </a:xfrm>
+          <a:prstGeom prst="rect">
+            <a:avLst/>
+          </a:prstGeom>
+          <a:noFill/>
+        </p:spPr>
+        <p:txBody>
+          <a:bodyPr wrap="none" rtlCol="0">
+            <a:spAutoFit/>
+          </a:bodyPr>
+          <a:lstStyle/>
+          <a:p>
+            <a:r>
+              <a:rPr lang="en-US" dirty="0" smtClean="0"/>
+              <a:t>http:</a:t>
+            </a:r>
+            <a:r>
+              <a:rPr lang="en-US" dirty="0"/>
+              <a:t>//</a:t>
+            </a:r>
+            <a:r>
+              <a:rPr lang="en-US" dirty="0" err="1"/>
+              <a:t>cwiki.apache.org</a:t>
+            </a:r>
+            <a:r>
+              <a:rPr lang="en-US" dirty="0"/>
+              <a:t>/MAHOUT/quick-tour-of-text-analysis-using-the-mahout-command-</a:t>
+            </a:r>
+            <a:r>
+              <a:rPr lang="en-US" dirty="0" err="1"/>
+              <a:t>line.html</a:t>
+            </a:r>
+            <a:endParaRPr lang="en-US" dirty="0"/>
+          </a:p>
+        </p:txBody>
+      </p:sp>
+    </p:spTree>
+    <p:extLst>
+      <p:ext uri="{BB962C8B-B14F-4D97-AF65-F5344CB8AC3E}">
+        <p14:creationId xmlns:p14="http://schemas.microsoft.com/office/powerpoint/2010/main" val="2793715198"/>
+      </p:ext>
+    </p:extLst>
+  </p:cSld>
+  <p:clrMapOvr>
+    <a:masterClrMapping/>
+  </p:clrMapOvr>
+</p:sld>
+</file>
+
+<file path=ppt/slides/slide24.xml><?xml version="1.0" encoding="utf-8"?>
+<p:sld xmlns:a="http://schemas.openxmlformats.org/drawingml/2006/main" xmlns:r="http://schemas.openxmlformats.org/officeDocument/2006/relationships" xmlns:p="http://schemas.openxmlformats.org/presentationml/2006/main">
+  <p:cSld>
+    <p:spTree>
+      <p:nvGrpSpPr>
+        <p:cNvPr id="1" name=""/>
+        <p:cNvGrpSpPr/>
+        <p:nvPr/>
+      </p:nvGrpSpPr>
+      <p:grpSpPr>
+        <a:xfrm>
+          <a:off x="0" y="0"/>
+          <a:ext cx="0" cy="0"/>
+          <a:chOff x="0" y="0"/>
+          <a:chExt cx="0" cy="0"/>
+        </a:xfrm>
+      </p:grpSpPr>
+      <p:sp>
+        <p:nvSpPr>
+          <p:cNvPr id="3074" name="Rectangle 2"/>
+          <p:cNvSpPr>
+            <a:spLocks noGrp="1" noChangeArrowheads="1"/>
+          </p:cNvSpPr>
+          <p:nvPr>
+            <p:ph type="title"/>
+          </p:nvPr>
+        </p:nvSpPr>
+        <p:spPr/>
+        <p:txBody>
+          <a:bodyPr/>
+          <a:lstStyle/>
+          <a:p>
+            <a:r>
+              <a:rPr lang="en-US" dirty="0" smtClean="0"/>
+              <a:t>Inter- and Intra-Cluster Distance</a:t>
+            </a:r>
+            <a:endParaRPr lang="en-US" dirty="0"/>
+          </a:p>
+        </p:txBody>
+      </p:sp>
+      <p:sp>
+        <p:nvSpPr>
+          <p:cNvPr id="3075" name="Rectangle 3"/>
+          <p:cNvSpPr>
+            <a:spLocks noGrp="1" noChangeArrowheads="1"/>
+          </p:cNvSpPr>
+          <p:nvPr>
+            <p:ph type="body" idx="1"/>
+          </p:nvPr>
+        </p:nvSpPr>
+        <p:spPr>
+          <a:xfrm>
+            <a:off x="457200" y="1600200"/>
+            <a:ext cx="8229600" cy="1131888"/>
+          </a:xfrm>
+        </p:spPr>
+        <p:txBody>
+          <a:bodyPr/>
+          <a:lstStyle/>
+          <a:p>
+            <a:r>
+              <a:rPr lang="en-US" sz="2000"/>
+              <a:t>Finding groups of objects such that the objects in a group will be similar (or related) to one another and different from (or unrelated to) the objects in other groups</a:t>
+            </a:r>
+          </a:p>
+        </p:txBody>
+      </p:sp>
+      <p:grpSp>
+        <p:nvGrpSpPr>
+          <p:cNvPr id="3076" name="Group 4"/>
+          <p:cNvGrpSpPr>
+            <a:grpSpLocks/>
+          </p:cNvGrpSpPr>
+          <p:nvPr/>
+        </p:nvGrpSpPr>
+        <p:grpSpPr bwMode="auto">
+          <a:xfrm>
+            <a:off x="3276600" y="3570288"/>
+            <a:ext cx="3048000" cy="2678112"/>
+            <a:chOff x="2160" y="2544"/>
+            <a:chExt cx="1920" cy="1687"/>
+          </a:xfrm>
+        </p:grpSpPr>
+        <p:sp>
+          <p:nvSpPr>
+            <p:cNvPr id="3077" name="Line 5"/>
+            <p:cNvSpPr>
+              <a:spLocks noChangeShapeType="1"/>
+            </p:cNvSpPr>
+            <p:nvPr/>
+          </p:nvSpPr>
+          <p:spPr bwMode="auto">
+            <a:xfrm>
+              <a:off x="2736" y="2544"/>
+              <a:ext cx="0" cy="1152"/>
+            </a:xfrm>
+            <a:prstGeom prst="line">
+              <a:avLst/>
+            </a:prstGeom>
+            <a:noFill/>
+            <a:ln w="9525">
+              <a:solidFill>
+                <a:schemeClr val="tx1"/>
+              </a:solidFill>
+              <a:round/>
+              <a:headEnd/>
+              <a:tailEnd/>
+            </a:ln>
+            <a:effectLst/>
+            <a:extLst>
+              <a:ext uri="{909E8E84-426E-40dd-AFC4-6F175D3DCCD1}">
+                <a14:hiddenFill xmlns:a14="http://schemas.microsoft.com/office/drawing/2010/main">
+                  <a:noFill/>
+                </a14:hiddenFill>
+              </a:ext>
+              <a:ext uri="{AF507438-7753-43e0-B8FC-AC1667EBCBE1}">
+                <a14:hiddenEffects xmlns:a14="http://schemas.microsoft.com/office/drawing/2010/main">
+                  <a:effectLst>
+                    <a:outerShdw blurRad="63500" dist="38099" dir="2700000" algn="ctr" rotWithShape="0">
+                      <a:schemeClr val="bg2">
+                        <a:alpha val="74998"/>
+                      </a:schemeClr>
+                    </a:outerShdw>
+                  </a:effectLst>
+                </a14:hiddenEffects>
+              </a:ext>
+            </a:extLst>
+          </p:spPr>
+          <p:txBody>
+            <a:bodyPr wrap="none" anchor="ctr"/>
+            <a:lstStyle/>
+            <a:p>
+              <a:endParaRPr lang="en-US"/>
+            </a:p>
+          </p:txBody>
+        </p:sp>
+        <p:sp>
+          <p:nvSpPr>
+            <p:cNvPr id="3078" name="Line 6"/>
+            <p:cNvSpPr>
+              <a:spLocks noChangeShapeType="1"/>
+            </p:cNvSpPr>
+            <p:nvPr/>
+          </p:nvSpPr>
+          <p:spPr bwMode="auto">
+            <a:xfrm>
+              <a:off x="2736" y="3696"/>
+              <a:ext cx="1344" cy="0"/>
+            </a:xfrm>
+            <a:prstGeom prst="line">
+              <a:avLst/>
+            </a:prstGeom>
+            <a:noFill/>
+            <a:ln w="9525">
+              <a:solidFill>
+                <a:schemeClr val="tx1"/>
+              </a:solidFill>
+              <a:round/>
+              <a:headEnd/>
+              <a:tailEnd/>
+            </a:ln>
+            <a:effectLst/>
+            <a:extLst>
+              <a:ext uri="{909E8E84-426E-40dd-AFC4-6F175D3DCCD1}">
+                <a14:hiddenFill xmlns:a14="http://schemas.microsoft.com/office/drawing/2010/main">
+                  <a:noFill/>
+                </a14:hiddenFill>
+              </a:ext>
+              <a:ext uri="{AF507438-7753-43e0-B8FC-AC1667EBCBE1}">
+                <a14:hiddenEffects xmlns:a14="http://schemas.microsoft.com/office/drawing/2010/main">
+                  <a:effectLst>
+                    <a:outerShdw blurRad="63500" dist="38099" dir="2700000" algn="ctr" rotWithShape="0">
+                      <a:schemeClr val="bg2">
+                        <a:alpha val="74998"/>
+                      </a:schemeClr>
+                    </a:outerShdw>
+                  </a:effectLst>
+                </a14:hiddenEffects>
+              </a:ext>
+            </a:extLst>
+          </p:spPr>
+          <p:txBody>
+            <a:bodyPr wrap="none" anchor="ctr"/>
+            <a:lstStyle/>
+            <a:p>
+              <a:endParaRPr lang="en-US"/>
+            </a:p>
+          </p:txBody>
+        </p:sp>
+        <p:sp>
+          <p:nvSpPr>
+            <p:cNvPr id="3079" name="Freeform 7"/>
+            <p:cNvSpPr>
+              <a:spLocks/>
+            </p:cNvSpPr>
+            <p:nvPr/>
+          </p:nvSpPr>
+          <p:spPr bwMode="auto">
+            <a:xfrm>
+              <a:off x="2226" y="3696"/>
+              <a:ext cx="510" cy="535"/>
+            </a:xfrm>
+            <a:custGeom>
+              <a:avLst/>
+              <a:gdLst>
+                <a:gd name="T0" fmla="*/ 510 w 510"/>
+                <a:gd name="T1" fmla="*/ 0 h 535"/>
+                <a:gd name="T2" fmla="*/ 0 w 510"/>
+                <a:gd name="T3" fmla="*/ 535 h 535"/>
+              </a:gdLst>
+              <a:ahLst/>
+              <a:cxnLst>
+                <a:cxn ang="0">
+                  <a:pos x="T0" y="T1"/>
+                </a:cxn>
+                <a:cxn ang="0">
+                  <a:pos x="T2" y="T3"/>
+                </a:cxn>
+              </a:cxnLst>
+              <a:rect l="0" t="0" r="r" b="b"/>
+              <a:pathLst>
+                <a:path w="510" h="535">
+                  <a:moveTo>
+                    <a:pt x="510" y="0"/>
+                  </a:moveTo>
+                  <a:lnTo>
+                    <a:pt x="0" y="535"/>
+                  </a:lnTo>
+                </a:path>
+              </a:pathLst>
+            </a:custGeom>
+            <a:noFill/>
+            <a:ln w="9525">
+              <a:solidFill>
+                <a:schemeClr val="tx1"/>
+              </a:solidFill>
+              <a:round/>
+              <a:headEnd type="none" w="med" len="med"/>
+              <a:tailEnd type="none" w="med" len="med"/>
+            </a:ln>
+            <a:effectLst/>
+            <a:extLst>
+              <a:ext uri="{909E8E84-426E-40dd-AFC4-6F175D3DCCD1}">
+                <a14:hiddenFill xmlns:a14="http://schemas.microsoft.com/office/drawing/2010/main">
+                  <a:solidFill>
+                    <a:srgbClr val="FFFFFF"/>
+                  </a:solidFill>
+                </a14:hiddenFill>
+              </a:ext>
+              <a:ext uri="{AF507438-7753-43e0-B8FC-AC1667EBCBE1}">
+                <a14:hiddenEffects xmlns:a14="http://schemas.microsoft.com/office/drawing/2010/main">
+                  <a:effectLst>
+                    <a:outerShdw blurRad="63500" dist="38099" dir="2700000" algn="ctr" rotWithShape="0">
+                      <a:schemeClr val="bg2">
+                        <a:alpha val="74998"/>
+                      </a:schemeClr>
+                    </a:outerShdw>
+                  </a:effectLst>
+                </a14:hiddenEffects>
+              </a:ext>
+            </a:extLst>
+          </p:spPr>
+          <p:txBody>
+            <a:bodyPr wrap="none" anchor="ctr"/>
+            <a:lstStyle/>
+            <a:p>
+              <a:endParaRPr lang="en-US"/>
+            </a:p>
+          </p:txBody>
+        </p:sp>
+        <p:sp>
+          <p:nvSpPr>
+            <p:cNvPr id="3080" name="AutoShape 8"/>
+            <p:cNvSpPr>
+              <a:spLocks noChangeArrowheads="1"/>
+            </p:cNvSpPr>
+            <p:nvPr/>
+          </p:nvSpPr>
+          <p:spPr bwMode="auto">
+            <a:xfrm>
+              <a:off x="3264" y="2880"/>
+              <a:ext cx="96" cy="96"/>
+            </a:xfrm>
+            <a:prstGeom prst="octagon">
+              <a:avLst>
+                <a:gd name="adj" fmla="val 29287"/>
+              </a:avLst>
+            </a:prstGeom>
+            <a:solidFill>
+              <a:schemeClr val="accent1"/>
+            </a:solidFill>
+            <a:ln w="9525">
+              <a:solidFill>
+                <a:schemeClr val="tx1"/>
+              </a:solidFill>
+              <a:miter lim="800000"/>
+              <a:headEnd/>
+              <a:tailEnd/>
+            </a:ln>
+            <a:effectLst/>
+            <a:extLst>
+              <a:ext uri="{AF507438-7753-43e0-B8FC-AC1667EBCBE1}">
+                <a14:hiddenEffects xmlns:a14="http://schemas.microsoft.com/office/drawing/2010/main">
+                  <a:effectLst>
+                    <a:outerShdw blurRad="63500" dist="38099" dir="2700000" algn="ctr" rotWithShape="0">
+                      <a:schemeClr val="bg2">
+                        <a:alpha val="74998"/>
+                      </a:schemeClr>
+                    </a:outerShdw>
+                  </a:effectLst>
+                </a14:hiddenEffects>
+              </a:ext>
+            </a:extLst>
+          </p:spPr>
+          <p:txBody>
+            <a:bodyPr wrap="none" anchor="ctr"/>
+            <a:lstStyle/>
+            <a:p>
+              <a:endParaRPr lang="en-US"/>
+            </a:p>
+          </p:txBody>
+        </p:sp>
+        <p:sp>
+          <p:nvSpPr>
+            <p:cNvPr id="3081" name="AutoShape 9"/>
+            <p:cNvSpPr>
+              <a:spLocks noChangeArrowheads="1"/>
+            </p:cNvSpPr>
+            <p:nvPr/>
+          </p:nvSpPr>
+          <p:spPr bwMode="auto">
+            <a:xfrm>
+              <a:off x="3408" y="2880"/>
+              <a:ext cx="96" cy="96"/>
+            </a:xfrm>
+            <a:prstGeom prst="octagon">
+              <a:avLst>
+                <a:gd name="adj" fmla="val 29287"/>
+              </a:avLst>
+            </a:prstGeom>
+            <a:solidFill>
+              <a:schemeClr val="accent1"/>
+            </a:solidFill>
+            <a:ln w="9525">
+              <a:solidFill>
+                <a:schemeClr val="tx1"/>
+              </a:solidFill>
+              <a:miter lim="800000"/>
+              <a:headEnd/>
+              <a:tailEnd/>
+            </a:ln>
+            <a:effectLst/>
+            <a:extLst>
+              <a:ext uri="{AF507438-7753-43e0-B8FC-AC1667EBCBE1}">
+                <a14:hiddenEffects xmlns:a14="http://schemas.microsoft.com/office/drawing/2010/main">
+                  <a:effectLst>
+                    <a:outerShdw blurRad="63500" dist="38099" dir="2700000" algn="ctr" rotWithShape="0">
+                      <a:schemeClr val="bg2">
+                        <a:alpha val="74998"/>
+                      </a:schemeClr>
+                    </a:outerShdw>
+                  </a:effectLst>
+                </a14:hiddenEffects>
+              </a:ext>
+            </a:extLst>
+          </p:spPr>
+          <p:txBody>
+            <a:bodyPr wrap="none" anchor="ctr"/>
+            <a:lstStyle/>
+            <a:p>
+              <a:endParaRPr lang="en-US"/>
+            </a:p>
+          </p:txBody>
+        </p:sp>
+        <p:sp>
+          <p:nvSpPr>
+            <p:cNvPr id="3082" name="AutoShape 10"/>
+            <p:cNvSpPr>
+              <a:spLocks noChangeArrowheads="1"/>
+            </p:cNvSpPr>
+            <p:nvPr/>
+          </p:nvSpPr>
+          <p:spPr bwMode="auto">
+            <a:xfrm>
+              <a:off x="3360" y="2736"/>
+              <a:ext cx="96" cy="96"/>
+            </a:xfrm>
+            <a:prstGeom prst="octagon">
+              <a:avLst>
+                <a:gd name="adj" fmla="val 29287"/>
+              </a:avLst>
+            </a:prstGeom>
+            <a:solidFill>
+              <a:schemeClr val="accent1"/>
+            </a:solidFill>
+            <a:ln w="9525">
+              <a:solidFill>
+                <a:schemeClr val="tx1"/>
+              </a:solidFill>
+              <a:miter lim="800000"/>
+              <a:headEnd/>
+              <a:tailEnd/>
+            </a:ln>
+            <a:effectLst/>
+            <a:extLst>
+              <a:ext uri="{AF507438-7753-43e0-B8FC-AC1667EBCBE1}">
+                <a14:hiddenEffects xmlns:a14="http://schemas.microsoft.com/office/drawing/2010/main">
+                  <a:effectLst>
+                    <a:outerShdw blurRad="63500" dist="38099" dir="2700000" algn="ctr" rotWithShape="0">
+                      <a:schemeClr val="bg2">
+                        <a:alpha val="74998"/>
+                      </a:schemeClr>
+                    </a:outerShdw>
+                  </a:effectLst>
+                </a14:hiddenEffects>
+              </a:ext>
+            </a:extLst>
+          </p:spPr>
+          <p:txBody>
+            <a:bodyPr wrap="none" anchor="ctr"/>
+            <a:lstStyle/>
+            <a:p>
+              <a:endParaRPr lang="en-US"/>
+            </a:p>
+          </p:txBody>
+        </p:sp>
+        <p:sp>
+          <p:nvSpPr>
+            <p:cNvPr id="3083" name="AutoShape 11"/>
+            <p:cNvSpPr>
+              <a:spLocks noChangeArrowheads="1"/>
+            </p:cNvSpPr>
+            <p:nvPr/>
+          </p:nvSpPr>
+          <p:spPr bwMode="auto">
+            <a:xfrm>
+              <a:off x="3360" y="3024"/>
+              <a:ext cx="96" cy="96"/>
+            </a:xfrm>
+            <a:prstGeom prst="octagon">
+              <a:avLst>
+                <a:gd name="adj" fmla="val 29287"/>
+              </a:avLst>
+            </a:prstGeom>
+            <a:solidFill>
+              <a:schemeClr val="accent1"/>
+            </a:solidFill>
+            <a:ln w="9525">
+              <a:solidFill>
+                <a:schemeClr val="tx1"/>
+              </a:solidFill>
+              <a:miter lim="800000"/>
+              <a:headEnd/>
+              <a:tailEnd/>
+            </a:ln>
+            <a:effectLst/>
+            <a:extLst>
+              <a:ext uri="{AF507438-7753-43e0-B8FC-AC1667EBCBE1}">
+                <a14:hiddenEffects xmlns:a14="http://schemas.microsoft.com/office/drawing/2010/main">
+                  <a:effectLst>
+                    <a:outerShdw blurRad="63500" dist="38099" dir="2700000" algn="ctr" rotWithShape="0">
+                      <a:schemeClr val="bg2">
+                        <a:alpha val="74998"/>
+                      </a:schemeClr>
+                    </a:outerShdw>
+                  </a:effectLst>
+                </a14:hiddenEffects>
+              </a:ext>
+            </a:extLst>
+          </p:spPr>
+          <p:txBody>
+            <a:bodyPr wrap="none" anchor="ctr"/>
+            <a:lstStyle/>
+            <a:p>
+              <a:endParaRPr lang="en-US"/>
+            </a:p>
+          </p:txBody>
+        </p:sp>
+        <p:sp>
+          <p:nvSpPr>
+            <p:cNvPr id="3084" name="AutoShape 12"/>
+            <p:cNvSpPr>
+              <a:spLocks noChangeArrowheads="1"/>
+            </p:cNvSpPr>
+            <p:nvPr/>
+          </p:nvSpPr>
+          <p:spPr bwMode="auto">
+            <a:xfrm>
+              <a:off x="3600" y="2880"/>
+              <a:ext cx="96" cy="96"/>
+            </a:xfrm>
+            <a:prstGeom prst="octagon">
+              <a:avLst>
+                <a:gd name="adj" fmla="val 29287"/>
+              </a:avLst>
+            </a:prstGeom>
+            <a:solidFill>
+              <a:schemeClr val="accent1"/>
+            </a:solidFill>
+            <a:ln w="9525">
+              <a:solidFill>
+                <a:schemeClr val="tx1"/>
+              </a:solidFill>
+              <a:miter lim="800000"/>
+              <a:headEnd/>
+              <a:tailEnd/>
+            </a:ln>
+            <a:effectLst/>
+            <a:extLst>
+              <a:ext uri="{AF507438-7753-43e0-B8FC-AC1667EBCBE1}">
+                <a14:hiddenEffects xmlns:a14="http://schemas.microsoft.com/office/drawing/2010/main">
+                  <a:effectLst>
+                    <a:outerShdw blurRad="63500" dist="38099" dir="2700000" algn="ctr" rotWithShape="0">
+                      <a:schemeClr val="bg2">
+                        <a:alpha val="74998"/>
+                      </a:schemeClr>
+                    </a:outerShdw>
+                  </a:effectLst>
+                </a14:hiddenEffects>
+              </a:ext>
+            </a:extLst>
+          </p:spPr>
+          <p:txBody>
+            <a:bodyPr wrap="none" anchor="ctr"/>
+            <a:lstStyle/>
+            <a:p>
+              <a:endParaRPr lang="en-US"/>
+            </a:p>
+          </p:txBody>
+        </p:sp>
+        <p:sp>
+          <p:nvSpPr>
+            <p:cNvPr id="3085" name="AutoShape 13"/>
+            <p:cNvSpPr>
+              <a:spLocks noChangeArrowheads="1"/>
+            </p:cNvSpPr>
+            <p:nvPr/>
+          </p:nvSpPr>
+          <p:spPr bwMode="auto">
+            <a:xfrm>
+              <a:off x="3504" y="2784"/>
+              <a:ext cx="96" cy="96"/>
+            </a:xfrm>
+            <a:prstGeom prst="octagon">
+              <a:avLst>
+                <a:gd name="adj" fmla="val 29287"/>
+              </a:avLst>
+            </a:prstGeom>
+            <a:solidFill>
+              <a:schemeClr val="accent1"/>
+            </a:solidFill>
+            <a:ln w="9525">
+              <a:solidFill>
+                <a:schemeClr val="tx1"/>
+              </a:solidFill>
+              <a:miter lim="800000"/>
+              <a:headEnd/>
+              <a:tailEnd/>
+            </a:ln>
+            <a:effectLst/>
+            <a:extLst>
+              <a:ext uri="{AF507438-7753-43e0-B8FC-AC1667EBCBE1}">
+                <a14:hiddenEffects xmlns:a14="http://schemas.microsoft.com/office/drawing/2010/main">
+                  <a:effectLst>
+                    <a:outerShdw blurRad="63500" dist="38099" dir="2700000" algn="ctr" rotWithShape="0">
+                      <a:schemeClr val="bg2">
+                        <a:alpha val="74998"/>
+                      </a:schemeClr>
+                    </a:outerShdw>
+                  </a:effectLst>
+                </a14:hiddenEffects>
+              </a:ext>
+            </a:extLst>
+          </p:spPr>
+          <p:txBody>
+            <a:bodyPr wrap="none" anchor="ctr"/>
+            <a:lstStyle/>
+            <a:p>
+              <a:endParaRPr lang="en-US"/>
+            </a:p>
+          </p:txBody>
+        </p:sp>
+        <p:sp>
+          <p:nvSpPr>
+            <p:cNvPr id="3086" name="AutoShape 14"/>
+            <p:cNvSpPr>
+              <a:spLocks noChangeArrowheads="1"/>
+            </p:cNvSpPr>
+            <p:nvPr/>
+          </p:nvSpPr>
+          <p:spPr bwMode="auto">
+            <a:xfrm>
+              <a:off x="3168" y="2736"/>
+              <a:ext cx="96" cy="96"/>
+            </a:xfrm>
+            <a:prstGeom prst="octagon">
+              <a:avLst>
+                <a:gd name="adj" fmla="val 29287"/>
+              </a:avLst>
+            </a:prstGeom>
+            <a:solidFill>
+              <a:schemeClr val="accent1"/>
+            </a:solidFill>
+            <a:ln w="9525">
+              <a:solidFill>
+                <a:schemeClr val="tx1"/>
+              </a:solidFill>
+              <a:miter lim="800000"/>
+              <a:headEnd/>
+              <a:tailEnd/>
+            </a:ln>
+            <a:effectLst/>
+            <a:extLst>
+              <a:ext uri="{AF507438-7753-43e0-B8FC-AC1667EBCBE1}">
+                <a14:hiddenEffects xmlns:a14="http://schemas.microsoft.com/office/drawing/2010/main">
+                  <a:effectLst>
+                    <a:outerShdw blurRad="63500" dist="38099" dir="2700000" algn="ctr" rotWithShape="0">
+                      <a:schemeClr val="bg2">
+                        <a:alpha val="74998"/>
+                      </a:schemeClr>
+                    </a:outerShdw>
+                  </a:effectLst>
+                </a14:hiddenEffects>
+              </a:ext>
+            </a:extLst>
+          </p:spPr>
+          <p:txBody>
+            <a:bodyPr wrap="none" anchor="ctr"/>
+            <a:lstStyle/>
+            <a:p>
+              <a:endParaRPr lang="en-US"/>
+            </a:p>
+          </p:txBody>
+        </p:sp>
+        <p:sp>
+          <p:nvSpPr>
+            <p:cNvPr id="3087" name="AutoShape 15"/>
+            <p:cNvSpPr>
+              <a:spLocks noChangeArrowheads="1"/>
+            </p:cNvSpPr>
+            <p:nvPr/>
+          </p:nvSpPr>
+          <p:spPr bwMode="auto">
+            <a:xfrm>
+              <a:off x="3504" y="2976"/>
+              <a:ext cx="96" cy="96"/>
+            </a:xfrm>
+            <a:prstGeom prst="octagon">
+              <a:avLst>
+                <a:gd name="adj" fmla="val 29287"/>
+              </a:avLst>
+            </a:prstGeom>
+            <a:solidFill>
+              <a:schemeClr val="accent1"/>
+            </a:solidFill>
+            <a:ln w="9525">
+              <a:solidFill>
+                <a:schemeClr val="tx1"/>
+              </a:solidFill>
+              <a:miter lim="800000"/>
+              <a:headEnd/>
+              <a:tailEnd/>
+            </a:ln>
+            <a:effectLst/>
+            <a:extLst>
+              <a:ext uri="{AF507438-7753-43e0-B8FC-AC1667EBCBE1}">
+                <a14:hiddenEffects xmlns:a14="http://schemas.microsoft.com/office/drawing/2010/main">
+                  <a:effectLst>
+                    <a:outerShdw blurRad="63500" dist="38099" dir="2700000" algn="ctr" rotWithShape="0">
+                      <a:schemeClr val="bg2">
+                        <a:alpha val="74998"/>
+                      </a:schemeClr>
+                    </a:outerShdw>
+                  </a:effectLst>
+                </a14:hiddenEffects>
+              </a:ext>
+            </a:extLst>
+          </p:spPr>
+          <p:txBody>
+            <a:bodyPr wrap="none" anchor="ctr"/>
+            <a:lstStyle/>
+            <a:p>
+              <a:endParaRPr lang="en-US"/>
+            </a:p>
+          </p:txBody>
+        </p:sp>
+        <p:sp>
+          <p:nvSpPr>
+            <p:cNvPr id="3088" name="AutoShape 16"/>
+            <p:cNvSpPr>
+              <a:spLocks noChangeArrowheads="1"/>
+            </p:cNvSpPr>
+            <p:nvPr/>
+          </p:nvSpPr>
+          <p:spPr bwMode="auto">
+            <a:xfrm>
+              <a:off x="3168" y="2976"/>
+              <a:ext cx="96" cy="96"/>
+            </a:xfrm>
+            <a:prstGeom prst="octagon">
+              <a:avLst>
+                <a:gd name="adj" fmla="val 29287"/>
+              </a:avLst>
+            </a:prstGeom>
+            <a:solidFill>
+              <a:schemeClr val="accent1"/>
+            </a:solidFill>
+            <a:ln w="9525">
+              <a:solidFill>
+                <a:schemeClr val="tx1"/>
+              </a:solidFill>
+              <a:miter lim="800000"/>
+              <a:headEnd/>
+              <a:tailEnd/>
+            </a:ln>
+            <a:effectLst/>
+            <a:extLst>
+              <a:ext uri="{AF507438-7753-43e0-B8FC-AC1667EBCBE1}">
+                <a14:hiddenEffects xmlns:a14="http://schemas.microsoft.com/office/drawing/2010/main">
+                  <a:effectLst>
+                    <a:outerShdw blurRad="63500" dist="38099" dir="2700000" algn="ctr" rotWithShape="0">
+                      <a:schemeClr val="bg2">
+                        <a:alpha val="74998"/>
+                      </a:schemeClr>
+                    </a:outerShdw>
+                  </a:effectLst>
+                </a14:hiddenEffects>
+              </a:ext>
+            </a:extLst>
+          </p:spPr>
+          <p:txBody>
+            <a:bodyPr wrap="none" anchor="ctr"/>
+            <a:lstStyle/>
+            <a:p>
+              <a:endParaRPr lang="en-US"/>
+            </a:p>
+          </p:txBody>
+        </p:sp>
+        <p:sp>
+          <p:nvSpPr>
+            <p:cNvPr id="3089" name="AutoShape 17"/>
+            <p:cNvSpPr>
+              <a:spLocks noChangeArrowheads="1"/>
+            </p:cNvSpPr>
+            <p:nvPr/>
+          </p:nvSpPr>
+          <p:spPr bwMode="auto">
+            <a:xfrm>
+              <a:off x="2160" y="3264"/>
+              <a:ext cx="96" cy="96"/>
+            </a:xfrm>
+            <a:prstGeom prst="octagon">
+              <a:avLst>
+                <a:gd name="adj" fmla="val 29287"/>
+              </a:avLst>
+            </a:prstGeom>
+            <a:solidFill>
+              <a:srgbClr val="FF0066"/>
+            </a:solidFill>
+            <a:ln w="9525">
+              <a:solidFill>
+                <a:schemeClr val="tx1"/>
+              </a:solidFill>
+              <a:miter lim="800000"/>
+              <a:headEnd/>
+              <a:tailEnd/>
+            </a:ln>
+            <a:effectLst/>
+            <a:extLst>
+              <a:ext uri="{AF507438-7753-43e0-B8FC-AC1667EBCBE1}">
+                <a14:hiddenEffects xmlns:a14="http://schemas.microsoft.com/office/drawing/2010/main">
+                  <a:effectLst>
+                    <a:outerShdw blurRad="63500" dist="38099" dir="2700000" algn="ctr" rotWithShape="0">
+                      <a:schemeClr val="bg2">
+                        <a:alpha val="74998"/>
+                      </a:schemeClr>
+                    </a:outerShdw>
+                  </a:effectLst>
+                </a14:hiddenEffects>
+              </a:ext>
+            </a:extLst>
+          </p:spPr>
+          <p:txBody>
+            <a:bodyPr wrap="none" anchor="ctr"/>
+            <a:lstStyle/>
+            <a:p>
+              <a:endParaRPr lang="en-US"/>
+            </a:p>
+          </p:txBody>
+        </p:sp>
+        <p:sp>
+          <p:nvSpPr>
+            <p:cNvPr id="3090" name="AutoShape 18"/>
+            <p:cNvSpPr>
+              <a:spLocks noChangeArrowheads="1"/>
+            </p:cNvSpPr>
+            <p:nvPr/>
+          </p:nvSpPr>
+          <p:spPr bwMode="auto">
+            <a:xfrm>
+              <a:off x="2304" y="3312"/>
+              <a:ext cx="96" cy="96"/>
+            </a:xfrm>
+            <a:prstGeom prst="octagon">
+              <a:avLst>
+                <a:gd name="adj" fmla="val 29287"/>
+              </a:avLst>
+            </a:prstGeom>
+            <a:solidFill>
+              <a:srgbClr val="FF0066"/>
+            </a:solidFill>
+            <a:ln w="9525">
+              <a:solidFill>
+                <a:schemeClr val="tx1"/>
+              </a:solidFill>
+              <a:miter lim="800000"/>
+              <a:headEnd/>
+              <a:tailEnd/>
+            </a:ln>
+            <a:effectLst/>
+            <a:extLst>
+              <a:ext uri="{AF507438-7753-43e0-B8FC-AC1667EBCBE1}">
+                <a14:hiddenEffects xmlns:a14="http://schemas.microsoft.com/office/drawing/2010/main">
+                  <a:effectLst>
+                    <a:outerShdw blurRad="63500" dist="38099" dir="2700000" algn="ctr" rotWithShape="0">
+                      <a:schemeClr val="bg2">
+                        <a:alpha val="74998"/>
+                      </a:schemeClr>
+                    </a:outerShdw>
+                  </a:effectLst>
+                </a14:hiddenEffects>
+              </a:ext>
+            </a:extLst>
+          </p:spPr>
+          <p:txBody>
+            <a:bodyPr wrap="none" anchor="ctr"/>
+            <a:lstStyle/>
+            <a:p>
+              <a:endParaRPr lang="en-US"/>
+            </a:p>
+          </p:txBody>
+        </p:sp>
+        <p:sp>
+          <p:nvSpPr>
+            <p:cNvPr id="3091" name="AutoShape 19"/>
+            <p:cNvSpPr>
+              <a:spLocks noChangeArrowheads="1"/>
+            </p:cNvSpPr>
+            <p:nvPr/>
+          </p:nvSpPr>
+          <p:spPr bwMode="auto">
+            <a:xfrm>
+              <a:off x="2304" y="3456"/>
+              <a:ext cx="96" cy="96"/>
+            </a:xfrm>
+            <a:prstGeom prst="octagon">
+              <a:avLst>
+                <a:gd name="adj" fmla="val 29287"/>
+              </a:avLst>
+            </a:prstGeom>
+            <a:solidFill>
+              <a:srgbClr val="FF0066"/>
+            </a:solidFill>
+            <a:ln w="9525">
+              <a:solidFill>
+                <a:schemeClr val="tx1"/>
+              </a:solidFill>
+              <a:miter lim="800000"/>
+              <a:headEnd/>
+              <a:tailEnd/>
+            </a:ln>
+            <a:effectLst/>
+            <a:extLst>
+              <a:ext uri="{AF507438-7753-43e0-B8FC-AC1667EBCBE1}">
+                <a14:hiddenEffects xmlns:a14="http://schemas.microsoft.com/office/drawing/2010/main">
+                  <a:effectLst>
+                    <a:outerShdw blurRad="63500" dist="38099" dir="2700000" algn="ctr" rotWithShape="0">
+                      <a:schemeClr val="bg2">
+                        <a:alpha val="74998"/>
+                      </a:schemeClr>
+                    </a:outerShdw>
+                  </a:effectLst>
+                </a14:hiddenEffects>
+              </a:ext>
+            </a:extLst>
+          </p:spPr>
+          <p:txBody>
+            <a:bodyPr wrap="none" anchor="ctr"/>
+            <a:lstStyle/>
+            <a:p>
+              <a:endParaRPr lang="en-US"/>
+            </a:p>
+          </p:txBody>
+        </p:sp>
+        <p:sp>
+          <p:nvSpPr>
+            <p:cNvPr id="3092" name="AutoShape 20"/>
+            <p:cNvSpPr>
+              <a:spLocks noChangeArrowheads="1"/>
+            </p:cNvSpPr>
+            <p:nvPr/>
+          </p:nvSpPr>
+          <p:spPr bwMode="auto">
+            <a:xfrm>
+              <a:off x="2448" y="3312"/>
+              <a:ext cx="96" cy="96"/>
+            </a:xfrm>
+            <a:prstGeom prst="octagon">
+              <a:avLst>
+                <a:gd name="adj" fmla="val 29287"/>
+              </a:avLst>
+            </a:prstGeom>
+            <a:solidFill>
+              <a:srgbClr val="FF0066"/>
+            </a:solidFill>
+            <a:ln w="9525">
+              <a:solidFill>
+                <a:schemeClr val="tx1"/>
+              </a:solidFill>
+              <a:miter lim="800000"/>
+              <a:headEnd/>
+              <a:tailEnd/>
+            </a:ln>
+            <a:effectLst/>
+            <a:extLst>
+              <a:ext uri="{AF507438-7753-43e0-B8FC-AC1667EBCBE1}">
+                <a14:hiddenEffects xmlns:a14="http://schemas.microsoft.com/office/drawing/2010/main">
+                  <a:effectLst>
+                    <a:outerShdw blurRad="63500" dist="38099" dir="2700000" algn="ctr" rotWithShape="0">
+                      <a:schemeClr val="bg2">
+                        <a:alpha val="74998"/>
+                      </a:schemeClr>
+                    </a:outerShdw>
+                  </a:effectLst>
+                </a14:hiddenEffects>
+              </a:ext>
+            </a:extLst>
+          </p:spPr>
+          <p:txBody>
+            <a:bodyPr wrap="none" anchor="ctr"/>
+            <a:lstStyle/>
+            <a:p>
+              <a:endParaRPr lang="en-US"/>
+            </a:p>
+          </p:txBody>
+        </p:sp>
+        <p:sp>
+          <p:nvSpPr>
+            <p:cNvPr id="3093" name="AutoShape 21"/>
+            <p:cNvSpPr>
+              <a:spLocks noChangeArrowheads="1"/>
+            </p:cNvSpPr>
+            <p:nvPr/>
+          </p:nvSpPr>
+          <p:spPr bwMode="auto">
+            <a:xfrm>
+              <a:off x="2352" y="3168"/>
+              <a:ext cx="96" cy="96"/>
+            </a:xfrm>
+            <a:prstGeom prst="octagon">
+              <a:avLst>
+                <a:gd name="adj" fmla="val 29287"/>
+              </a:avLst>
+            </a:prstGeom>
+            <a:solidFill>
+              <a:srgbClr val="FF0066"/>
+            </a:solidFill>
+            <a:ln w="9525">
+              <a:solidFill>
+                <a:schemeClr val="tx1"/>
+              </a:solidFill>
+              <a:miter lim="800000"/>
+              <a:headEnd/>
+              <a:tailEnd/>
+            </a:ln>
+            <a:effectLst/>
+            <a:extLst>
+              <a:ext uri="{AF507438-7753-43e0-B8FC-AC1667EBCBE1}">
+                <a14:hiddenEffects xmlns:a14="http://schemas.microsoft.com/office/drawing/2010/main">
+                  <a:effectLst>
+                    <a:outerShdw blurRad="63500" dist="38099" dir="2700000" algn="ctr" rotWithShape="0">
+                      <a:schemeClr val="bg2">
+                        <a:alpha val="74998"/>
+                      </a:schemeClr>
+                    </a:outerShdw>
+                  </a:effectLst>
+                </a14:hiddenEffects>
+              </a:ext>
+            </a:extLst>
+          </p:spPr>
+          <p:txBody>
+            <a:bodyPr wrap="none" anchor="ctr"/>
+            <a:lstStyle/>
+            <a:p>
+              <a:endParaRPr lang="en-US"/>
+            </a:p>
+          </p:txBody>
+        </p:sp>
+        <p:sp>
+          <p:nvSpPr>
+            <p:cNvPr id="3094" name="AutoShape 22"/>
+            <p:cNvSpPr>
+              <a:spLocks noChangeArrowheads="1"/>
+            </p:cNvSpPr>
+            <p:nvPr/>
+          </p:nvSpPr>
+          <p:spPr bwMode="auto">
+            <a:xfrm>
+              <a:off x="2448" y="3456"/>
+              <a:ext cx="96" cy="96"/>
+            </a:xfrm>
+            <a:prstGeom prst="octagon">
+              <a:avLst>
+                <a:gd name="adj" fmla="val 29287"/>
+              </a:avLst>
+            </a:prstGeom>
+            <a:solidFill>
+              <a:srgbClr val="FF0066"/>
+            </a:solidFill>
+            <a:ln w="9525">
+              <a:solidFill>
+                <a:schemeClr val="tx1"/>
+              </a:solidFill>
+              <a:miter lim="800000"/>
+              <a:headEnd/>
+              <a:tailEnd/>
+            </a:ln>
+            <a:effectLst/>
+            <a:extLst>
+              <a:ext uri="{AF507438-7753-43e0-B8FC-AC1667EBCBE1}">
+                <a14:hiddenEffects xmlns:a14="http://schemas.microsoft.com/office/drawing/2010/main">
+                  <a:effectLst>
+                    <a:outerShdw blurRad="63500" dist="38099" dir="2700000" algn="ctr" rotWithShape="0">
+                      <a:schemeClr val="bg2">
+                        <a:alpha val="74998"/>
+                      </a:schemeClr>
+                    </a:outerShdw>
+                  </a:effectLst>
+                </a14:hiddenEffects>
+              </a:ext>
+            </a:extLst>
+          </p:spPr>
+          <p:txBody>
+            <a:bodyPr wrap="none" anchor="ctr"/>
+            <a:lstStyle/>
+            <a:p>
+              <a:endParaRPr lang="en-US"/>
+            </a:p>
+          </p:txBody>
+        </p:sp>
+        <p:sp>
+          <p:nvSpPr>
+            <p:cNvPr id="3095" name="AutoShape 23"/>
+            <p:cNvSpPr>
+              <a:spLocks noChangeArrowheads="1"/>
+            </p:cNvSpPr>
+            <p:nvPr/>
+          </p:nvSpPr>
+          <p:spPr bwMode="auto">
+            <a:xfrm>
+              <a:off x="2160" y="3408"/>
+              <a:ext cx="96" cy="96"/>
+            </a:xfrm>
+            <a:prstGeom prst="octagon">
+              <a:avLst>
+                <a:gd name="adj" fmla="val 29287"/>
+              </a:avLst>
+            </a:prstGeom>
+            <a:solidFill>
+              <a:srgbClr val="FF0066"/>
+            </a:solidFill>
+            <a:ln w="9525">
+              <a:solidFill>
+                <a:schemeClr val="tx1"/>
+              </a:solidFill>
+              <a:miter lim="800000"/>
+              <a:headEnd/>
+              <a:tailEnd/>
+            </a:ln>
+            <a:effectLst/>
+            <a:extLst>
+              <a:ext uri="{AF507438-7753-43e0-B8FC-AC1667EBCBE1}">
+                <a14:hiddenEffects xmlns:a14="http://schemas.microsoft.com/office/drawing/2010/main">
+                  <a:effectLst>
+                    <a:outerShdw blurRad="63500" dist="38099" dir="2700000" algn="ctr" rotWithShape="0">
+                      <a:schemeClr val="bg2">
+                        <a:alpha val="74998"/>
+                      </a:schemeClr>
+                    </a:outerShdw>
+                  </a:effectLst>
+                </a14:hiddenEffects>
+              </a:ext>
+            </a:extLst>
+          </p:spPr>
+          <p:txBody>
+            <a:bodyPr wrap="none" anchor="ctr"/>
+            <a:lstStyle/>
+            <a:p>
+              <a:endParaRPr lang="en-US"/>
+            </a:p>
+          </p:txBody>
+        </p:sp>
+        <p:sp>
+          <p:nvSpPr>
+            <p:cNvPr id="3096" name="AutoShape 24"/>
+            <p:cNvSpPr>
+              <a:spLocks noChangeArrowheads="1"/>
+            </p:cNvSpPr>
+            <p:nvPr/>
+          </p:nvSpPr>
+          <p:spPr bwMode="auto">
+            <a:xfrm>
+              <a:off x="3504" y="3552"/>
+              <a:ext cx="96" cy="96"/>
+            </a:xfrm>
+            <a:prstGeom prst="octagon">
+              <a:avLst>
+                <a:gd name="adj" fmla="val 29287"/>
+              </a:avLst>
+            </a:prstGeom>
+            <a:solidFill>
+              <a:schemeClr val="accent2"/>
+            </a:solidFill>
+            <a:ln w="9525">
+              <a:solidFill>
+                <a:schemeClr val="tx1"/>
+              </a:solidFill>
+              <a:miter lim="800000"/>
+              <a:headEnd/>
+              <a:tailEnd/>
+            </a:ln>
+            <a:effectLst/>
+            <a:extLst>
+              <a:ext uri="{AF507438-7753-43e0-B8FC-AC1667EBCBE1}">
+                <a14:hiddenEffects xmlns:a14="http://schemas.microsoft.com/office/drawing/2010/main">
+                  <a:effectLst>
+                    <a:outerShdw blurRad="63500" dist="38099" dir="2700000" algn="ctr" rotWithShape="0">
+                      <a:schemeClr val="bg2">
+                        <a:alpha val="74998"/>
+                      </a:schemeClr>
+                    </a:outerShdw>
+                  </a:effectLst>
+                </a14:hiddenEffects>
+              </a:ext>
+            </a:extLst>
+          </p:spPr>
+          <p:txBody>
+            <a:bodyPr wrap="none" anchor="ctr"/>
+            <a:lstStyle/>
+            <a:p>
+              <a:endParaRPr lang="en-US"/>
+            </a:p>
+          </p:txBody>
+        </p:sp>
+        <p:sp>
+          <p:nvSpPr>
+            <p:cNvPr id="3097" name="AutoShape 25"/>
+            <p:cNvSpPr>
+              <a:spLocks noChangeArrowheads="1"/>
+            </p:cNvSpPr>
+            <p:nvPr/>
+          </p:nvSpPr>
+          <p:spPr bwMode="auto">
+            <a:xfrm>
+              <a:off x="3792" y="3600"/>
+              <a:ext cx="96" cy="96"/>
+            </a:xfrm>
+            <a:prstGeom prst="octagon">
+              <a:avLst>
+                <a:gd name="adj" fmla="val 29287"/>
+              </a:avLst>
+            </a:prstGeom>
+            <a:solidFill>
+              <a:schemeClr val="accent2"/>
+            </a:solidFill>
+            <a:ln w="9525">
+              <a:solidFill>
+                <a:schemeClr val="tx1"/>
+              </a:solidFill>
+              <a:miter lim="800000"/>
+              <a:headEnd/>
+              <a:tailEnd/>
+            </a:ln>
+            <a:effectLst/>
+            <a:extLst>
+              <a:ext uri="{AF507438-7753-43e0-B8FC-AC1667EBCBE1}">
+                <a14:hiddenEffects xmlns:a14="http://schemas.microsoft.com/office/drawing/2010/main">
+                  <a:effectLst>
+                    <a:outerShdw blurRad="63500" dist="38099" dir="2700000" algn="ctr" rotWithShape="0">
+                      <a:schemeClr val="bg2">
+                        <a:alpha val="74998"/>
+                      </a:schemeClr>
+                    </a:outerShdw>
+                  </a:effectLst>
+                </a14:hiddenEffects>
+              </a:ext>
+            </a:extLst>
+          </p:spPr>
+          <p:txBody>
+            <a:bodyPr wrap="none" anchor="ctr"/>
+            <a:lstStyle/>
+            <a:p>
+              <a:endParaRPr lang="en-US"/>
+            </a:p>
+          </p:txBody>
+        </p:sp>
+        <p:sp>
+          <p:nvSpPr>
+            <p:cNvPr id="3098" name="AutoShape 26"/>
+            <p:cNvSpPr>
+              <a:spLocks noChangeArrowheads="1"/>
+            </p:cNvSpPr>
+            <p:nvPr/>
+          </p:nvSpPr>
+          <p:spPr bwMode="auto">
+            <a:xfrm>
+              <a:off x="3648" y="3696"/>
+              <a:ext cx="96" cy="96"/>
+            </a:xfrm>
+            <a:prstGeom prst="octagon">
+              <a:avLst>
+                <a:gd name="adj" fmla="val 29287"/>
+              </a:avLst>
+            </a:prstGeom>
+            <a:solidFill>
+              <a:schemeClr val="accent2"/>
+            </a:solidFill>
+            <a:ln w="9525">
+              <a:solidFill>
+                <a:schemeClr val="tx1"/>
+              </a:solidFill>
+              <a:miter lim="800000"/>
+              <a:headEnd/>
+              <a:tailEnd/>
+            </a:ln>
+            <a:effectLst/>
+            <a:extLst>
+              <a:ext uri="{AF507438-7753-43e0-B8FC-AC1667EBCBE1}">
+                <a14:hiddenEffects xmlns:a14="http://schemas.microsoft.com/office/drawing/2010/main">
+                  <a:effectLst>
+                    <a:outerShdw blurRad="63500" dist="38099" dir="2700000" algn="ctr" rotWithShape="0">
+                      <a:schemeClr val="bg2">
+                        <a:alpha val="74998"/>
+                      </a:schemeClr>
+                    </a:outerShdw>
+                  </a:effectLst>
+                </a14:hiddenEffects>
+              </a:ext>
+            </a:extLst>
+          </p:spPr>
+          <p:txBody>
+            <a:bodyPr wrap="none" anchor="ctr"/>
+            <a:lstStyle/>
+            <a:p>
+              <a:endParaRPr lang="en-US"/>
+            </a:p>
+          </p:txBody>
+        </p:sp>
+        <p:sp>
+          <p:nvSpPr>
+            <p:cNvPr id="3099" name="AutoShape 27"/>
+            <p:cNvSpPr>
+              <a:spLocks noChangeArrowheads="1"/>
+            </p:cNvSpPr>
+            <p:nvPr/>
+          </p:nvSpPr>
+          <p:spPr bwMode="auto">
+            <a:xfrm>
+              <a:off x="3504" y="3792"/>
+              <a:ext cx="96" cy="96"/>
+            </a:xfrm>
+            <a:prstGeom prst="octagon">
+              <a:avLst>
+                <a:gd name="adj" fmla="val 29287"/>
+              </a:avLst>
+            </a:prstGeom>
+            <a:solidFill>
+              <a:schemeClr val="accent2"/>
+            </a:solidFill>
+            <a:ln w="9525">
+              <a:solidFill>
+                <a:schemeClr val="tx1"/>
+              </a:solidFill>
+              <a:miter lim="800000"/>
+              <a:headEnd/>
+              <a:tailEnd/>
+            </a:ln>
+            <a:effectLst/>
+            <a:extLst>
+              <a:ext uri="{AF507438-7753-43e0-B8FC-AC1667EBCBE1}">
+                <a14:hiddenEffects xmlns:a14="http://schemas.microsoft.com/office/drawing/2010/main">
+                  <a:effectLst>
+                    <a:outerShdw blurRad="63500" dist="38099" dir="2700000" algn="ctr" rotWithShape="0">
+                      <a:schemeClr val="bg2">
+                        <a:alpha val="74998"/>
+                      </a:schemeClr>
+                    </a:outerShdw>
+                  </a:effectLst>
+                </a14:hiddenEffects>
+              </a:ext>
+            </a:extLst>
+          </p:spPr>
+          <p:txBody>
+            <a:bodyPr wrap="none" anchor="ctr"/>
+            <a:lstStyle/>
+            <a:p>
+              <a:endParaRPr lang="en-US"/>
+            </a:p>
+          </p:txBody>
+        </p:sp>
+        <p:sp>
+          <p:nvSpPr>
+            <p:cNvPr id="3100" name="AutoShape 28"/>
+            <p:cNvSpPr>
+              <a:spLocks noChangeArrowheads="1"/>
+            </p:cNvSpPr>
+            <p:nvPr/>
+          </p:nvSpPr>
+          <p:spPr bwMode="auto">
+            <a:xfrm>
+              <a:off x="3696" y="3792"/>
+              <a:ext cx="96" cy="96"/>
+            </a:xfrm>
+            <a:prstGeom prst="octagon">
+              <a:avLst>
+                <a:gd name="adj" fmla="val 29287"/>
+              </a:avLst>
+            </a:prstGeom>
+            <a:solidFill>
+              <a:schemeClr val="accent2"/>
+            </a:solidFill>
+            <a:ln w="9525">
+              <a:solidFill>
+                <a:schemeClr val="tx1"/>
+              </a:solidFill>
+              <a:miter lim="800000"/>
+              <a:headEnd/>
+              <a:tailEnd/>
+            </a:ln>
+            <a:effectLst/>
+            <a:extLst>
+              <a:ext uri="{AF507438-7753-43e0-B8FC-AC1667EBCBE1}">
+                <a14:hiddenEffects xmlns:a14="http://schemas.microsoft.com/office/drawing/2010/main">
+                  <a:effectLst>
+                    <a:outerShdw blurRad="63500" dist="38099" dir="2700000" algn="ctr" rotWithShape="0">
+                      <a:schemeClr val="bg2">
+                        <a:alpha val="74998"/>
+                      </a:schemeClr>
+                    </a:outerShdw>
+                  </a:effectLst>
+                </a14:hiddenEffects>
+              </a:ext>
+            </a:extLst>
+          </p:spPr>
+          <p:txBody>
+            <a:bodyPr wrap="none" anchor="ctr"/>
+            <a:lstStyle/>
+            <a:p>
+              <a:endParaRPr lang="en-US"/>
+            </a:p>
+          </p:txBody>
+        </p:sp>
+        <p:sp>
+          <p:nvSpPr>
+            <p:cNvPr id="3101" name="AutoShape 29"/>
+            <p:cNvSpPr>
+              <a:spLocks noChangeArrowheads="1"/>
+            </p:cNvSpPr>
+            <p:nvPr/>
+          </p:nvSpPr>
+          <p:spPr bwMode="auto">
+            <a:xfrm flipV="1">
+              <a:off x="3504" y="3648"/>
+              <a:ext cx="96" cy="96"/>
+            </a:xfrm>
+            <a:prstGeom prst="octagon">
+              <a:avLst>
+                <a:gd name="adj" fmla="val 29287"/>
+              </a:avLst>
+            </a:prstGeom>
+            <a:solidFill>
+              <a:schemeClr val="accent2"/>
+            </a:solidFill>
+            <a:ln w="9525">
+              <a:solidFill>
+                <a:schemeClr val="tx1"/>
+              </a:solidFill>
+              <a:miter lim="800000"/>
+              <a:headEnd/>
+              <a:tailEnd/>
+            </a:ln>
+            <a:effectLst/>
+            <a:extLst>
+              <a:ext uri="{AF507438-7753-43e0-B8FC-AC1667EBCBE1}">
+                <a14:hiddenEffects xmlns:a14="http://schemas.microsoft.com/office/drawing/2010/main">
+                  <a:effectLst>
+                    <a:outerShdw blurRad="63500" dist="38099" dir="2700000" algn="ctr" rotWithShape="0">
+                      <a:schemeClr val="bg2">
+                        <a:alpha val="74998"/>
+                      </a:schemeClr>
+                    </a:outerShdw>
+                  </a:effectLst>
+                </a14:hiddenEffects>
+              </a:ext>
+            </a:extLst>
+          </p:spPr>
+          <p:txBody>
+            <a:bodyPr wrap="none" anchor="ctr"/>
+            <a:lstStyle/>
+            <a:p>
+              <a:endParaRPr lang="en-US"/>
+            </a:p>
+          </p:txBody>
+        </p:sp>
+        <p:sp>
+          <p:nvSpPr>
+            <p:cNvPr id="3102" name="AutoShape 30"/>
+            <p:cNvSpPr>
+              <a:spLocks noChangeArrowheads="1"/>
+            </p:cNvSpPr>
+            <p:nvPr/>
+          </p:nvSpPr>
+          <p:spPr bwMode="auto">
+            <a:xfrm>
+              <a:off x="3696" y="3504"/>
+              <a:ext cx="96" cy="96"/>
+            </a:xfrm>
+            <a:prstGeom prst="octagon">
+              <a:avLst>
+                <a:gd name="adj" fmla="val 29287"/>
+              </a:avLst>
+            </a:prstGeom>
+            <a:solidFill>
+              <a:schemeClr val="accent2"/>
+            </a:solidFill>
+            <a:ln w="9525">
+              <a:solidFill>
+                <a:schemeClr val="tx1"/>
+              </a:solidFill>
+              <a:miter lim="800000"/>
+              <a:headEnd/>
+              <a:tailEnd/>
+            </a:ln>
+            <a:effectLst/>
+            <a:extLst>
+              <a:ext uri="{AF507438-7753-43e0-B8FC-AC1667EBCBE1}">
+                <a14:hiddenEffects xmlns:a14="http://schemas.microsoft.com/office/drawing/2010/main">
+                  <a:effectLst>
+                    <a:outerShdw blurRad="63500" dist="38099" dir="2700000" algn="ctr" rotWithShape="0">
+                      <a:schemeClr val="bg2">
+                        <a:alpha val="74998"/>
+                      </a:schemeClr>
+                    </a:outerShdw>
+                  </a:effectLst>
+                </a14:hiddenEffects>
+              </a:ext>
+            </a:extLst>
+          </p:spPr>
+          <p:txBody>
+            <a:bodyPr wrap="none" anchor="ctr"/>
+            <a:lstStyle/>
+            <a:p>
+              <a:endParaRPr lang="en-US"/>
+            </a:p>
+          </p:txBody>
+        </p:sp>
+      </p:grpSp>
+      <p:grpSp>
+        <p:nvGrpSpPr>
+          <p:cNvPr id="3103" name="Group 31"/>
+          <p:cNvGrpSpPr>
+            <a:grpSpLocks/>
+          </p:cNvGrpSpPr>
+          <p:nvPr/>
+        </p:nvGrpSpPr>
+        <p:grpSpPr bwMode="auto">
+          <a:xfrm>
+            <a:off x="5257800" y="2667000"/>
+            <a:ext cx="3048000" cy="2514600"/>
+            <a:chOff x="3312" y="1584"/>
+            <a:chExt cx="1920" cy="1584"/>
+          </a:xfrm>
+        </p:grpSpPr>
+        <p:sp>
+          <p:nvSpPr>
+            <p:cNvPr id="3104" name="Line 32"/>
+            <p:cNvSpPr>
+              <a:spLocks noChangeShapeType="1"/>
+            </p:cNvSpPr>
+            <p:nvPr/>
+          </p:nvSpPr>
+          <p:spPr bwMode="auto">
+            <a:xfrm flipH="1" flipV="1">
+              <a:off x="3312" y="2736"/>
+              <a:ext cx="144" cy="432"/>
+            </a:xfrm>
+            <a:prstGeom prst="line">
+              <a:avLst/>
+            </a:prstGeom>
+            <a:noFill/>
+            <a:ln w="25400">
+              <a:solidFill>
+                <a:srgbClr val="CC6600"/>
+              </a:solidFill>
+              <a:round/>
+              <a:headEnd type="triangle" w="med" len="med"/>
+              <a:tailEnd type="triangle" w="med" len="med"/>
+            </a:ln>
+            <a:effectLst/>
+            <a:extLst>
+              <a:ext uri="{909E8E84-426E-40dd-AFC4-6F175D3DCCD1}">
+                <a14:hiddenFill xmlns:a14="http://schemas.microsoft.com/office/drawing/2010/main">
+                  <a:noFill/>
+                </a14:hiddenFill>
+              </a:ext>
+              <a:ext uri="{AF507438-7753-43e0-B8FC-AC1667EBCBE1}">
+                <a14:hiddenEffects xmlns:a14="http://schemas.microsoft.com/office/drawing/2010/main">
+                  <a:effectLst>
+                    <a:outerShdw blurRad="63500" dist="38099" dir="2700000" algn="ctr" rotWithShape="0">
+                      <a:schemeClr val="bg2">
+                        <a:alpha val="74998"/>
+                      </a:schemeClr>
+                    </a:outerShdw>
+                  </a:effectLst>
+                </a14:hiddenEffects>
+              </a:ext>
+            </a:extLst>
+          </p:spPr>
+          <p:txBody>
+            <a:bodyPr/>
+            <a:lstStyle/>
+            <a:p>
+              <a:endParaRPr lang="en-US"/>
+            </a:p>
+          </p:txBody>
+        </p:sp>
+        <p:sp>
+          <p:nvSpPr>
+            <p:cNvPr id="3105" name="AutoShape 33"/>
+            <p:cNvSpPr>
+              <a:spLocks noChangeArrowheads="1"/>
+            </p:cNvSpPr>
+            <p:nvPr/>
+          </p:nvSpPr>
+          <p:spPr bwMode="auto">
+            <a:xfrm>
+              <a:off x="3984" y="1584"/>
+              <a:ext cx="1248" cy="672"/>
+            </a:xfrm>
+            <a:prstGeom prst="wedgeRectCallout">
+              <a:avLst>
+                <a:gd name="adj1" fmla="val -93509"/>
+                <a:gd name="adj2" fmla="val 150894"/>
+              </a:avLst>
+            </a:prstGeom>
+            <a:solidFill>
+              <a:srgbClr val="00FFFF"/>
+            </a:solidFill>
+            <a:ln w="25400">
+              <a:solidFill>
+                <a:schemeClr val="tx1"/>
+              </a:solidFill>
+              <a:miter lim="800000"/>
+              <a:headEnd/>
+              <a:tailEnd/>
+            </a:ln>
+            <a:effectLst/>
+            <a:extLst>
+              <a:ext uri="{AF507438-7753-43e0-B8FC-AC1667EBCBE1}">
+                <a14:hiddenEffects xmlns:a14="http://schemas.microsoft.com/office/drawing/2010/main">
+                  <a:effectLst>
+                    <a:outerShdw blurRad="63500" dist="38099" dir="2700000" algn="ctr" rotWithShape="0">
+                      <a:schemeClr val="bg2">
+                        <a:alpha val="74998"/>
+                      </a:schemeClr>
+                    </a:outerShdw>
+                  </a:effectLst>
+                </a14:hiddenEffects>
+              </a:ext>
+            </a:extLst>
+          </p:spPr>
+          <p:txBody>
+            <a:bodyPr/>
+            <a:lstStyle/>
+            <a:p>
+              <a:pPr algn="ctr">
+                <a:spcBef>
+                  <a:spcPct val="50000"/>
+                </a:spcBef>
+              </a:pPr>
+              <a:r>
+                <a:rPr lang="en-US" sz="2000">
+                  <a:latin typeface="Tahoma" charset="0"/>
+                </a:rPr>
+                <a:t>Inter-cluster distances are maximized</a:t>
+              </a:r>
+            </a:p>
+          </p:txBody>
+        </p:sp>
+      </p:grpSp>
+      <p:grpSp>
+        <p:nvGrpSpPr>
+          <p:cNvPr id="3106" name="Group 34"/>
+          <p:cNvGrpSpPr>
+            <a:grpSpLocks/>
+          </p:cNvGrpSpPr>
+          <p:nvPr/>
+        </p:nvGrpSpPr>
+        <p:grpSpPr bwMode="auto">
+          <a:xfrm>
+            <a:off x="2895600" y="3657600"/>
+            <a:ext cx="3276600" cy="2286000"/>
+            <a:chOff x="1824" y="2208"/>
+            <a:chExt cx="2064" cy="1440"/>
+          </a:xfrm>
+        </p:grpSpPr>
+        <p:sp>
+          <p:nvSpPr>
+            <p:cNvPr id="3107" name="Oval 35"/>
+            <p:cNvSpPr>
+              <a:spLocks noChangeArrowheads="1"/>
+            </p:cNvSpPr>
+            <p:nvPr/>
+          </p:nvSpPr>
+          <p:spPr bwMode="auto">
+            <a:xfrm>
+              <a:off x="1824" y="2592"/>
+              <a:ext cx="816" cy="720"/>
+            </a:xfrm>
+            <a:prstGeom prst="ellipse">
+              <a:avLst/>
+            </a:prstGeom>
+            <a:noFill/>
+            <a:ln w="25400">
+              <a:solidFill>
+                <a:srgbClr val="FF0000"/>
+              </a:solidFill>
+              <a:round/>
+              <a:headEnd/>
+              <a:tailEnd/>
+            </a:ln>
+            <a:effectLst/>
+            <a:extLst>
+              <a:ext uri="{909E8E84-426E-40dd-AFC4-6F175D3DCCD1}">
+                <a14:hiddenFill xmlns:a14="http://schemas.microsoft.com/office/drawing/2010/main">
+                  <a:solidFill>
+                    <a:schemeClr val="accent1"/>
+                  </a:solidFill>
+                </a14:hiddenFill>
+              </a:ext>
+              <a:ext uri="{AF507438-7753-43e0-B8FC-AC1667EBCBE1}">
+                <a14:hiddenEffects xmlns:a14="http://schemas.microsoft.com/office/drawing/2010/main">
+                  <a:effectLst>
+                    <a:outerShdw blurRad="63500" dist="38099" dir="2700000" algn="ctr" rotWithShape="0">
+                      <a:schemeClr val="bg2">
+                        <a:alpha val="74998"/>
+                      </a:schemeClr>
+                    </a:outerShdw>
+                  </a:effectLst>
+                </a14:hiddenEffects>
+              </a:ext>
+            </a:extLst>
+          </p:spPr>
+          <p:txBody>
+            <a:bodyPr wrap="none" anchor="ctr"/>
+            <a:lstStyle/>
+            <a:p>
+              <a:endParaRPr lang="en-US"/>
+            </a:p>
+          </p:txBody>
+        </p:sp>
+        <p:sp>
+          <p:nvSpPr>
+            <p:cNvPr id="3108" name="Oval 36"/>
+            <p:cNvSpPr>
+              <a:spLocks noChangeArrowheads="1"/>
+            </p:cNvSpPr>
+            <p:nvPr/>
+          </p:nvSpPr>
+          <p:spPr bwMode="auto">
+            <a:xfrm>
+              <a:off x="2928" y="2208"/>
+              <a:ext cx="720" cy="624"/>
+            </a:xfrm>
+            <a:prstGeom prst="ellipse">
+              <a:avLst/>
+            </a:prstGeom>
+            <a:noFill/>
+            <a:ln w="25400">
+              <a:solidFill>
+                <a:srgbClr val="FF0000"/>
+              </a:solidFill>
+              <a:round/>
+              <a:headEnd/>
+              <a:tailEnd/>
+            </a:ln>
+            <a:effectLst/>
+            <a:extLst>
+              <a:ext uri="{909E8E84-426E-40dd-AFC4-6F175D3DCCD1}">
+                <a14:hiddenFill xmlns:a14="http://schemas.microsoft.com/office/drawing/2010/main">
+                  <a:solidFill>
+                    <a:schemeClr val="accent1"/>
+                  </a:solidFill>
+                </a14:hiddenFill>
+              </a:ext>
+              <a:ext uri="{AF507438-7753-43e0-B8FC-AC1667EBCBE1}">
+                <a14:hiddenEffects xmlns:a14="http://schemas.microsoft.com/office/drawing/2010/main">
+                  <a:effectLst>
+                    <a:outerShdw blurRad="63500" dist="38099" dir="2700000" algn="ctr" rotWithShape="0">
+                      <a:schemeClr val="bg2">
+                        <a:alpha val="74998"/>
+                      </a:schemeClr>
+                    </a:outerShdw>
+                  </a:effectLst>
+                </a14:hiddenEffects>
+              </a:ext>
+            </a:extLst>
+          </p:spPr>
+          <p:txBody>
+            <a:bodyPr wrap="none" anchor="ctr"/>
+            <a:lstStyle/>
+            <a:p>
+              <a:endParaRPr lang="en-US"/>
+            </a:p>
+          </p:txBody>
+        </p:sp>
+        <p:sp>
+          <p:nvSpPr>
+            <p:cNvPr id="3109" name="Oval 37"/>
+            <p:cNvSpPr>
+              <a:spLocks noChangeArrowheads="1"/>
+            </p:cNvSpPr>
+            <p:nvPr/>
+          </p:nvSpPr>
+          <p:spPr bwMode="auto">
+            <a:xfrm>
+              <a:off x="3216" y="3024"/>
+              <a:ext cx="672" cy="624"/>
+            </a:xfrm>
+            <a:prstGeom prst="ellipse">
+              <a:avLst/>
+            </a:prstGeom>
+            <a:noFill/>
+            <a:ln w="25400">
+              <a:solidFill>
+                <a:srgbClr val="FF0000"/>
+              </a:solidFill>
+              <a:round/>
+              <a:headEnd/>
+              <a:tailEnd/>
+            </a:ln>
+            <a:effectLst/>
+            <a:extLst>
+              <a:ext uri="{909E8E84-426E-40dd-AFC4-6F175D3DCCD1}">
+                <a14:hiddenFill xmlns:a14="http://schemas.microsoft.com/office/drawing/2010/main">
+                  <a:solidFill>
+                    <a:schemeClr val="accent1"/>
+                  </a:solidFill>
+                </a14:hiddenFill>
+              </a:ext>
+              <a:ext uri="{AF507438-7753-43e0-B8FC-AC1667EBCBE1}">
+                <a14:hiddenEffects xmlns:a14="http://schemas.microsoft.com/office/drawing/2010/main">
+                  <a:effectLst>
+                    <a:outerShdw blurRad="63500" dist="38099" dir="2700000" algn="ctr" rotWithShape="0">
+                      <a:schemeClr val="bg2">
+                        <a:alpha val="74998"/>
+                      </a:schemeClr>
+                    </a:outerShdw>
+                  </a:effectLst>
+                </a14:hiddenEffects>
+              </a:ext>
+            </a:extLst>
+          </p:spPr>
+          <p:txBody>
+            <a:bodyPr wrap="none" anchor="ctr"/>
+            <a:lstStyle/>
+            <a:p>
+              <a:endParaRPr lang="en-US"/>
+            </a:p>
+          </p:txBody>
+        </p:sp>
+      </p:grpSp>
+      <p:grpSp>
+        <p:nvGrpSpPr>
+          <p:cNvPr id="3110" name="Group 38"/>
+          <p:cNvGrpSpPr>
+            <a:grpSpLocks/>
+          </p:cNvGrpSpPr>
+          <p:nvPr/>
+        </p:nvGrpSpPr>
+        <p:grpSpPr bwMode="auto">
+          <a:xfrm>
+            <a:off x="1295400" y="2971800"/>
+            <a:ext cx="2286000" cy="1676400"/>
+            <a:chOff x="816" y="1776"/>
+            <a:chExt cx="1440" cy="1056"/>
+          </a:xfrm>
+        </p:grpSpPr>
+        <p:sp>
+          <p:nvSpPr>
+            <p:cNvPr id="3111" name="Line 39"/>
+            <p:cNvSpPr>
+              <a:spLocks noChangeShapeType="1"/>
+            </p:cNvSpPr>
+            <p:nvPr/>
+          </p:nvSpPr>
+          <p:spPr bwMode="auto">
+            <a:xfrm flipV="1">
+              <a:off x="2064" y="2736"/>
+              <a:ext cx="192" cy="96"/>
+            </a:xfrm>
+            <a:prstGeom prst="line">
+              <a:avLst/>
+            </a:prstGeom>
+            <a:noFill/>
+            <a:ln w="25400">
+              <a:solidFill>
+                <a:srgbClr val="CC6600"/>
+              </a:solidFill>
+              <a:round/>
+              <a:headEnd type="triangle" w="med" len="med"/>
+              <a:tailEnd type="triangle" w="med" len="med"/>
+            </a:ln>
+            <a:effectLst/>
+            <a:extLst>
+              <a:ext uri="{909E8E84-426E-40dd-AFC4-6F175D3DCCD1}">
+                <a14:hiddenFill xmlns:a14="http://schemas.microsoft.com/office/drawing/2010/main">
+                  <a:noFill/>
+                </a14:hiddenFill>
+              </a:ext>
+              <a:ext uri="{AF507438-7753-43e0-B8FC-AC1667EBCBE1}">
+                <a14:hiddenEffects xmlns:a14="http://schemas.microsoft.com/office/drawing/2010/main">
+                  <a:effectLst>
+                    <a:outerShdw blurRad="63500" dist="38099" dir="2700000" algn="ctr" rotWithShape="0">
+                      <a:schemeClr val="bg2">
+                        <a:alpha val="74998"/>
+                      </a:schemeClr>
+                    </a:outerShdw>
+                  </a:effectLst>
+                </a14:hiddenEffects>
+              </a:ext>
+            </a:extLst>
+          </p:spPr>
+          <p:txBody>
+            <a:bodyPr/>
+            <a:lstStyle/>
+            <a:p>
+              <a:endParaRPr lang="en-US"/>
+            </a:p>
+          </p:txBody>
+        </p:sp>
+        <p:sp>
+          <p:nvSpPr>
+            <p:cNvPr id="3112" name="AutoShape 40"/>
+            <p:cNvSpPr>
+              <a:spLocks noChangeArrowheads="1"/>
+            </p:cNvSpPr>
+            <p:nvPr/>
+          </p:nvSpPr>
+          <p:spPr bwMode="auto">
+            <a:xfrm>
+              <a:off x="816" y="1776"/>
+              <a:ext cx="1248" cy="672"/>
+            </a:xfrm>
+            <a:prstGeom prst="wedgeRectCallout">
+              <a:avLst>
+                <a:gd name="adj1" fmla="val 56250"/>
+                <a:gd name="adj2" fmla="val 92856"/>
+              </a:avLst>
+            </a:prstGeom>
+            <a:solidFill>
+              <a:srgbClr val="00FFFF"/>
+            </a:solidFill>
+            <a:ln w="25400">
+              <a:solidFill>
+                <a:schemeClr val="tx1"/>
+              </a:solidFill>
+              <a:miter lim="800000"/>
+              <a:headEnd/>
+              <a:tailEnd/>
+            </a:ln>
+            <a:effectLst/>
+            <a:extLst>
+              <a:ext uri="{AF507438-7753-43e0-B8FC-AC1667EBCBE1}">
+                <a14:hiddenEffects xmlns:a14="http://schemas.microsoft.com/office/drawing/2010/main">
+                  <a:effectLst>
+                    <a:outerShdw blurRad="63500" dist="38099" dir="2700000" algn="ctr" rotWithShape="0">
+                      <a:schemeClr val="bg2">
+                        <a:alpha val="74998"/>
+                      </a:schemeClr>
+                    </a:outerShdw>
+                  </a:effectLst>
+                </a14:hiddenEffects>
+              </a:ext>
+            </a:extLst>
+          </p:spPr>
+          <p:txBody>
+            <a:bodyPr/>
+            <a:lstStyle/>
+            <a:p>
+              <a:pPr algn="ctr">
+                <a:spcBef>
+                  <a:spcPct val="50000"/>
+                </a:spcBef>
+              </a:pPr>
+              <a:r>
+                <a:rPr lang="en-US" sz="2000">
+                  <a:latin typeface="Tahoma" charset="0"/>
+                </a:rPr>
+                <a:t>Intra-cluster distances are minimized</a:t>
+              </a:r>
+            </a:p>
+          </p:txBody>
+        </p:sp>
+      </p:grpSp>
+    </p:spTree>
+    <p:extLst>
+      <p:ext uri="{BB962C8B-B14F-4D97-AF65-F5344CB8AC3E}">
+        <p14:creationId xmlns:p14="http://schemas.microsoft.com/office/powerpoint/2010/main" val="3442173036"/>
+      </p:ext>
+    </p:extLst>
+  </p:cSld>
+  <p:clrMapOvr>
+    <a:masterClrMapping/>
+  </p:clrMapOvr>
+  <p:timing>
+    <p:tnLst>
+      <p:par>
+        <p:cTn xmlns:p14="http://schemas.microsoft.com/office/powerpoint/2010/main" id="1" dur="indefinite" restart="never" nodeType="tmRoot">
+          <p:childTnLst>
+            <p:seq concurrent="1" nextAc="seek">
+              <p:cTn id="2" dur="indefinite" nodeType="mainSeq">
+                <p:childTnLst>
+                  <p:par>
+                    <p:cTn id="3" fill="hold" nodeType="clickPar">
+                      <p:stCondLst>
+                        <p:cond delay="indefinite"/>
+                      </p:stCondLst>
+                      <p:childTnLst>
+                        <p:par>
+                          <p:cTn id="4" fill="hold" nodeType="withGroup">
+                            <p:stCondLst>
+                              <p:cond delay="0"/>
+                            </p:stCondLst>
+                            <p:childTnLst>
+                              <p:par>
+                                <p:cTn id="5" presetID="1" presetClass="entr" presetSubtype="0" fill="hold" nodeType="clickEffect">
+                                  <p:stCondLst>
+                                    <p:cond delay="0"/>
+                                  </p:stCondLst>
+                                  <p:childTnLst>
+                                    <p:set>
+                                      <p:cBhvr>
+                                        <p:cTn id="6" dur="1" fill="hold">
+                                          <p:stCondLst>
+                                            <p:cond delay="0"/>
+                                          </p:stCondLst>
+                                        </p:cTn>
+                                        <p:tgtEl>
+                                          <p:spTgt spid="3106"/>
+                                        </p:tgtEl>
+                                        <p:attrNameLst>
+                                          <p:attrName>style.visibility</p:attrName>
+                                        </p:attrNameLst>
+                                      </p:cBhvr>
+                                      <p:to>
+                                        <p:strVal val="visible"/>
+                                      </p:to>
+                                    </p:set>
+                                  </p:childTnLst>
+                                </p:cTn>
+                              </p:par>
+                            </p:childTnLst>
+                          </p:cTn>
+                        </p:par>
+                      </p:childTnLst>
+                    </p:cTn>
+                  </p:par>
+                  <p:par>
+                    <p:cTn id="7" fill="hold" nodeType="clickPar">
+                      <p:stCondLst>
+                        <p:cond delay="indefinite"/>
+                      </p:stCondLst>
+                      <p:childTnLst>
+                        <p:par>
+                          <p:cTn id="8" fill="hold" nodeType="withGroup">
+                            <p:stCondLst>
+                              <p:cond delay="0"/>
+                            </p:stCondLst>
+                            <p:childTnLst>
+                              <p:par>
+                                <p:cTn id="9" presetID="1" presetClass="entr" presetSubtype="0" fill="hold" nodeType="clickEffect">
+                                  <p:stCondLst>
+                                    <p:cond delay="0"/>
+                                  </p:stCondLst>
+                                  <p:childTnLst>
+                                    <p:set>
+                                      <p:cBhvr>
+                                        <p:cTn id="10" dur="1" fill="hold">
+                                          <p:stCondLst>
+                                            <p:cond delay="0"/>
+                                          </p:stCondLst>
+                                        </p:cTn>
+                                        <p:tgtEl>
+                                          <p:spTgt spid="3110"/>
+                                        </p:tgtEl>
+                                        <p:attrNameLst>
+                                          <p:attrName>style.visibility</p:attrName>
+                                        </p:attrNameLst>
+                                      </p:cBhvr>
+                                      <p:to>
+                                        <p:strVal val="visible"/>
+                                      </p:to>
+                                    </p:set>
+                                  </p:childTnLst>
+                                </p:cTn>
+                              </p:par>
+                            </p:childTnLst>
+                          </p:cTn>
+                        </p:par>
+                      </p:childTnLst>
+                    </p:cTn>
+                  </p:par>
+                  <p:par>
+                    <p:cTn id="11" fill="hold" nodeType="clickPar">
+                      <p:stCondLst>
+                        <p:cond delay="indefinite"/>
+                      </p:stCondLst>
+                      <p:childTnLst>
+                        <p:par>
+                          <p:cTn id="12" fill="hold" nodeType="withGroup">
+                            <p:stCondLst>
+                              <p:cond delay="0"/>
+                            </p:stCondLst>
+                            <p:childTnLst>
+                              <p:par>
+                                <p:cTn id="13" presetID="1" presetClass="entr" presetSubtype="0" fill="hold" nodeType="clickEffect">
+                                  <p:stCondLst>
+                                    <p:cond delay="0"/>
+                                  </p:stCondLst>
+                                  <p:childTnLst>
+                                    <p:set>
+                                      <p:cBhvr>
+                                        <p:cTn id="14" dur="1" fill="hold">
+                                          <p:stCondLst>
+                                            <p:cond delay="0"/>
+                                          </p:stCondLst>
+                                        </p:cTn>
+                                        <p:tgtEl>
+                                          <p:spTgt spid="3103"/>
+                                        </p:tgtEl>
+                                        <p:attrNameLst>
+                                          <p:attrName>style.visibility</p:attrName>
+                                        </p:attrNameLst>
+                                      </p:cBhvr>
+                                      <p:to>
+                                        <p:strVal val="visible"/>
+                                      </p:to>
+                                    </p:set>
+                                  </p:childTnLst>
+                                </p:cTn>
+                              </p:par>
+                            </p:childTnLst>
+                          </p:cTn>
+                        </p:par>
+                      </p:childTnLst>
+                    </p:cTn>
+                  </p:par>
+                </p:childTnLst>
+              </p:cTn>
+              <p:prevCondLst>
+                <p:cond evt="onPrev" delay="0">
+                  <p:tgtEl>
+                    <p:sldTgt/>
+                  </p:tgtEl>
+                </p:cond>
+              </p:prevCondLst>
+              <p:nextCondLst>
+                <p:cond evt="onNext" delay="0">
+                  <p:tgtEl>
+                    <p:sldTgt/>
+                  </p:tgtEl>
+                </p:cond>
+              </p:nextCondLst>
+            </p:seq>
+          </p:childTnLst>
+        </p:cTn>
+      </p:par>
+    </p:tnLst>
+  </p:timing>
+</p:sld>
+</file>
+
+<file path=ppt/slides/slide25.xml><?xml version="1.0" encoding="utf-8"?>
+<p:sld xmlns:a="http://schemas.openxmlformats.org/drawingml/2006/main" xmlns:r="http://schemas.openxmlformats.org/officeDocument/2006/relationships" xmlns:p="http://schemas.openxmlformats.org/presentationml/2006/main">
+  <p:cSld>
+    <p:spTree>
+      <p:nvGrpSpPr>
+        <p:cNvPr id="1" name=""/>
+        <p:cNvGrpSpPr/>
+        <p:nvPr/>
+      </p:nvGrpSpPr>
+      <p:grpSpPr>
+        <a:xfrm>
+          <a:off x="0" y="0"/>
+          <a:ext cx="0" cy="0"/>
+          <a:chOff x="0" y="0"/>
+          <a:chExt cx="0" cy="0"/>
+        </a:xfrm>
+      </p:grpSpPr>
+      <p:sp>
+        <p:nvSpPr>
+          <p:cNvPr id="29698" name="Rectangle 2"/>
+          <p:cNvSpPr>
+            <a:spLocks noGrp="1" noChangeArrowheads="1"/>
+          </p:cNvSpPr>
+          <p:nvPr>
+            <p:ph type="title"/>
+          </p:nvPr>
+        </p:nvSpPr>
+        <p:spPr/>
+        <p:txBody>
+          <a:bodyPr/>
+          <a:lstStyle/>
+          <a:p>
+            <a:r>
+              <a:rPr lang="en-US"/>
+              <a:t>Evaluating K-means Clusters</a:t>
+            </a:r>
+          </a:p>
+        </p:txBody>
+      </p:sp>
+      <p:sp>
+        <p:nvSpPr>
+          <p:cNvPr id="29699" name="Rectangle 3"/>
+          <p:cNvSpPr>
+            <a:spLocks noGrp="1" noChangeArrowheads="1"/>
+          </p:cNvSpPr>
+          <p:nvPr>
+            <p:ph type="body" idx="1"/>
+          </p:nvPr>
+        </p:nvSpPr>
+        <p:spPr/>
+        <p:txBody>
+          <a:bodyPr/>
+          <a:lstStyle/>
+          <a:p>
+            <a:pPr>
+              <a:lnSpc>
+                <a:spcPct val="90000"/>
+              </a:lnSpc>
+            </a:pPr>
+            <a:r>
+              <a:rPr lang="en-US" sz="2000"/>
+              <a:t>Most common measure is Sum of Squared Error (SSE)</a:t>
+            </a:r>
+          </a:p>
+          <a:p>
+            <a:pPr lvl="1">
+              <a:lnSpc>
+                <a:spcPct val="90000"/>
+              </a:lnSpc>
+            </a:pPr>
+            <a:r>
+              <a:rPr lang="en-US" sz="2000"/>
+              <a:t>For each point, the error is the distance to the nearest cluster</a:t>
+            </a:r>
+          </a:p>
+          <a:p>
+            <a:pPr lvl="1">
+              <a:lnSpc>
+                <a:spcPct val="90000"/>
+              </a:lnSpc>
+            </a:pPr>
+            <a:r>
+              <a:rPr lang="en-US" sz="2000"/>
+              <a:t>To get SSE, we square these errors and sum them.</a:t>
+            </a:r>
+          </a:p>
+          <a:p>
+            <a:pPr lvl="1">
+              <a:lnSpc>
+                <a:spcPct val="90000"/>
+              </a:lnSpc>
+            </a:pPr>
+            <a:endParaRPr lang="en-US" sz="2000"/>
+          </a:p>
+          <a:p>
+            <a:pPr lvl="1">
+              <a:lnSpc>
+                <a:spcPct val="90000"/>
+              </a:lnSpc>
+              <a:buFontTx/>
+              <a:buNone/>
+            </a:pPr>
+            <a:endParaRPr lang="en-US" sz="2000"/>
+          </a:p>
+          <a:p>
+            <a:pPr lvl="1">
+              <a:lnSpc>
+                <a:spcPct val="90000"/>
+              </a:lnSpc>
+            </a:pPr>
+            <a:endParaRPr lang="en-US" sz="2000"/>
+          </a:p>
+          <a:p>
+            <a:pPr lvl="1">
+              <a:lnSpc>
+                <a:spcPct val="90000"/>
+              </a:lnSpc>
+            </a:pPr>
+            <a:r>
+              <a:rPr lang="en-US" sz="2000" i="1"/>
+              <a:t>x </a:t>
+            </a:r>
+            <a:r>
+              <a:rPr lang="en-US" sz="2000"/>
+              <a:t>is a data point in cluster </a:t>
+            </a:r>
+            <a:r>
+              <a:rPr lang="en-US" sz="2000" i="1"/>
+              <a:t>C</a:t>
+            </a:r>
+            <a:r>
+              <a:rPr lang="en-US" sz="2000" baseline="-25000"/>
+              <a:t>i </a:t>
+            </a:r>
+            <a:r>
+              <a:rPr lang="en-US" sz="2000"/>
+              <a:t>and </a:t>
+            </a:r>
+            <a:r>
+              <a:rPr lang="en-US" sz="2000" i="1"/>
+              <a:t>m</a:t>
+            </a:r>
+            <a:r>
+              <a:rPr lang="en-US" sz="2000" i="1" baseline="-25000"/>
+              <a:t>i</a:t>
+            </a:r>
+            <a:r>
+              <a:rPr lang="en-US" sz="2000"/>
+              <a:t> is the representative point for cluster </a:t>
+            </a:r>
+            <a:r>
+              <a:rPr lang="en-US" sz="2000" i="1"/>
+              <a:t>C</a:t>
+            </a:r>
+            <a:r>
+              <a:rPr lang="en-US" sz="2000" baseline="-25000"/>
+              <a:t>i</a:t>
+            </a:r>
+            <a:r>
+              <a:rPr lang="en-US" sz="2000"/>
+              <a:t> </a:t>
+            </a:r>
+          </a:p>
+          <a:p>
+            <a:pPr lvl="2">
+              <a:lnSpc>
+                <a:spcPct val="90000"/>
+              </a:lnSpc>
+            </a:pPr>
+            <a:r>
+              <a:rPr lang="en-US" sz="2000"/>
+              <a:t> can show that </a:t>
+            </a:r>
+            <a:r>
+              <a:rPr lang="en-US" sz="2000" i="1"/>
+              <a:t>m</a:t>
+            </a:r>
+            <a:r>
+              <a:rPr lang="en-US" sz="2000" i="1" baseline="-25000"/>
+              <a:t>i</a:t>
+            </a:r>
+            <a:r>
+              <a:rPr lang="en-US" sz="2000" baseline="-25000"/>
+              <a:t> </a:t>
+            </a:r>
+            <a:r>
+              <a:rPr lang="en-US" sz="2000"/>
+              <a:t>corresponds to the center (mean) of the cluster</a:t>
+            </a:r>
+          </a:p>
+          <a:p>
+            <a:pPr lvl="1">
+              <a:lnSpc>
+                <a:spcPct val="90000"/>
+              </a:lnSpc>
+            </a:pPr>
+            <a:r>
+              <a:rPr lang="en-US" sz="2000"/>
+              <a:t>Given two clusterings, we can choose the one with the smallest error</a:t>
+            </a:r>
+          </a:p>
+          <a:p>
+            <a:pPr lvl="1">
+              <a:lnSpc>
+                <a:spcPct val="90000"/>
+              </a:lnSpc>
+            </a:pPr>
+            <a:r>
+              <a:rPr lang="en-US" sz="2000"/>
+              <a:t>One easy way to reduce SSE is to increase K, the number of clusters</a:t>
+            </a:r>
+          </a:p>
+          <a:p>
+            <a:pPr lvl="2">
+              <a:lnSpc>
+                <a:spcPct val="90000"/>
+              </a:lnSpc>
+              <a:buFontTx/>
+              <a:buNone/>
+            </a:pPr>
+            <a:endParaRPr lang="en-US" sz="2000"/>
+          </a:p>
+        </p:txBody>
+      </p:sp>
+      <p:graphicFrame>
+        <p:nvGraphicFramePr>
+          <p:cNvPr id="29700" name="Object 4"/>
+          <p:cNvGraphicFramePr>
+            <a:graphicFrameLocks noChangeAspect="1"/>
+          </p:cNvGraphicFramePr>
+          <p:nvPr>
+            <p:ph sz="half" idx="4294967295"/>
+          </p:nvPr>
+        </p:nvGraphicFramePr>
+        <p:xfrm>
+          <a:off x="2286000" y="2743200"/>
+          <a:ext cx="3141663" cy="838200"/>
+        </p:xfrm>
+        <a:graphic>
+          <a:graphicData uri="http://schemas.openxmlformats.org/presentationml/2006/ole">
+            <mc:AlternateContent xmlns:mc="http://schemas.openxmlformats.org/markup-compatibility/2006">
+              <mc:Choice xmlns:v="urn:schemas-microsoft-com:vml" Requires="v">
+                <p:oleObj spid="_x0000_s7172" name="Equation" r:id="rId4" imgW="1511280" imgH="457200" progId="Equation.3">
+                  <p:embed/>
+                </p:oleObj>
+              </mc:Choice>
+              <mc:Fallback>
+                <p:oleObj name="Equation" r:id="rId4" imgW="1511280" imgH="457200" progId="Equation.3">
+                  <p:embed/>
+                  <p:pic>
+                    <p:nvPicPr>
+                      <p:cNvPr id="0" name=""/>
+                      <p:cNvPicPr>
+                        <a:picLocks noChangeAspect="1" noChangeArrowheads="1"/>
+                      </p:cNvPicPr>
+                      <p:nvPr/>
+                    </p:nvPicPr>
+                    <p:blipFill>
+                      <a:blip r:embed="rId5">
+                        <a:extLst>
+                          <a:ext uri="{28A0092B-C50C-407E-A947-70E740481C1C}">
+                            <a14:useLocalDpi xmlns:a14="http://schemas.microsoft.com/office/drawing/2010/main" val="0"/>
+                          </a:ext>
+                        </a:extLst>
+                      </a:blip>
+                      <a:srcRect/>
+                      <a:stretch>
+                        <a:fillRect/>
+                      </a:stretch>
+                    </p:blipFill>
+                    <p:spPr bwMode="auto">
+                      <a:xfrm>
+                        <a:off x="2286000" y="2743200"/>
+                        <a:ext cx="3141663" cy="838200"/>
+                      </a:xfrm>
+                      <a:prstGeom prst="rect">
+                        <a:avLst/>
+                      </a:prstGeom>
+                      <a:noFill/>
+                      <a:ln>
+                        <a:noFill/>
+                      </a:ln>
+                      <a:effectLst/>
+                      <a:extLst>
+                        <a:ext uri="{909E8E84-426E-40dd-AFC4-6F175D3DCCD1}">
+                          <a14:hiddenFill xmlns:a14="http://schemas.microsoft.com/office/drawing/2010/main">
+                            <a:solidFill>
+                              <a:srgbClr val="FFFFFF"/>
+                            </a:solidFill>
+                          </a14:hiddenFill>
+                        </a:ext>
+                        <a:ext uri="{91240B29-F687-4f45-9708-019B960494DF}">
+                          <a14:hiddenLine xmlns:a14="http://schemas.microsoft.com/office/drawing/2010/main" w="9525">
+                            <a:solidFill>
+                              <a:srgbClr val="000000"/>
+                            </a:solidFill>
+                            <a:miter lim="800000"/>
+                            <a:headEnd/>
+                            <a:tailEnd/>
+                          </a14:hiddenLine>
+                        </a:ext>
+                        <a:ext uri="{AF507438-7753-43e0-B8FC-AC1667EBCBE1}">
+                          <a14:hiddenEffects xmlns:a14="http://schemas.microsoft.com/office/drawing/2010/main">
+                            <a:effectLst>
+                              <a:outerShdw blurRad="63500" dist="38099" dir="2700000" algn="ctr" rotWithShape="0">
+                                <a:srgbClr val="808080">
+                                  <a:alpha val="74998"/>
+                                </a:srgbClr>
+                              </a:outerShdw>
+                            </a:effectLst>
+                          </a14:hiddenEffects>
+                        </a:ext>
+                      </a:extLst>
+                    </p:spPr>
+                  </p:pic>
+                </p:oleObj>
+              </mc:Fallback>
+            </mc:AlternateContent>
+          </a:graphicData>
+        </a:graphic>
+      </p:graphicFrame>
+    </p:spTree>
+    <p:extLst>
+      <p:ext uri="{BB962C8B-B14F-4D97-AF65-F5344CB8AC3E}">
+        <p14:creationId xmlns:p14="http://schemas.microsoft.com/office/powerpoint/2010/main" val="283241511"/>
+      </p:ext>
+    </p:extLst>
+  </p:cSld>
+  <p:clrMapOvr>
+    <a:masterClrMapping/>
+  </p:clrMapOvr>
+  <p:timing>
+    <p:tnLst>
+      <p:par>
+        <p:cTn xmlns:p14="http://schemas.microsoft.com/office/powerpoint/2010/main" id="1" dur="indefinite" restart="never" nodeType="tmRoot"/>
+      </p:par>
+    </p:tnLst>
+  </p:timing>
+</p:sld>
+</file>
+
+<file path=ppt/slides/slide26.xml><?xml version="1.0" encoding="utf-8"?>
+<p:sld xmlns:a="http://schemas.openxmlformats.org/drawingml/2006/main" xmlns:r="http://schemas.openxmlformats.org/officeDocument/2006/relationships" xmlns:p="http://schemas.openxmlformats.org/presentationml/2006/main">
+  <p:cSld>
+    <p:spTree>
+      <p:nvGrpSpPr>
+        <p:cNvPr id="1" name=""/>
+        <p:cNvGrpSpPr/>
+        <p:nvPr/>
+      </p:nvGrpSpPr>
+      <p:grpSpPr>
+        <a:xfrm>
+          <a:off x="0" y="0"/>
+          <a:ext cx="0" cy="0"/>
+          <a:chOff x="0" y="0"/>
+          <a:chExt cx="0" cy="0"/>
+        </a:xfrm>
+      </p:grpSpPr>
+      <p:sp>
+        <p:nvSpPr>
+          <p:cNvPr id="2" name="Title 1"/>
+          <p:cNvSpPr>
+            <a:spLocks noGrp="1"/>
+          </p:cNvSpPr>
+          <p:nvPr>
+            <p:ph type="title"/>
+          </p:nvPr>
+        </p:nvSpPr>
+        <p:spPr/>
+        <p:txBody>
+          <a:bodyPr/>
+          <a:lstStyle/>
+          <a:p>
+            <a:r>
+              <a:rPr lang="en-US" dirty="0" smtClean="0"/>
+              <a:t>Impact of Distance Metric</a:t>
+            </a:r>
+            <a:endParaRPr lang="en-US" dirty="0"/>
+          </a:p>
+        </p:txBody>
+      </p:sp>
+      <p:sp>
+        <p:nvSpPr>
+          <p:cNvPr id="3" name="Content Placeholder 2"/>
+          <p:cNvSpPr>
+            <a:spLocks noGrp="1"/>
+          </p:cNvSpPr>
+          <p:nvPr>
+            <p:ph idx="1"/>
+          </p:nvPr>
+        </p:nvSpPr>
+        <p:spPr/>
+        <p:txBody>
+          <a:bodyPr/>
+          <a:lstStyle/>
+          <a:p>
+            <a:r>
+              <a:rPr lang="en-US" dirty="0" smtClean="0"/>
+              <a:t>Distance Metric Choice affects clustering</a:t>
+            </a:r>
+          </a:p>
+          <a:p>
+            <a:pPr lvl="1"/>
+            <a:r>
+              <a:rPr lang="en-US" dirty="0" smtClean="0"/>
+              <a:t>Euclidean </a:t>
+            </a:r>
+            <a:r>
+              <a:rPr lang="en-US" dirty="0" err="1" smtClean="0"/>
+              <a:t>vs</a:t>
+            </a:r>
+            <a:r>
+              <a:rPr lang="en-US" dirty="0" smtClean="0"/>
+              <a:t> Cosine </a:t>
+            </a:r>
+            <a:r>
+              <a:rPr lang="en-US" dirty="0" err="1" smtClean="0"/>
+              <a:t>vs</a:t>
+            </a:r>
+            <a:r>
+              <a:rPr lang="en-US" dirty="0" smtClean="0"/>
+              <a:t> Manhattan</a:t>
+            </a:r>
+          </a:p>
+          <a:p>
+            <a:pPr lvl="1"/>
+            <a:r>
+              <a:rPr lang="en-US" dirty="0" smtClean="0"/>
+              <a:t>How do these affect inter- and intra-cluster (mean/max/min) distances?</a:t>
+            </a:r>
+          </a:p>
+          <a:p>
+            <a:pPr lvl="1"/>
+            <a:endParaRPr lang="en-US" dirty="0"/>
+          </a:p>
+          <a:p>
+            <a:r>
+              <a:rPr lang="en-US" dirty="0" smtClean="0"/>
+              <a:t>Domain-specific knowledge – boosting</a:t>
+            </a:r>
+          </a:p>
+          <a:p>
+            <a:pPr lvl="1"/>
+            <a:r>
+              <a:rPr lang="en-US" dirty="0" err="1"/>
+              <a:t>x</a:t>
+            </a:r>
+            <a:r>
+              <a:rPr lang="en-US" baseline="-25000" dirty="0" err="1" smtClean="0"/>
+              <a:t>n</a:t>
+            </a:r>
+            <a:r>
+              <a:rPr lang="en-US" dirty="0" smtClean="0"/>
+              <a:t> = (f</a:t>
+            </a:r>
+            <a:r>
+              <a:rPr lang="en-US" baseline="-25000" dirty="0" smtClean="0"/>
+              <a:t>1</a:t>
+            </a:r>
+            <a:r>
+              <a:rPr lang="en-US" dirty="0" smtClean="0"/>
+              <a:t>, f</a:t>
+            </a:r>
+            <a:r>
+              <a:rPr lang="en-US" baseline="-25000" dirty="0" smtClean="0"/>
+              <a:t>2</a:t>
+            </a:r>
+            <a:r>
+              <a:rPr lang="en-US" dirty="0" smtClean="0"/>
+              <a:t>, … </a:t>
+            </a:r>
+            <a:r>
+              <a:rPr lang="en-US" dirty="0" err="1" smtClean="0"/>
+              <a:t>f</a:t>
+            </a:r>
+            <a:r>
+              <a:rPr lang="en-US" baseline="-25000" dirty="0" err="1" smtClean="0"/>
+              <a:t>k</a:t>
+            </a:r>
+            <a:r>
+              <a:rPr lang="en-US" dirty="0" smtClean="0"/>
+              <a:t>)</a:t>
+            </a:r>
+          </a:p>
+          <a:p>
+            <a:pPr lvl="1"/>
+            <a:r>
+              <a:rPr lang="en-US" dirty="0" err="1"/>
+              <a:t>x</a:t>
+            </a:r>
+            <a:r>
+              <a:rPr lang="en-US" baseline="-25000" dirty="0" err="1"/>
+              <a:t>n</a:t>
+            </a:r>
+            <a:r>
+              <a:rPr lang="en-US" dirty="0"/>
+              <a:t> = </a:t>
+            </a:r>
+            <a:r>
+              <a:rPr lang="en-US" dirty="0" smtClean="0"/>
+              <a:t>(w</a:t>
+            </a:r>
+            <a:r>
+              <a:rPr lang="en-US" baseline="-25000" dirty="0" smtClean="0"/>
+              <a:t>1</a:t>
+            </a:r>
+            <a:r>
+              <a:rPr lang="en-US" dirty="0" smtClean="0"/>
+              <a:t>f</a:t>
+            </a:r>
+            <a:r>
+              <a:rPr lang="en-US" baseline="-25000" dirty="0" smtClean="0"/>
+              <a:t>1</a:t>
+            </a:r>
+            <a:r>
+              <a:rPr lang="en-US" dirty="0"/>
+              <a:t>, </a:t>
+            </a:r>
+            <a:r>
+              <a:rPr lang="en-US" dirty="0" smtClean="0"/>
+              <a:t>w</a:t>
+            </a:r>
+            <a:r>
+              <a:rPr lang="en-US" baseline="-25000" dirty="0" smtClean="0"/>
+              <a:t>2</a:t>
+            </a:r>
+            <a:r>
+              <a:rPr lang="en-US" dirty="0" smtClean="0"/>
+              <a:t>f</a:t>
+            </a:r>
+            <a:r>
+              <a:rPr lang="en-US" baseline="-25000" dirty="0" smtClean="0"/>
+              <a:t>2</a:t>
+            </a:r>
+            <a:r>
+              <a:rPr lang="en-US" dirty="0"/>
+              <a:t>, … </a:t>
+            </a:r>
+            <a:r>
+              <a:rPr lang="en-US" dirty="0" err="1" smtClean="0"/>
+              <a:t>w</a:t>
+            </a:r>
+            <a:r>
+              <a:rPr lang="en-US" baseline="-25000" dirty="0" err="1" smtClean="0"/>
+              <a:t>k</a:t>
+            </a:r>
+            <a:r>
+              <a:rPr lang="en-US" dirty="0" err="1" smtClean="0"/>
+              <a:t>f</a:t>
+            </a:r>
+            <a:r>
+              <a:rPr lang="en-US" baseline="-25000" dirty="0" err="1" smtClean="0"/>
+              <a:t>k</a:t>
+            </a:r>
+            <a:r>
+              <a:rPr lang="en-US" dirty="0"/>
+              <a:t>)</a:t>
+            </a:r>
+          </a:p>
+        </p:txBody>
+      </p:sp>
+    </p:spTree>
+    <p:extLst>
+      <p:ext uri="{BB962C8B-B14F-4D97-AF65-F5344CB8AC3E}">
+        <p14:creationId xmlns:p14="http://schemas.microsoft.com/office/powerpoint/2010/main" val="136133233"/>
+      </p:ext>
+    </p:extLst>
+  </p:cSld>
+  <p:clrMapOvr>
+    <a:masterClrMapping/>
+  </p:clrMapOvr>
+</p:sld>
+</file>
+
+<file path=ppt/slides/slide27.xml><?xml version="1.0" encoding="utf-8"?>
+<p:sld xmlns:a="http://schemas.openxmlformats.org/drawingml/2006/main" xmlns:r="http://schemas.openxmlformats.org/officeDocument/2006/relationships" xmlns:p="http://schemas.openxmlformats.org/presentationml/2006/main">
+  <p:cSld>
+    <p:spTree>
+      <p:nvGrpSpPr>
+        <p:cNvPr id="1" name=""/>
+        <p:cNvGrpSpPr/>
+        <p:nvPr/>
+      </p:nvGrpSpPr>
+      <p:grpSpPr>
+        <a:xfrm>
+          <a:off x="0" y="0"/>
+          <a:ext cx="0" cy="0"/>
+          <a:chOff x="0" y="0"/>
+          <a:chExt cx="0" cy="0"/>
+        </a:xfrm>
+      </p:grpSpPr>
+      <p:sp>
+        <p:nvSpPr>
+          <p:cNvPr id="98306" name="Rectangle 2"/>
+          <p:cNvSpPr>
+            <a:spLocks noGrp="1" noChangeArrowheads="1"/>
+          </p:cNvSpPr>
+          <p:nvPr>
+            <p:ph type="title"/>
+          </p:nvPr>
+        </p:nvSpPr>
+        <p:spPr/>
+        <p:txBody>
+          <a:bodyPr/>
+          <a:lstStyle/>
+          <a:p>
+            <a:r>
+              <a:rPr lang="en-US"/>
+              <a:t>Evaluating K-means Clusters</a:t>
+            </a:r>
+          </a:p>
+        </p:txBody>
+      </p:sp>
+      <p:sp>
+        <p:nvSpPr>
+          <p:cNvPr id="98307" name="Rectangle 3"/>
+          <p:cNvSpPr>
+            <a:spLocks noGrp="1" noChangeArrowheads="1"/>
+          </p:cNvSpPr>
+          <p:nvPr>
+            <p:ph type="body" idx="1"/>
+          </p:nvPr>
+        </p:nvSpPr>
+        <p:spPr/>
+        <p:txBody>
+          <a:bodyPr/>
+          <a:lstStyle/>
+          <a:p>
+            <a:r>
+              <a:rPr lang="en-US" dirty="0"/>
+              <a:t>Need to incorporate measure of separation between clusters, not only similarity inside each cluster</a:t>
+            </a:r>
+          </a:p>
+          <a:p>
+            <a:r>
+              <a:rPr lang="en-US" dirty="0"/>
+              <a:t>Dissimilarity ratio = (inter-cluster distance / intra-cluster distance</a:t>
+            </a:r>
+            <a:r>
+              <a:rPr lang="en-US" dirty="0" smtClean="0"/>
+              <a:t>)</a:t>
+            </a:r>
+            <a:endParaRPr lang="en-US" dirty="0"/>
+          </a:p>
+        </p:txBody>
+      </p:sp>
+    </p:spTree>
+    <p:extLst>
+      <p:ext uri="{BB962C8B-B14F-4D97-AF65-F5344CB8AC3E}">
+        <p14:creationId xmlns:p14="http://schemas.microsoft.com/office/powerpoint/2010/main" val="1115851596"/>
+      </p:ext>
+    </p:extLst>
+  </p:cSld>
+  <p:clrMapOvr>
+    <a:masterClrMapping/>
+  </p:clrMapOvr>
+</p:sld>
+</file>
+
+<file path=ppt/slides/slide28.xml><?xml version="1.0" encoding="utf-8"?>
+<p:sld xmlns:a="http://schemas.openxmlformats.org/drawingml/2006/main" xmlns:r="http://schemas.openxmlformats.org/officeDocument/2006/relationships" xmlns:p="http://schemas.openxmlformats.org/presentationml/2006/main">
+  <p:cSld>
+    <p:spTree>
+      <p:nvGrpSpPr>
+        <p:cNvPr id="1" name=""/>
+        <p:cNvGrpSpPr/>
+        <p:nvPr/>
+      </p:nvGrpSpPr>
+      <p:grpSpPr>
+        <a:xfrm>
+          <a:off x="0" y="0"/>
+          <a:ext cx="0" cy="0"/>
+          <a:chOff x="0" y="0"/>
+          <a:chExt cx="0" cy="0"/>
+        </a:xfrm>
+      </p:grpSpPr>
+      <p:sp>
+        <p:nvSpPr>
+          <p:cNvPr id="2" name="Title 1"/>
+          <p:cNvSpPr>
+            <a:spLocks noGrp="1"/>
+          </p:cNvSpPr>
+          <p:nvPr>
+            <p:ph type="ctrTitle"/>
+          </p:nvPr>
+        </p:nvSpPr>
+        <p:spPr/>
+        <p:txBody>
+          <a:bodyPr/>
+          <a:lstStyle/>
+          <a:p>
+            <a:endParaRPr lang="en-US" dirty="0"/>
+          </a:p>
+        </p:txBody>
+      </p:sp>
+      <p:sp>
+        <p:nvSpPr>
+          <p:cNvPr id="3" name="Subtitle 2"/>
+          <p:cNvSpPr>
+            <a:spLocks noGrp="1"/>
+          </p:cNvSpPr>
+          <p:nvPr>
+            <p:ph type="subTitle" idx="1"/>
+          </p:nvPr>
+        </p:nvSpPr>
+        <p:spPr/>
+        <p:txBody>
+          <a:bodyPr/>
+          <a:lstStyle/>
+          <a:p>
+            <a:endParaRPr lang="en-US" dirty="0"/>
+          </a:p>
+        </p:txBody>
+      </p:sp>
+      <p:sp>
+        <p:nvSpPr>
+          <p:cNvPr id="4" name="Rectangle 3"/>
+          <p:cNvSpPr/>
+          <p:nvPr/>
+        </p:nvSpPr>
+        <p:spPr>
+          <a:xfrm>
+            <a:off x="0" y="0"/>
+            <a:ext cx="9144000" cy="6858000"/>
+          </a:xfrm>
+          <a:prstGeom prst="rect">
+            <a:avLst/>
+          </a:prstGeom>
+          <a:solidFill>
+            <a:schemeClr val="tx1"/>
+          </a:solidFill>
+          <a:ln>
+            <a:noFill/>
+          </a:ln>
+        </p:spPr>
+        <p:style>
+          <a:lnRef idx="1">
+            <a:schemeClr val="accent1"/>
+          </a:lnRef>
+          <a:fillRef idx="3">
+            <a:schemeClr val="accent1"/>
+          </a:fillRef>
+          <a:effectRef idx="2">
+            <a:schemeClr val="accent1"/>
+          </a:effectRef>
+          <a:fontRef idx="minor">
+            <a:schemeClr val="lt1"/>
+          </a:fontRef>
+        </p:style>
+        <p:txBody>
+          <a:bodyPr rtlCol="0" anchor="ctr"/>
+          <a:lstStyle/>
+          <a:p>
+            <a:pPr algn="ctr"/>
+            <a:endParaRPr lang="en-US"/>
+          </a:p>
+        </p:txBody>
+      </p:sp>
+    </p:spTree>
+    <p:extLst>
+      <p:ext uri="{BB962C8B-B14F-4D97-AF65-F5344CB8AC3E}">
+        <p14:creationId xmlns:p14="http://schemas.microsoft.com/office/powerpoint/2010/main" val="1483794077"/>
       </p:ext>
     </p:extLst>
   </p:cSld>
@@ -4834,11 +11370,7 @@
           <a:p>
             <a:r>
               <a:rPr lang="en-US" dirty="0" smtClean="0"/>
-              <a:t>Hands-</a:t>
-            </a:r>
-            <a:r>
-              <a:rPr lang="en-US" smtClean="0"/>
-              <a:t>on Lab</a:t>
+              <a:t>Hands-on Lab</a:t>
             </a:r>
             <a:endParaRPr lang="en-US" dirty="0"/>
           </a:p>
@@ -4859,7 +11391,90 @@
           <a:bodyPr/>
           <a:lstStyle/>
           <a:p>
-            <a:endParaRPr lang="en-US"/>
+            <a:r>
+              <a:rPr lang="en-US" dirty="0" smtClean="0"/>
+              <a:t>Environment tuning</a:t>
+            </a:r>
+          </a:p>
+          <a:p>
+            <a:pPr lvl="1"/>
+            <a:r>
+              <a:rPr lang="en-US" dirty="0"/>
+              <a:t>e</a:t>
+            </a:r>
+            <a:r>
+              <a:rPr lang="en-US" dirty="0" smtClean="0"/>
+              <a:t>cho $JAVA_HOME</a:t>
+            </a:r>
+          </a:p>
+          <a:p>
+            <a:pPr lvl="1"/>
+            <a:r>
+              <a:rPr lang="en-US" dirty="0" smtClean="0"/>
+              <a:t>which mahout</a:t>
+            </a:r>
+          </a:p>
+          <a:p>
+            <a:endParaRPr lang="en-US" dirty="0" smtClean="0"/>
+          </a:p>
+          <a:p>
+            <a:r>
+              <a:rPr lang="en-US" dirty="0">
+                <a:hlinkClick r:id="rId2"/>
+              </a:rPr>
+              <a:t>http://bit.ly/</a:t>
+            </a:r>
+            <a:r>
+              <a:rPr lang="en-US" dirty="0" smtClean="0">
+                <a:hlinkClick r:id="rId2"/>
+              </a:rPr>
+              <a:t>15eZHG5</a:t>
+            </a:r>
+            <a:r>
+              <a:rPr lang="en-US" dirty="0" smtClean="0"/>
+              <a:t> ~ L 137</a:t>
+            </a:r>
+            <a:endParaRPr lang="en-US" dirty="0"/>
+          </a:p>
+          <a:p>
+            <a:r>
+              <a:rPr lang="en-US" dirty="0">
+                <a:hlinkClick r:id="rId3"/>
+              </a:rPr>
+              <a:t>http://bit.ly/</a:t>
+            </a:r>
+            <a:r>
+              <a:rPr lang="en-US" dirty="0" smtClean="0">
+                <a:hlinkClick r:id="rId3"/>
+              </a:rPr>
+              <a:t>12bxnRN</a:t>
+            </a:r>
+            <a:r>
+              <a:rPr lang="en-US" dirty="0" smtClean="0"/>
+              <a:t> ~ L 106</a:t>
+            </a:r>
+          </a:p>
+          <a:p>
+            <a:r>
+              <a:rPr lang="en-US" dirty="0">
+                <a:hlinkClick r:id="rId4"/>
+              </a:rPr>
+              <a:t>http://bit.ly/</a:t>
+            </a:r>
+            <a:r>
+              <a:rPr lang="en-US" dirty="0" smtClean="0">
+                <a:hlinkClick r:id="rId4"/>
+              </a:rPr>
+              <a:t>14qiE97</a:t>
+            </a:r>
+            <a:r>
+              <a:rPr lang="en-US" dirty="0" smtClean="0"/>
+              <a:t> </a:t>
+            </a:r>
+          </a:p>
+          <a:p>
+            <a:pPr lvl="1"/>
+            <a:endParaRPr lang="en-US" dirty="0"/>
           </a:p>
         </p:txBody>
       </p:sp>
@@ -4872,7 +11487,7 @@
         <p:spPr>
           <a:xfrm>
             <a:off x="0" y="6488668"/>
-            <a:ext cx="5827098" cy="369332"/>
+            <a:ext cx="9699515" cy="369332"/>
           </a:xfrm>
           <a:prstGeom prst="rect">
             <a:avLst/>
@@ -4886,8 +11501,12 @@
           <a:lstStyle/>
           <a:p>
             <a:r>
+              <a:rPr lang="en-US" dirty="0" smtClean="0"/>
+              <a:t>http:</a:t>
+            </a:r>
+            <a:r>
               <a:rPr lang="en-US" dirty="0"/>
-              <a:t>https://</a:t>
+              <a:t>//</a:t>
             </a:r>
             <a:r>
               <a:rPr lang="en-US" dirty="0" err="1"/>
@@ -4895,11 +11514,11 @@
             </a:r>
             <a:r>
               <a:rPr lang="en-US" dirty="0"/>
-              <a:t>/MAHOUT/k-means-</a:t>
+              <a:t>/MAHOUT/quick-tour-of-text-analysis-using-the-mahout-command-</a:t>
             </a:r>
             <a:r>
               <a:rPr lang="en-US" dirty="0" err="1"/>
-              <a:t>clustering.html</a:t>
+              <a:t>line.html</a:t>
             </a:r>
             <a:endParaRPr lang="en-US" dirty="0"/>
           </a:p>
@@ -5340,4 +11959,324 @@
   </a:objectDefaults>
   <a:extraClrSchemeLst/>
 </a:theme>
+</file>
+
+<file path=ppt/theme/theme2.xml><?xml version="1.0" encoding="utf-8"?>
+<a:theme xmlns:a="http://schemas.openxmlformats.org/drawingml/2006/main" name="Office Theme">
+  <a:themeElements>
+    <a:clrScheme name="Office">
+      <a:dk1>
+        <a:sysClr val="windowText" lastClr="000000"/>
+      </a:dk1>
+      <a:lt1>
+        <a:sysClr val="window" lastClr="FFFFFF"/>
+      </a:lt1>
+      <a:dk2>
+        <a:srgbClr val="1F497D"/>
+      </a:dk2>
+      <a:lt2>
+        <a:srgbClr val="EEECE1"/>
+      </a:lt2>
+      <a:accent1>
+        <a:srgbClr val="4F81BD"/>
+      </a:accent1>
+      <a:accent2>
+        <a:srgbClr val="C0504D"/>
+      </a:accent2>
+      <a:accent3>
+        <a:srgbClr val="9BBB59"/>
+      </a:accent3>
+      <a:accent4>
+        <a:srgbClr val="8064A2"/>
+      </a:accent4>
+      <a:accent5>
+        <a:srgbClr val="4BACC6"/>
+      </a:accent5>
+      <a:accent6>
+        <a:srgbClr val="F79646"/>
+      </a:accent6>
+      <a:hlink>
+        <a:srgbClr val="0000FF"/>
+      </a:hlink>
+      <a:folHlink>
+        <a:srgbClr val="800080"/>
+      </a:folHlink>
+    </a:clrScheme>
+    <a:fontScheme name="Office">
+      <a:majorFont>
+        <a:latin typeface="Calibri"/>
+        <a:ea typeface=""/>
+        <a:cs typeface=""/>
+        <a:font script="Jpan" typeface="ＭＳ Ｐゴシック"/>
+        <a:font script="Hang" typeface="맑은 고딕"/>
+        <a:font script="Hans" typeface="宋体"/>
+        <a:font script="Hant" typeface="新細明體"/>
+        <a:font script="Arab" typeface="Times New Roman"/>
+        <a:font script="Hebr" typeface="Times New Roman"/>
+        <a:font script="Thai" typeface="Angsana New"/>
+        <a:font script="Ethi" typeface="Nyala"/>
+        <a:font script="Beng" typeface="Vrinda"/>
+        <a:font script="Gujr" typeface="Shruti"/>
+        <a:font script="Khmr" typeface="MoolBoran"/>
+        <a:font script="Knda" typeface="Tunga"/>
+        <a:font script="Guru" typeface="Raavi"/>
+        <a:font script="Cans" typeface="Euphemia"/>
+        <a:font script="Cher" typeface="Plantagenet Cherokee"/>
+        <a:font script="Yiii" typeface="Microsoft Yi Baiti"/>
+        <a:font script="Tibt" typeface="Microsoft Himalaya"/>
+        <a:font script="Thaa" typeface="MV Boli"/>
+        <a:font script="Deva" typeface="Mangal"/>
+        <a:font script="Telu" typeface="Gautami"/>
+        <a:font script="Taml" typeface="Latha"/>
+        <a:font script="Syrc" typeface="Estrangelo Edessa"/>
+        <a:font script="Orya" typeface="Kalinga"/>
+        <a:font script="Mlym" typeface="Kartika"/>
+        <a:font script="Laoo" typeface="DokChampa"/>
+        <a:font script="Sinh" typeface="Iskoola Pota"/>
+        <a:font script="Mong" typeface="Mongolian Baiti"/>
+        <a:font script="Viet" typeface="Times New Roman"/>
+        <a:font script="Uigh" typeface="Microsoft Uighur"/>
+        <a:font script="Geor" typeface="Sylfaen"/>
+      </a:majorFont>
+      <a:minorFont>
+        <a:latin typeface="Calibri"/>
+        <a:ea typeface=""/>
+        <a:cs typeface=""/>
+        <a:font script="Jpan" typeface="ＭＳ Ｐゴシック"/>
+        <a:font script="Hang" typeface="맑은 고딕"/>
+        <a:font script="Hans" typeface="宋体"/>
+        <a:font script="Hant" typeface="新細明體"/>
+        <a:font script="Arab" typeface="Arial"/>
+        <a:font script="Hebr" typeface="Arial"/>
+        <a:font script="Thai" typeface="Cordia New"/>
+        <a:font script="Ethi" typeface="Nyala"/>
+        <a:font script="Beng" typeface="Vrinda"/>
+        <a:font script="Gujr" typeface="Shruti"/>
+        <a:font script="Khmr" typeface="DaunPenh"/>
+        <a:font script="Knda" typeface="Tunga"/>
+        <a:font script="Guru" typeface="Raavi"/>
+        <a:font script="Cans" typeface="Euphemia"/>
+        <a:font script="Cher" typeface="Plantagenet Cherokee"/>
+        <a:font script="Yiii" typeface="Microsoft Yi Baiti"/>
+        <a:font script="Tibt" typeface="Microsoft Himalaya"/>
+        <a:font script="Thaa" typeface="MV Boli"/>
+        <a:font script="Deva" typeface="Mangal"/>
+        <a:font script="Telu" typeface="Gautami"/>
+        <a:font script="Taml" typeface="Latha"/>
+        <a:font script="Syrc" typeface="Estrangelo Edessa"/>
+        <a:font script="Orya" typeface="Kalinga"/>
+        <a:font script="Mlym" typeface="Kartika"/>
+        <a:font script="Laoo" typeface="DokChampa"/>
+        <a:font script="Sinh" typeface="Iskoola Pota"/>
+        <a:font script="Mong" typeface="Mongolian Baiti"/>
+        <a:font script="Viet" typeface="Arial"/>
+        <a:font script="Uigh" typeface="Microsoft Uighur"/>
+        <a:font script="Geor" typeface="Sylfaen"/>
+      </a:minorFont>
+    </a:fontScheme>
+    <a:fmtScheme name="Office">
+      <a:fillStyleLst>
+        <a:solidFill>
+          <a:schemeClr val="phClr"/>
+        </a:solidFill>
+        <a:gradFill rotWithShape="1">
+          <a:gsLst>
+            <a:gs pos="0">
+              <a:schemeClr val="phClr">
+                <a:tint val="50000"/>
+                <a:satMod val="300000"/>
+              </a:schemeClr>
+            </a:gs>
+            <a:gs pos="35000">
+              <a:schemeClr val="phClr">
+                <a:tint val="37000"/>
+                <a:satMod val="300000"/>
+              </a:schemeClr>
+            </a:gs>
+            <a:gs pos="100000">
+              <a:schemeClr val="phClr">
+                <a:tint val="15000"/>
+                <a:satMod val="350000"/>
+              </a:schemeClr>
+            </a:gs>
+          </a:gsLst>
+          <a:lin ang="16200000" scaled="1"/>
+        </a:gradFill>
+        <a:gradFill rotWithShape="1">
+          <a:gsLst>
+            <a:gs pos="0">
+              <a:schemeClr val="phClr">
+                <a:tint val="100000"/>
+                <a:shade val="100000"/>
+                <a:satMod val="130000"/>
+              </a:schemeClr>
+            </a:gs>
+            <a:gs pos="100000">
+              <a:schemeClr val="phClr">
+                <a:tint val="50000"/>
+                <a:shade val="100000"/>
+                <a:satMod val="350000"/>
+              </a:schemeClr>
+            </a:gs>
+          </a:gsLst>
+          <a:lin ang="16200000" scaled="0"/>
+        </a:gradFill>
+      </a:fillStyleLst>
+      <a:lnStyleLst>
+        <a:ln w="9525" cap="flat" cmpd="sng" algn="ctr">
+          <a:solidFill>
+            <a:schemeClr val="phClr">
+              <a:shade val="95000"/>
+              <a:satMod val="105000"/>
+            </a:schemeClr>
+          </a:solidFill>
+          <a:prstDash val="solid"/>
+        </a:ln>
+        <a:ln w="25400" cap="flat" cmpd="sng" algn="ctr">
+          <a:solidFill>
+            <a:schemeClr val="phClr"/>
+          </a:solidFill>
+          <a:prstDash val="solid"/>
+        </a:ln>
+        <a:ln w="38100" cap="flat" cmpd="sng" algn="ctr">
+          <a:solidFill>
+            <a:schemeClr val="phClr"/>
+          </a:solidFill>
+          <a:prstDash val="solid"/>
+        </a:ln>
+      </a:lnStyleLst>
+      <a:effectStyleLst>
+        <a:effectStyle>
+          <a:effectLst>
+            <a:outerShdw blurRad="40000" dist="20000" dir="5400000" rotWithShape="0">
+              <a:srgbClr val="000000">
+                <a:alpha val="38000"/>
+              </a:srgbClr>
+            </a:outerShdw>
+          </a:effectLst>
+        </a:effectStyle>
+        <a:effectStyle>
+          <a:effectLst>
+            <a:outerShdw blurRad="40000" dist="23000" dir="5400000" rotWithShape="0">
+              <a:srgbClr val="000000">
+                <a:alpha val="35000"/>
+              </a:srgbClr>
+            </a:outerShdw>
+          </a:effectLst>
+        </a:effectStyle>
+        <a:effectStyle>
+          <a:effectLst>
+            <a:outerShdw blurRad="40000" dist="23000" dir="5400000" rotWithShape="0">
+              <a:srgbClr val="000000">
+                <a:alpha val="35000"/>
+              </a:srgbClr>
+            </a:outerShdw>
+          </a:effectLst>
+          <a:scene3d>
+            <a:camera prst="orthographicFront">
+              <a:rot lat="0" lon="0" rev="0"/>
+            </a:camera>
+            <a:lightRig rig="threePt" dir="t">
+              <a:rot lat="0" lon="0" rev="1200000"/>
+            </a:lightRig>
+          </a:scene3d>
+          <a:sp3d>
+            <a:bevelT w="63500" h="25400"/>
+          </a:sp3d>
+        </a:effectStyle>
+      </a:effectStyleLst>
+      <a:bgFillStyleLst>
+        <a:solidFill>
+          <a:schemeClr val="phClr"/>
+        </a:solidFill>
+        <a:gradFill rotWithShape="1">
+          <a:gsLst>
+            <a:gs pos="0">
+              <a:schemeClr val="phClr">
+                <a:tint val="40000"/>
+                <a:satMod val="350000"/>
+              </a:schemeClr>
+            </a:gs>
+            <a:gs pos="40000">
+              <a:schemeClr val="phClr">
+                <a:tint val="45000"/>
+                <a:shade val="99000"/>
+                <a:satMod val="350000"/>
+              </a:schemeClr>
+            </a:gs>
+            <a:gs pos="100000">
+              <a:schemeClr val="phClr">
+                <a:shade val="20000"/>
+                <a:satMod val="255000"/>
+              </a:schemeClr>
+            </a:gs>
+          </a:gsLst>
+          <a:path path="circle">
+            <a:fillToRect l="50000" t="-80000" r="50000" b="180000"/>
+          </a:path>
+        </a:gradFill>
+        <a:gradFill rotWithShape="1">
+          <a:gsLst>
+            <a:gs pos="0">
+              <a:schemeClr val="phClr">
+                <a:tint val="80000"/>
+                <a:satMod val="300000"/>
+              </a:schemeClr>
+            </a:gs>
+            <a:gs pos="100000">
+              <a:schemeClr val="phClr">
+                <a:shade val="30000"/>
+                <a:satMod val="200000"/>
+              </a:schemeClr>
+            </a:gs>
+          </a:gsLst>
+          <a:path path="circle">
+            <a:fillToRect l="50000" t="50000" r="50000" b="50000"/>
+          </a:path>
+        </a:gradFill>
+      </a:bgFillStyleLst>
+    </a:fmtScheme>
+  </a:themeElements>
+  <a:objectDefaults>
+    <a:spDef>
+      <a:spPr/>
+      <a:bodyPr/>
+      <a:lstStyle/>
+      <a:style>
+        <a:lnRef idx="1">
+          <a:schemeClr val="accent1"/>
+        </a:lnRef>
+        <a:fillRef idx="3">
+          <a:schemeClr val="accent1"/>
+        </a:fillRef>
+        <a:effectRef idx="2">
+          <a:schemeClr val="accent1"/>
+        </a:effectRef>
+        <a:fontRef idx="minor">
+          <a:schemeClr val="lt1"/>
+        </a:fontRef>
+      </a:style>
+    </a:spDef>
+    <a:lnDef>
+      <a:spPr/>
+      <a:bodyPr/>
+      <a:lstStyle/>
+      <a:style>
+        <a:lnRef idx="2">
+          <a:schemeClr val="accent1"/>
+        </a:lnRef>
+        <a:fillRef idx="0">
+          <a:schemeClr val="accent1"/>
+        </a:fillRef>
+        <a:effectRef idx="1">
+          <a:schemeClr val="accent1"/>
+        </a:effectRef>
+        <a:fontRef idx="minor">
+          <a:schemeClr val="tx1"/>
+        </a:fontRef>
+      </a:style>
+    </a:lnDef>
+  </a:objectDefaults>
+  <a:extraClrSchemeLst/>
+</a:theme>
 </file>